--- a/BrandonWong/Project/Presentation.pptx
+++ b/BrandonWong/Project/Presentation.pptx
@@ -300,7 +300,7 @@
           <a:p>
             <a:fld id="{DB92F479-4B50-F243-9713-1B12EC2B4BDB}" type="datetimeFigureOut">
               <a:rPr lang="en-US" smtClean="0"/>
-              <a:t>4/1/2016</a:t>
+              <a:t>4/2/2016</a:t>
             </a:fld>
             <a:endParaRPr lang="en-US"/>
           </a:p>
@@ -6737,7 +6737,7 @@
             <a:avLst/>
           </a:prstGeom>
           <a:solidFill>
-            <a:srgbClr val="47494D"/>
+            <a:srgbClr val="F37711"/>
           </a:solidFill>
           <a:ln w="25400" cap="flat" cmpd="sng" algn="ctr">
             <a:noFill/>
@@ -6823,7 +6823,7 @@
               </a14:hiddenLine>
             </a:ext>
             <a:ext uri="{FAA26D3D-D897-4be2-8F04-BA451C77F1D7}">
-              <ma14:placeholderFlag xmlns:ma14="http://schemas.microsoft.com/office/mac/drawingml/2011/main" xmlns="" val="1"/>
+              <ma14:placeholderFlag xmlns="" xmlns:ma14="http://schemas.microsoft.com/office/mac/drawingml/2011/main" val="1"/>
             </a:ext>
           </a:extLst>
         </p:spPr>
@@ -6860,18 +6860,7 @@
                 <a:ea typeface="ヒラギノ角ゴ ProN W6" charset="0"/>
                 <a:cs typeface="ヒラギノ角ゴ ProN W6" charset="0"/>
               </a:rPr>
-              <a:t>I. </a:t>
-            </a:r>
-            <a:r>
-              <a:rPr lang="en-US" sz="3000" dirty="0" err="1">
-                <a:solidFill>
-                  <a:schemeClr val="bg1"/>
-                </a:solidFill>
-                <a:latin typeface="PFDinTextCompPro-Bold" charset="0"/>
-                <a:ea typeface="ヒラギノ角ゴ ProN W6" charset="0"/>
-                <a:cs typeface="ヒラギノ角ゴ ProN W6" charset="0"/>
-              </a:rPr>
-              <a:t>introDUCTION</a:t>
+              <a:t>I. introDUCTION</a:t>
             </a:r>
             <a:br>
               <a:rPr lang="en-US" sz="3000" dirty="0">
@@ -6913,7 +6902,7 @@
                 <a:ea typeface="ヒラギノ角ゴ ProN W6" charset="0"/>
                 <a:cs typeface="ヒラギノ角ゴ ProN W6" charset="0"/>
               </a:rPr>
-              <a:t>II. challenges</a:t>
+              <a:t>III. challenges</a:t>
             </a:r>
             <a:br>
               <a:rPr lang="en-US" sz="3000" dirty="0">
@@ -6926,6 +6915,17 @@
               </a:rPr>
             </a:br>
             <a:r>
+              <a:rPr lang="en-US" sz="3000" dirty="0" err="1">
+                <a:solidFill>
+                  <a:schemeClr val="bg1"/>
+                </a:solidFill>
+                <a:latin typeface="PFDinTextCompPro-Bold" charset="0"/>
+                <a:ea typeface="ヒラギノ角ゴ ProN W6" charset="0"/>
+                <a:cs typeface="ヒラギノ角ゴ ProN W6" charset="0"/>
+              </a:rPr>
+              <a:t>iV</a:t>
+            </a:r>
+            <a:r>
               <a:rPr lang="en-US" sz="3000" dirty="0">
                 <a:solidFill>
                   <a:schemeClr val="bg1"/>
@@ -6934,7 +6934,7 @@
                 <a:ea typeface="ヒラギノ角ゴ ProN W6" charset="0"/>
                 <a:cs typeface="ヒラギノ角ゴ ProN W6" charset="0"/>
               </a:rPr>
-              <a:t>iii. Next steps</a:t>
+              <a:t>. Next steps</a:t>
             </a:r>
             <a:br>
               <a:rPr lang="en-US" sz="3000" dirty="0">
@@ -6955,7 +6955,7 @@
                 <a:ea typeface="ヒラギノ角ゴ ProN W6" charset="0"/>
                 <a:cs typeface="ヒラギノ角ゴ ProN W6" charset="0"/>
               </a:rPr>
-              <a:t>III. Q&amp;A</a:t>
+              <a:t>V. Q&amp;A</a:t>
             </a:r>
             <a:endParaRPr lang="en-US" sz="3000" cap="none" dirty="0">
               <a:solidFill>
@@ -7037,6 +7037,9 @@
             <a:avLst/>
           </a:prstGeom>
           <a:ln>
+            <a:solidFill>
+              <a:schemeClr val="bg1"/>
+            </a:solidFill>
             <a:headEnd type="none" w="med" len="med"/>
             <a:tailEnd type="none" w="med" len="med"/>
           </a:ln>
@@ -7123,7 +7126,7 @@
               </a14:hiddenLine>
             </a:ext>
             <a:ext uri="{FAA26D3D-D897-4be2-8F04-BA451C77F1D7}">
-              <ma14:placeholderFlag xmlns:ma14="http://schemas.microsoft.com/office/mac/drawingml/2011/main" xmlns="" val="1"/>
+              <ma14:placeholderFlag xmlns="" xmlns:ma14="http://schemas.microsoft.com/office/mac/drawingml/2011/main" val="1"/>
             </a:ext>
           </a:extLst>
         </p:spPr>
@@ -7286,7 +7289,7 @@
             <a:avLst/>
           </a:prstGeom>
           <a:solidFill>
-            <a:srgbClr val="47494D"/>
+            <a:srgbClr val="F37711"/>
           </a:solidFill>
           <a:ln w="25400" cap="flat" cmpd="sng" algn="ctr">
             <a:noFill/>
@@ -7340,7 +7343,7 @@
             <a:r>
               <a:rPr lang="en-US" sz="1400" i="1" dirty="0">
                 <a:solidFill>
-                  <a:srgbClr val="64C1E6"/>
+                  <a:schemeClr val="tx1"/>
                 </a:solidFill>
               </a:rPr>
               <a:t>Home Depot: </a:t>
@@ -7375,7 +7378,7 @@
             <a:r>
               <a:rPr lang="en-US" sz="1400" i="1" dirty="0">
                 <a:solidFill>
-                  <a:srgbClr val="64C1E6"/>
+                  <a:schemeClr val="tx1"/>
                 </a:solidFill>
               </a:rPr>
               <a:t>Competition Basics</a:t>
@@ -7383,7 +7386,7 @@
             <a:r>
               <a:rPr lang="en-US" sz="1400" dirty="0">
                 <a:solidFill>
-                  <a:srgbClr val="64C1E6"/>
+                  <a:schemeClr val="tx1"/>
                 </a:solidFill>
               </a:rPr>
               <a:t>: </a:t>
@@ -7424,7 +7427,7 @@
             <a:r>
               <a:rPr lang="en-US" sz="1800" b="1" dirty="0">
                 <a:solidFill>
-                  <a:srgbClr val="64C1E6"/>
+                  <a:schemeClr val="bg1"/>
                 </a:solidFill>
               </a:rPr>
               <a:t>Predict Relevance of Search Results</a:t>
@@ -7457,7 +7460,7 @@
             <a:r>
               <a:rPr lang="en-US" sz="1600" dirty="0">
                 <a:solidFill>
-                  <a:srgbClr val="64C1E6"/>
+                  <a:schemeClr val="tx1"/>
                 </a:solidFill>
               </a:rPr>
               <a:t>$40,000 </a:t>
@@ -7465,14 +7468,14 @@
             <a:r>
               <a:rPr lang="en-US" sz="1200" i="1" dirty="0">
                 <a:solidFill>
-                  <a:srgbClr val="64C1E6"/>
+                  <a:schemeClr val="tx1"/>
                 </a:solidFill>
               </a:rPr>
               <a:t>prize</a:t>
             </a:r>
             <a:endParaRPr lang="en-US" sz="1600" i="1" dirty="0">
               <a:solidFill>
-                <a:srgbClr val="64C1E6"/>
+                <a:schemeClr val="tx1"/>
               </a:solidFill>
             </a:endParaRPr>
           </a:p>
@@ -7481,7 +7484,7 @@
             <a:r>
               <a:rPr lang="en-US" sz="1600" dirty="0">
                 <a:solidFill>
-                  <a:srgbClr val="64C1E6"/>
+                  <a:schemeClr val="tx1"/>
                 </a:solidFill>
               </a:rPr>
               <a:t>1,269 </a:t>
@@ -7489,7 +7492,7 @@
             <a:r>
               <a:rPr lang="en-US" sz="1200" i="1" dirty="0">
                 <a:solidFill>
-                  <a:srgbClr val="64C1E6"/>
+                  <a:schemeClr val="tx1"/>
                 </a:solidFill>
               </a:rPr>
               <a:t>teams</a:t>
@@ -7567,7 +7570,7 @@
           </a:prstGeom>
           <a:ln>
             <a:solidFill>
-              <a:srgbClr val="64C1E6"/>
+              <a:schemeClr val="bg1"/>
             </a:solidFill>
             <a:headEnd type="none" w="med" len="med"/>
             <a:tailEnd type="none" w="med" len="med"/>
@@ -7612,6 +7615,11 @@
           <a:prstGeom prst="rect">
             <a:avLst/>
           </a:prstGeom>
+          <a:ln>
+            <a:solidFill>
+              <a:schemeClr val="tx1"/>
+            </a:solidFill>
+          </a:ln>
         </p:spPr>
       </p:pic>
       <p:pic>
@@ -7663,7 +7671,7 @@
             <a:r>
               <a:rPr lang="en-US" sz="1200" b="1" dirty="0">
                 <a:solidFill>
-                  <a:srgbClr val="64C1E6"/>
+                  <a:schemeClr val="tx1"/>
                 </a:solidFill>
               </a:rPr>
               <a:t>Timeline: 18/01/16 – 25/04/16 </a:t>
@@ -7693,6 +7701,11 @@
           <a:prstGeom prst="rect">
             <a:avLst/>
           </a:prstGeom>
+          <a:ln>
+            <a:solidFill>
+              <a:schemeClr val="tx1"/>
+            </a:solidFill>
+          </a:ln>
         </p:spPr>
       </p:pic>
     </p:spTree>
@@ -7760,7 +7773,7 @@
               </a14:hiddenLine>
             </a:ext>
             <a:ext uri="{FAA26D3D-D897-4be2-8F04-BA451C77F1D7}">
-              <ma14:placeholderFlag xmlns:ma14="http://schemas.microsoft.com/office/mac/drawingml/2011/main" xmlns="" val="1"/>
+              <ma14:placeholderFlag xmlns="" xmlns:ma14="http://schemas.microsoft.com/office/mac/drawingml/2011/main" val="1"/>
             </a:ext>
           </a:extLst>
         </p:spPr>
@@ -7923,7 +7936,7 @@
             <a:avLst/>
           </a:prstGeom>
           <a:solidFill>
-            <a:srgbClr val="47494D"/>
+            <a:srgbClr val="F37711"/>
           </a:solidFill>
           <a:ln w="25400" cap="flat" cmpd="sng" algn="ctr">
             <a:noFill/>
@@ -8045,7 +8058,7 @@
           </a:prstGeom>
           <a:ln>
             <a:solidFill>
-              <a:srgbClr val="64C1E6"/>
+              <a:schemeClr val="bg1"/>
             </a:solidFill>
             <a:headEnd type="none" w="med" len="med"/>
             <a:tailEnd type="none" w="med" len="med"/>
@@ -8076,8 +8089,8 @@
         </p:nvSpPr>
         <p:spPr>
           <a:xfrm>
-            <a:off x="6259667" y="1219199"/>
-            <a:ext cx="1109662" cy="2031325"/>
+            <a:off x="6456898" y="1683543"/>
+            <a:ext cx="1109662" cy="2462213"/>
           </a:xfrm>
           <a:prstGeom prst="rect">
             <a:avLst/>
@@ -8092,10 +8105,44 @@
             <a:r>
               <a:rPr lang="en-US" sz="1400" b="1" dirty="0">
                 <a:solidFill>
-                  <a:srgbClr val="64C1E6"/>
+                  <a:schemeClr val="bg1"/>
                 </a:solidFill>
               </a:rPr>
-              <a:t>Train and Test have similar columns BUT relevance score not provided in Test.</a:t>
+              <a:t>Train and Test have similar columns</a:t>
+            </a:r>
+          </a:p>
+          <a:p>
+            <a:endParaRPr lang="en-US" sz="1400" b="1" dirty="0">
+              <a:solidFill>
+                <a:schemeClr val="bg1"/>
+              </a:solidFill>
+            </a:endParaRPr>
+          </a:p>
+          <a:p>
+            <a:r>
+              <a:rPr lang="en-US" sz="1400" b="1" dirty="0">
+                <a:solidFill>
+                  <a:schemeClr val="bg1"/>
+                </a:solidFill>
+              </a:rPr>
+              <a:t>BUT</a:t>
+            </a:r>
+          </a:p>
+          <a:p>
+            <a:endParaRPr lang="en-US" sz="1400" b="1" dirty="0">
+              <a:solidFill>
+                <a:schemeClr val="bg1"/>
+              </a:solidFill>
+            </a:endParaRPr>
+          </a:p>
+          <a:p>
+            <a:r>
+              <a:rPr lang="en-US" sz="1400" b="1" dirty="0">
+                <a:solidFill>
+                  <a:schemeClr val="bg1"/>
+                </a:solidFill>
+              </a:rPr>
+              <a:t>relevance score not provided in Test.</a:t>
             </a:r>
           </a:p>
         </p:txBody>
@@ -8323,7 +8370,7 @@
               </a14:hiddenLine>
             </a:ext>
             <a:ext uri="{FAA26D3D-D897-4be2-8F04-BA451C77F1D7}">
-              <ma14:placeholderFlag xmlns:ma14="http://schemas.microsoft.com/office/mac/drawingml/2011/main" xmlns="" val="1"/>
+              <ma14:placeholderFlag xmlns="" xmlns:ma14="http://schemas.microsoft.com/office/mac/drawingml/2011/main" val="1"/>
             </a:ext>
           </a:extLst>
         </p:spPr>
@@ -8486,7 +8533,7 @@
             <a:avLst/>
           </a:prstGeom>
           <a:solidFill>
-            <a:srgbClr val="47494D"/>
+            <a:srgbClr val="F37711"/>
           </a:solidFill>
           <a:ln w="25400" cap="flat" cmpd="sng" algn="ctr">
             <a:noFill/>
@@ -8608,7 +8655,7 @@
           </a:prstGeom>
           <a:ln>
             <a:solidFill>
-              <a:srgbClr val="64C1E6"/>
+              <a:schemeClr val="bg1"/>
             </a:solidFill>
             <a:headEnd type="none" w="med" len="med"/>
             <a:tailEnd type="none" w="med" len="med"/>
@@ -8654,7 +8701,7 @@
         </p:blipFill>
         <p:spPr bwMode="auto">
           <a:xfrm>
-            <a:off x="3555988" y="1447800"/>
+            <a:off x="490537" y="1378718"/>
             <a:ext cx="5316548" cy="3314700"/>
           </a:xfrm>
           <a:prstGeom prst="rect">
@@ -8680,7 +8727,7 @@
         </p:nvSpPr>
         <p:spPr>
           <a:xfrm>
-            <a:off x="469927" y="1295400"/>
+            <a:off x="5999198" y="1378718"/>
             <a:ext cx="2763810" cy="3462486"/>
           </a:xfrm>
           <a:prstGeom prst="rect">
@@ -8716,7 +8763,7 @@
             <a:r>
               <a:rPr lang="en-US" sz="1400" b="1" dirty="0">
                 <a:solidFill>
-                  <a:srgbClr val="64C1E6"/>
+                  <a:schemeClr val="bg1"/>
                 </a:solidFill>
               </a:rPr>
               <a:t>I have:</a:t>
@@ -8741,23 +8788,7 @@
                   <a:schemeClr val="bg1"/>
                 </a:solidFill>
               </a:rPr>
-              <a:t>Labeled data (</a:t>
-            </a:r>
-            <a:r>
-              <a:rPr lang="en-US" sz="1200" b="1" dirty="0">
-                <a:solidFill>
-                  <a:srgbClr val="64C1E6"/>
-                </a:solidFill>
-              </a:rPr>
-              <a:t>Classification?</a:t>
-            </a:r>
-            <a:r>
-              <a:rPr lang="en-US" sz="1200" b="1" dirty="0">
-                <a:solidFill>
-                  <a:schemeClr val="bg1"/>
-                </a:solidFill>
-              </a:rPr>
-              <a:t>)</a:t>
+              <a:t>Labeled data (Classification?)</a:t>
             </a:r>
           </a:p>
           <a:p>
@@ -8782,23 +8813,7 @@
                   <a:schemeClr val="bg1"/>
                 </a:solidFill>
               </a:rPr>
-              <a:t>Mid-scale volume, classifiers (</a:t>
-            </a:r>
-            <a:r>
-              <a:rPr lang="en-US" sz="1200" b="1" dirty="0">
-                <a:solidFill>
-                  <a:srgbClr val="64C1E6"/>
-                </a:solidFill>
-              </a:rPr>
-              <a:t>Random Forest?</a:t>
-            </a:r>
-            <a:r>
-              <a:rPr lang="en-US" sz="1200" b="1" dirty="0">
-                <a:solidFill>
-                  <a:schemeClr val="bg1"/>
-                </a:solidFill>
-              </a:rPr>
-              <a:t>)</a:t>
+              <a:t>Mid-scale volume, classifiers (Random Forest?)</a:t>
             </a:r>
           </a:p>
           <a:p>
@@ -8817,7 +8832,7 @@
             <a:r>
               <a:rPr lang="en-US" sz="1400" b="1" dirty="0">
                 <a:solidFill>
-                  <a:srgbClr val="64C1E6"/>
+                  <a:schemeClr val="bg1"/>
                 </a:solidFill>
               </a:rPr>
               <a:t>I need:</a:t>
@@ -8842,31 +8857,15 @@
                   <a:schemeClr val="bg1"/>
                 </a:solidFill>
               </a:rPr>
-              <a:t>Root words / Stems (</a:t>
-            </a:r>
-            <a:r>
-              <a:rPr lang="en-US" sz="1200" b="1" dirty="0">
-                <a:solidFill>
-                  <a:srgbClr val="64C1E6"/>
-                </a:solidFill>
-              </a:rPr>
-              <a:t>Snowball Stemmer / </a:t>
+              <a:t>Root words / Stems (Snowball Stemmer / </a:t>
             </a:r>
             <a:r>
               <a:rPr lang="en-US" sz="1200" b="1" dirty="0" err="1">
                 <a:solidFill>
-                  <a:srgbClr val="64C1E6"/>
+                  <a:schemeClr val="bg1"/>
                 </a:solidFill>
               </a:rPr>
               <a:t>PyStemmer</a:t>
-            </a:r>
-            <a:r>
-              <a:rPr lang="en-US" sz="1200" b="1" dirty="0">
-                <a:solidFill>
-                  <a:srgbClr val="64C1E6"/>
-                </a:solidFill>
-              </a:rPr>
-              <a:t>?</a:t>
             </a:r>
             <a:r>
               <a:rPr lang="en-US" sz="1200" b="1" dirty="0">
@@ -8874,7 +8873,7 @@
                   <a:schemeClr val="bg1"/>
                 </a:solidFill>
               </a:rPr>
-              <a:t>)</a:t>
+              <a:t>?)</a:t>
             </a:r>
           </a:p>
           <a:p>
@@ -8966,7 +8965,7 @@
               </a14:hiddenLine>
             </a:ext>
             <a:ext uri="{FAA26D3D-D897-4be2-8F04-BA451C77F1D7}">
-              <ma14:placeholderFlag xmlns:ma14="http://schemas.microsoft.com/office/mac/drawingml/2011/main" xmlns="" val="1"/>
+              <ma14:placeholderFlag xmlns="" xmlns:ma14="http://schemas.microsoft.com/office/mac/drawingml/2011/main" val="1"/>
             </a:ext>
           </a:extLst>
         </p:spPr>
@@ -9129,7 +9128,7 @@
             <a:avLst/>
           </a:prstGeom>
           <a:solidFill>
-            <a:srgbClr val="47494D"/>
+            <a:srgbClr val="F37711"/>
           </a:solidFill>
           <a:ln w="25400" cap="flat" cmpd="sng" algn="ctr">
             <a:noFill/>
@@ -9251,7 +9250,7 @@
           </a:prstGeom>
           <a:ln>
             <a:solidFill>
-              <a:srgbClr val="64C1E6"/>
+              <a:schemeClr val="bg1"/>
             </a:solidFill>
             <a:headEnd type="none" w="med" len="med"/>
             <a:tailEnd type="none" w="med" len="med"/>
@@ -9282,7 +9281,7 @@
         </p:nvSpPr>
         <p:spPr>
           <a:xfrm>
-            <a:off x="469927" y="1104900"/>
+            <a:off x="5385737" y="1081663"/>
             <a:ext cx="2840010" cy="2246769"/>
           </a:xfrm>
           <a:prstGeom prst="rect">
@@ -9302,7 +9301,7 @@
                   <a:schemeClr val="bg1"/>
                 </a:solidFill>
               </a:rPr>
-              <a:t>Relevance is a number between 1 (not relevant) and 3 (relevant)</a:t>
+              <a:t>Relevance is a number between 1 (not relevant) and 3 (most relevant)</a:t>
             </a:r>
           </a:p>
           <a:p>
@@ -9383,7 +9382,7 @@
         </p:nvSpPr>
         <p:spPr>
           <a:xfrm>
-            <a:off x="5291137" y="1181100"/>
+            <a:off x="5367337" y="3409712"/>
             <a:ext cx="3581400" cy="1600438"/>
           </a:xfrm>
           <a:prstGeom prst="rect">
@@ -9411,23 +9410,7 @@
                   <a:schemeClr val="bg1"/>
                 </a:solidFill>
               </a:rPr>
-              <a:t>(</a:t>
-            </a:r>
-            <a:r>
-              <a:rPr lang="en-US" sz="1400" b="1" i="1" dirty="0" err="1">
-                <a:solidFill>
-                  <a:schemeClr val="bg1"/>
-                </a:solidFill>
-              </a:rPr>
-              <a:t>search_term,product</a:t>
-            </a:r>
-            <a:r>
-              <a:rPr lang="en-US" sz="1400" b="1" i="1" dirty="0">
-                <a:solidFill>
-                  <a:schemeClr val="bg1"/>
-                </a:solidFill>
-              </a:rPr>
-              <a:t>) </a:t>
+              <a:t>(search_term, product) </a:t>
             </a:r>
             <a:r>
               <a:rPr lang="en-US" sz="1400" b="1" dirty="0">
@@ -9478,6 +9461,30 @@
           </a:p>
         </p:txBody>
       </p:sp>
+      <p:pic>
+        <p:nvPicPr>
+          <p:cNvPr id="3" name="Picture 2"/>
+          <p:cNvPicPr>
+            <a:picLocks noChangeAspect="1"/>
+          </p:cNvPicPr>
+          <p:nvPr/>
+        </p:nvPicPr>
+        <p:blipFill>
+          <a:blip r:embed="rId3"/>
+          <a:stretch>
+            <a:fillRect/>
+          </a:stretch>
+        </p:blipFill>
+        <p:spPr>
+          <a:xfrm>
+            <a:off x="519112" y="1725720"/>
+            <a:ext cx="4143635" cy="2350979"/>
+          </a:xfrm>
+          <a:prstGeom prst="rect">
+            <a:avLst/>
+          </a:prstGeom>
+        </p:spPr>
+      </p:pic>
     </p:spTree>
     <p:extLst>
       <p:ext uri="{BB962C8B-B14F-4D97-AF65-F5344CB8AC3E}">
@@ -9543,7 +9550,7 @@
               </a14:hiddenLine>
             </a:ext>
             <a:ext uri="{FAA26D3D-D897-4be2-8F04-BA451C77F1D7}">
-              <ma14:placeholderFlag xmlns:ma14="http://schemas.microsoft.com/office/mac/drawingml/2011/main" xmlns="" val="1"/>
+              <ma14:placeholderFlag xmlns="" xmlns:ma14="http://schemas.microsoft.com/office/mac/drawingml/2011/main" val="1"/>
             </a:ext>
           </a:extLst>
         </p:spPr>
@@ -9706,7 +9713,7 @@
             <a:avLst/>
           </a:prstGeom>
           <a:solidFill>
-            <a:srgbClr val="47494D"/>
+            <a:srgbClr val="F37711"/>
           </a:solidFill>
           <a:ln w="25400" cap="flat" cmpd="sng" algn="ctr">
             <a:noFill/>
@@ -9794,7 +9801,7 @@
                 <a:cs typeface="PFDinTextCompPro-Bold" charset="0"/>
                 <a:sym typeface="PFDinTextCompPro-Bold" charset="0"/>
               </a:rPr>
-              <a:t>Approach (CONT)</a:t>
+              <a:t>Leaderboard</a:t>
             </a:r>
           </a:p>
           <a:p>
@@ -9828,7 +9835,7 @@
           </a:prstGeom>
           <a:ln>
             <a:solidFill>
-              <a:srgbClr val="64C1E6"/>
+              <a:schemeClr val="bg1"/>
             </a:solidFill>
             <a:headEnd type="none" w="med" len="med"/>
             <a:tailEnd type="none" w="med" len="med"/>
@@ -9853,7 +9860,7 @@
       </p:cxnSp>
       <p:pic>
         <p:nvPicPr>
-          <p:cNvPr id="3" name="Picture 2"/>
+          <p:cNvPr id="4" name="Picture 3"/>
           <p:cNvPicPr>
             <a:picLocks noChangeAspect="1"/>
           </p:cNvPicPr>
@@ -9867,8 +9874,8 @@
         </p:blipFill>
         <p:spPr>
           <a:xfrm>
-            <a:off x="200024" y="2781300"/>
-            <a:ext cx="8963025" cy="2314575"/>
+            <a:off x="190499" y="1090612"/>
+            <a:ext cx="8972550" cy="1552575"/>
           </a:xfrm>
           <a:prstGeom prst="rect">
             <a:avLst/>
@@ -9877,7 +9884,7 @@
       </p:pic>
       <p:pic>
         <p:nvPicPr>
-          <p:cNvPr id="4" name="Picture 3"/>
+          <p:cNvPr id="5" name="Picture 4"/>
           <p:cNvPicPr>
             <a:picLocks noChangeAspect="1"/>
           </p:cNvPicPr>
@@ -9891,8 +9898,8 @@
         </p:blipFill>
         <p:spPr>
           <a:xfrm>
-            <a:off x="190499" y="1090612"/>
-            <a:ext cx="8972550" cy="1552575"/>
+            <a:off x="190498" y="2750343"/>
+            <a:ext cx="8972551" cy="2400300"/>
           </a:xfrm>
           <a:prstGeom prst="rect">
             <a:avLst/>
@@ -9964,7 +9971,7 @@
               </a14:hiddenLine>
             </a:ext>
             <a:ext uri="{FAA26D3D-D897-4be2-8F04-BA451C77F1D7}">
-              <ma14:placeholderFlag xmlns:ma14="http://schemas.microsoft.com/office/mac/drawingml/2011/main" xmlns="" val="1"/>
+              <ma14:placeholderFlag xmlns="" xmlns:ma14="http://schemas.microsoft.com/office/mac/drawingml/2011/main" val="1"/>
             </a:ext>
           </a:extLst>
         </p:spPr>
@@ -10127,7 +10134,7 @@
             <a:avLst/>
           </a:prstGeom>
           <a:solidFill>
-            <a:srgbClr val="47494D"/>
+            <a:srgbClr val="F37711"/>
           </a:solidFill>
           <a:ln w="25400" cap="flat" cmpd="sng" algn="ctr">
             <a:noFill/>
@@ -10241,7 +10248,7 @@
           </a:prstGeom>
           <a:ln>
             <a:solidFill>
-              <a:srgbClr val="64C1E6"/>
+              <a:schemeClr val="bg1"/>
             </a:solidFill>
             <a:headEnd type="none" w="med" len="med"/>
             <a:tailEnd type="none" w="med" len="med"/>
@@ -10419,7 +10426,7 @@
               </a14:hiddenLine>
             </a:ext>
             <a:ext uri="{FAA26D3D-D897-4be2-8F04-BA451C77F1D7}">
-              <ma14:placeholderFlag xmlns:ma14="http://schemas.microsoft.com/office/mac/drawingml/2011/main" xmlns="" val="1"/>
+              <ma14:placeholderFlag xmlns="" xmlns:ma14="http://schemas.microsoft.com/office/mac/drawingml/2011/main" val="1"/>
             </a:ext>
           </a:extLst>
         </p:spPr>
@@ -10582,7 +10589,7 @@
             <a:avLst/>
           </a:prstGeom>
           <a:solidFill>
-            <a:srgbClr val="47494D"/>
+            <a:srgbClr val="F37711"/>
           </a:solidFill>
           <a:ln w="25400" cap="flat" cmpd="sng" algn="ctr">
             <a:noFill/>
@@ -10704,7 +10711,7 @@
           </a:prstGeom>
           <a:ln>
             <a:solidFill>
-              <a:srgbClr val="64C1E6"/>
+              <a:schemeClr val="bg1"/>
             </a:solidFill>
             <a:headEnd type="none" w="med" len="med"/>
             <a:tailEnd type="none" w="med" len="med"/>
@@ -10736,7 +10743,7 @@
         <p:spPr>
           <a:xfrm>
             <a:off x="469927" y="1104900"/>
-            <a:ext cx="8402610" cy="1169551"/>
+            <a:ext cx="8402610" cy="1384995"/>
           </a:xfrm>
           <a:prstGeom prst="rect">
             <a:avLst/>
@@ -10748,6 +10755,14 @@
           </a:bodyPr>
           <a:lstStyle/>
           <a:p>
+            <a:pPr algn="l"/>
+            <a:endParaRPr lang="en-US" sz="1400" b="1" dirty="0">
+              <a:solidFill>
+                <a:schemeClr val="bg1"/>
+              </a:solidFill>
+            </a:endParaRPr>
+          </a:p>
+          <a:p>
             <a:pPr marL="342900" indent="-342900" algn="l">
               <a:buFont typeface="+mj-lt"/>
               <a:buAutoNum type="arabicPeriod"/>
@@ -10758,7 +10773,7 @@
                   <a:schemeClr val="bg1"/>
                 </a:solidFill>
               </a:rPr>
-              <a:t>Complete initial entry form and submit</a:t>
+              <a:t>Check out winning strategies on Kaggle, improve on them</a:t>
             </a:r>
           </a:p>
           <a:p>
@@ -10783,7 +10798,7 @@
                   <a:schemeClr val="bg1"/>
                 </a:solidFill>
               </a:rPr>
-              <a:t>Review the forums after competition is closed to see winning strategies</a:t>
+              <a:t>Keep competing in Kaggle competitions</a:t>
             </a:r>
           </a:p>
           <a:p>
@@ -10808,7 +10823,7 @@
                   <a:schemeClr val="bg1"/>
                 </a:solidFill>
               </a:rPr>
-              <a:t>Keep competing in Kaggle competitions</a:t>
+              <a:t>Try out Natural Language Processing</a:t>
             </a:r>
           </a:p>
         </p:txBody>
@@ -10878,7 +10893,7 @@
               </a14:hiddenLine>
             </a:ext>
             <a:ext uri="{FAA26D3D-D897-4be2-8F04-BA451C77F1D7}">
-              <ma14:placeholderFlag xmlns:ma14="http://schemas.microsoft.com/office/mac/drawingml/2011/main" xmlns="" val="1"/>
+              <ma14:placeholderFlag xmlns="" xmlns:ma14="http://schemas.microsoft.com/office/mac/drawingml/2011/main" val="1"/>
             </a:ext>
           </a:extLst>
         </p:spPr>
@@ -11041,7 +11056,7 @@
             <a:avLst/>
           </a:prstGeom>
           <a:solidFill>
-            <a:srgbClr val="47494D"/>
+            <a:srgbClr val="F37711"/>
           </a:solidFill>
           <a:ln w="25400" cap="flat" cmpd="sng" algn="ctr">
             <a:noFill/>
@@ -11163,7 +11178,7 @@
           </a:prstGeom>
           <a:ln>
             <a:solidFill>
-              <a:srgbClr val="64C1E6"/>
+              <a:schemeClr val="bg1"/>
             </a:solidFill>
             <a:headEnd type="none" w="med" len="med"/>
             <a:tailEnd type="none" w="med" len="med"/>

--- a/BrandonWong/Project/Presentation.pptx
+++ b/BrandonWong/Project/Presentation.pptx
@@ -5,7 +5,7 @@
     <p:sldMasterId id="2147483649" r:id="rId1"/>
   </p:sldMasterIdLst>
   <p:notesMasterIdLst>
-    <p:notesMasterId r:id="rId11"/>
+    <p:notesMasterId r:id="rId16"/>
   </p:notesMasterIdLst>
   <p:sldIdLst>
     <p:sldId id="807" r:id="rId2"/>
@@ -13,10 +13,15 @@
     <p:sldId id="808" r:id="rId4"/>
     <p:sldId id="810" r:id="rId5"/>
     <p:sldId id="811" r:id="rId6"/>
-    <p:sldId id="819" r:id="rId7"/>
-    <p:sldId id="816" r:id="rId8"/>
-    <p:sldId id="817" r:id="rId9"/>
-    <p:sldId id="818" r:id="rId10"/>
+    <p:sldId id="823" r:id="rId7"/>
+    <p:sldId id="821" r:id="rId8"/>
+    <p:sldId id="820" r:id="rId9"/>
+    <p:sldId id="824" r:id="rId10"/>
+    <p:sldId id="822" r:id="rId11"/>
+    <p:sldId id="825" r:id="rId12"/>
+    <p:sldId id="819" r:id="rId13"/>
+    <p:sldId id="816" r:id="rId14"/>
+    <p:sldId id="817" r:id="rId15"/>
   </p:sldIdLst>
   <p:sldSz cx="9363075" cy="5257800"/>
   <p:notesSz cx="6858000" cy="9144000"/>
@@ -655,6 +660,446 @@
 </p:notes>
 </file>
 
+<file path=ppt/notesSlides/notesSlide10.xml><?xml version="1.0" encoding="utf-8"?>
+<p:notes xmlns:a="http://schemas.openxmlformats.org/drawingml/2006/main" xmlns:r="http://schemas.openxmlformats.org/officeDocument/2006/relationships" xmlns:p="http://schemas.openxmlformats.org/presentationml/2006/main">
+  <p:cSld>
+    <p:spTree>
+      <p:nvGrpSpPr>
+        <p:cNvPr id="1" name=""/>
+        <p:cNvGrpSpPr/>
+        <p:nvPr/>
+      </p:nvGrpSpPr>
+      <p:grpSpPr>
+        <a:xfrm>
+          <a:off x="0" y="0"/>
+          <a:ext cx="0" cy="0"/>
+          <a:chOff x="0" y="0"/>
+          <a:chExt cx="0" cy="0"/>
+        </a:xfrm>
+      </p:grpSpPr>
+      <p:sp>
+        <p:nvSpPr>
+          <p:cNvPr id="2" name="Slide Image Placeholder 1"/>
+          <p:cNvSpPr>
+            <a:spLocks noGrp="1" noRot="1" noChangeAspect="1"/>
+          </p:cNvSpPr>
+          <p:nvPr>
+            <p:ph type="sldImg"/>
+          </p:nvPr>
+        </p:nvSpPr>
+        <p:spPr/>
+      </p:sp>
+      <p:sp>
+        <p:nvSpPr>
+          <p:cNvPr id="3" name="Notes Placeholder 2"/>
+          <p:cNvSpPr>
+            <a:spLocks noGrp="1"/>
+          </p:cNvSpPr>
+          <p:nvPr>
+            <p:ph type="body" idx="1"/>
+          </p:nvPr>
+        </p:nvSpPr>
+        <p:spPr/>
+        <p:txBody>
+          <a:bodyPr/>
+          <a:lstStyle/>
+          <a:p>
+            <a:r>
+              <a:rPr lang="en-US" baseline="0" dirty="0"/>
+              <a:t>  </a:t>
+            </a:r>
+            <a:endParaRPr lang="en-US" dirty="0"/>
+          </a:p>
+        </p:txBody>
+      </p:sp>
+      <p:sp>
+        <p:nvSpPr>
+          <p:cNvPr id="4" name="Slide Number Placeholder 3"/>
+          <p:cNvSpPr>
+            <a:spLocks noGrp="1"/>
+          </p:cNvSpPr>
+          <p:nvPr>
+            <p:ph type="sldNum" sz="quarter" idx="10"/>
+          </p:nvPr>
+        </p:nvSpPr>
+        <p:spPr/>
+        <p:txBody>
+          <a:bodyPr/>
+          <a:lstStyle/>
+          <a:p>
+            <a:fld id="{ADD4B5B7-85EF-4E48-AC80-2380FACD9C23}" type="slidenum">
+              <a:rPr lang="en-US" smtClean="0"/>
+              <a:t>10</a:t>
+            </a:fld>
+            <a:endParaRPr lang="en-US"/>
+          </a:p>
+        </p:txBody>
+      </p:sp>
+    </p:spTree>
+    <p:extLst>
+      <p:ext uri="{BB962C8B-B14F-4D97-AF65-F5344CB8AC3E}">
+        <p14:creationId xmlns:p14="http://schemas.microsoft.com/office/powerpoint/2010/main" val="2448502844"/>
+      </p:ext>
+    </p:extLst>
+  </p:cSld>
+  <p:clrMapOvr>
+    <a:masterClrMapping/>
+  </p:clrMapOvr>
+</p:notes>
+</file>
+
+<file path=ppt/notesSlides/notesSlide11.xml><?xml version="1.0" encoding="utf-8"?>
+<p:notes xmlns:a="http://schemas.openxmlformats.org/drawingml/2006/main" xmlns:r="http://schemas.openxmlformats.org/officeDocument/2006/relationships" xmlns:p="http://schemas.openxmlformats.org/presentationml/2006/main">
+  <p:cSld>
+    <p:spTree>
+      <p:nvGrpSpPr>
+        <p:cNvPr id="1" name=""/>
+        <p:cNvGrpSpPr/>
+        <p:nvPr/>
+      </p:nvGrpSpPr>
+      <p:grpSpPr>
+        <a:xfrm>
+          <a:off x="0" y="0"/>
+          <a:ext cx="0" cy="0"/>
+          <a:chOff x="0" y="0"/>
+          <a:chExt cx="0" cy="0"/>
+        </a:xfrm>
+      </p:grpSpPr>
+      <p:sp>
+        <p:nvSpPr>
+          <p:cNvPr id="2" name="Slide Image Placeholder 1"/>
+          <p:cNvSpPr>
+            <a:spLocks noGrp="1" noRot="1" noChangeAspect="1"/>
+          </p:cNvSpPr>
+          <p:nvPr>
+            <p:ph type="sldImg"/>
+          </p:nvPr>
+        </p:nvSpPr>
+        <p:spPr/>
+      </p:sp>
+      <p:sp>
+        <p:nvSpPr>
+          <p:cNvPr id="3" name="Notes Placeholder 2"/>
+          <p:cNvSpPr>
+            <a:spLocks noGrp="1"/>
+          </p:cNvSpPr>
+          <p:nvPr>
+            <p:ph type="body" idx="1"/>
+          </p:nvPr>
+        </p:nvSpPr>
+        <p:spPr/>
+        <p:txBody>
+          <a:bodyPr/>
+          <a:lstStyle/>
+          <a:p>
+            <a:r>
+              <a:rPr lang="en-US" baseline="0" dirty="0"/>
+              <a:t>  </a:t>
+            </a:r>
+            <a:endParaRPr lang="en-US" dirty="0"/>
+          </a:p>
+        </p:txBody>
+      </p:sp>
+      <p:sp>
+        <p:nvSpPr>
+          <p:cNvPr id="4" name="Slide Number Placeholder 3"/>
+          <p:cNvSpPr>
+            <a:spLocks noGrp="1"/>
+          </p:cNvSpPr>
+          <p:nvPr>
+            <p:ph type="sldNum" sz="quarter" idx="10"/>
+          </p:nvPr>
+        </p:nvSpPr>
+        <p:spPr/>
+        <p:txBody>
+          <a:bodyPr/>
+          <a:lstStyle/>
+          <a:p>
+            <a:fld id="{ADD4B5B7-85EF-4E48-AC80-2380FACD9C23}" type="slidenum">
+              <a:rPr lang="en-US" smtClean="0"/>
+              <a:t>11</a:t>
+            </a:fld>
+            <a:endParaRPr lang="en-US"/>
+          </a:p>
+        </p:txBody>
+      </p:sp>
+    </p:spTree>
+    <p:extLst>
+      <p:ext uri="{BB962C8B-B14F-4D97-AF65-F5344CB8AC3E}">
+        <p14:creationId xmlns:p14="http://schemas.microsoft.com/office/powerpoint/2010/main" val="2302265336"/>
+      </p:ext>
+    </p:extLst>
+  </p:cSld>
+  <p:clrMapOvr>
+    <a:masterClrMapping/>
+  </p:clrMapOvr>
+</p:notes>
+</file>
+
+<file path=ppt/notesSlides/notesSlide12.xml><?xml version="1.0" encoding="utf-8"?>
+<p:notes xmlns:a="http://schemas.openxmlformats.org/drawingml/2006/main" xmlns:r="http://schemas.openxmlformats.org/officeDocument/2006/relationships" xmlns:p="http://schemas.openxmlformats.org/presentationml/2006/main">
+  <p:cSld>
+    <p:spTree>
+      <p:nvGrpSpPr>
+        <p:cNvPr id="1" name=""/>
+        <p:cNvGrpSpPr/>
+        <p:nvPr/>
+      </p:nvGrpSpPr>
+      <p:grpSpPr>
+        <a:xfrm>
+          <a:off x="0" y="0"/>
+          <a:ext cx="0" cy="0"/>
+          <a:chOff x="0" y="0"/>
+          <a:chExt cx="0" cy="0"/>
+        </a:xfrm>
+      </p:grpSpPr>
+      <p:sp>
+        <p:nvSpPr>
+          <p:cNvPr id="2" name="Slide Image Placeholder 1"/>
+          <p:cNvSpPr>
+            <a:spLocks noGrp="1" noRot="1" noChangeAspect="1"/>
+          </p:cNvSpPr>
+          <p:nvPr>
+            <p:ph type="sldImg"/>
+          </p:nvPr>
+        </p:nvSpPr>
+        <p:spPr/>
+      </p:sp>
+      <p:sp>
+        <p:nvSpPr>
+          <p:cNvPr id="3" name="Notes Placeholder 2"/>
+          <p:cNvSpPr>
+            <a:spLocks noGrp="1"/>
+          </p:cNvSpPr>
+          <p:nvPr>
+            <p:ph type="body" idx="1"/>
+          </p:nvPr>
+        </p:nvSpPr>
+        <p:spPr/>
+        <p:txBody>
+          <a:bodyPr/>
+          <a:lstStyle/>
+          <a:p>
+            <a:r>
+              <a:rPr lang="en-US" baseline="0" dirty="0"/>
+              <a:t>  </a:t>
+            </a:r>
+            <a:endParaRPr lang="en-US" dirty="0"/>
+          </a:p>
+        </p:txBody>
+      </p:sp>
+      <p:sp>
+        <p:nvSpPr>
+          <p:cNvPr id="4" name="Slide Number Placeholder 3"/>
+          <p:cNvSpPr>
+            <a:spLocks noGrp="1"/>
+          </p:cNvSpPr>
+          <p:nvPr>
+            <p:ph type="sldNum" sz="quarter" idx="10"/>
+          </p:nvPr>
+        </p:nvSpPr>
+        <p:spPr/>
+        <p:txBody>
+          <a:bodyPr/>
+          <a:lstStyle/>
+          <a:p>
+            <a:fld id="{ADD4B5B7-85EF-4E48-AC80-2380FACD9C23}" type="slidenum">
+              <a:rPr lang="en-US" smtClean="0"/>
+              <a:t>12</a:t>
+            </a:fld>
+            <a:endParaRPr lang="en-US"/>
+          </a:p>
+        </p:txBody>
+      </p:sp>
+    </p:spTree>
+    <p:extLst>
+      <p:ext uri="{BB962C8B-B14F-4D97-AF65-F5344CB8AC3E}">
+        <p14:creationId xmlns:p14="http://schemas.microsoft.com/office/powerpoint/2010/main" val="601165132"/>
+      </p:ext>
+    </p:extLst>
+  </p:cSld>
+  <p:clrMapOvr>
+    <a:masterClrMapping/>
+  </p:clrMapOvr>
+</p:notes>
+</file>
+
+<file path=ppt/notesSlides/notesSlide13.xml><?xml version="1.0" encoding="utf-8"?>
+<p:notes xmlns:a="http://schemas.openxmlformats.org/drawingml/2006/main" xmlns:r="http://schemas.openxmlformats.org/officeDocument/2006/relationships" xmlns:p="http://schemas.openxmlformats.org/presentationml/2006/main">
+  <p:cSld>
+    <p:spTree>
+      <p:nvGrpSpPr>
+        <p:cNvPr id="1" name=""/>
+        <p:cNvGrpSpPr/>
+        <p:nvPr/>
+      </p:nvGrpSpPr>
+      <p:grpSpPr>
+        <a:xfrm>
+          <a:off x="0" y="0"/>
+          <a:ext cx="0" cy="0"/>
+          <a:chOff x="0" y="0"/>
+          <a:chExt cx="0" cy="0"/>
+        </a:xfrm>
+      </p:grpSpPr>
+      <p:sp>
+        <p:nvSpPr>
+          <p:cNvPr id="2" name="Slide Image Placeholder 1"/>
+          <p:cNvSpPr>
+            <a:spLocks noGrp="1" noRot="1" noChangeAspect="1"/>
+          </p:cNvSpPr>
+          <p:nvPr>
+            <p:ph type="sldImg"/>
+          </p:nvPr>
+        </p:nvSpPr>
+        <p:spPr/>
+      </p:sp>
+      <p:sp>
+        <p:nvSpPr>
+          <p:cNvPr id="3" name="Notes Placeholder 2"/>
+          <p:cNvSpPr>
+            <a:spLocks noGrp="1"/>
+          </p:cNvSpPr>
+          <p:nvPr>
+            <p:ph type="body" idx="1"/>
+          </p:nvPr>
+        </p:nvSpPr>
+        <p:spPr/>
+        <p:txBody>
+          <a:bodyPr/>
+          <a:lstStyle/>
+          <a:p>
+            <a:r>
+              <a:rPr lang="en-US" baseline="0" dirty="0"/>
+              <a:t>  </a:t>
+            </a:r>
+            <a:endParaRPr lang="en-US" dirty="0"/>
+          </a:p>
+        </p:txBody>
+      </p:sp>
+      <p:sp>
+        <p:nvSpPr>
+          <p:cNvPr id="4" name="Slide Number Placeholder 3"/>
+          <p:cNvSpPr>
+            <a:spLocks noGrp="1"/>
+          </p:cNvSpPr>
+          <p:nvPr>
+            <p:ph type="sldNum" sz="quarter" idx="10"/>
+          </p:nvPr>
+        </p:nvSpPr>
+        <p:spPr/>
+        <p:txBody>
+          <a:bodyPr/>
+          <a:lstStyle/>
+          <a:p>
+            <a:fld id="{ADD4B5B7-85EF-4E48-AC80-2380FACD9C23}" type="slidenum">
+              <a:rPr lang="en-US" smtClean="0"/>
+              <a:t>13</a:t>
+            </a:fld>
+            <a:endParaRPr lang="en-US"/>
+          </a:p>
+        </p:txBody>
+      </p:sp>
+    </p:spTree>
+    <p:extLst>
+      <p:ext uri="{BB962C8B-B14F-4D97-AF65-F5344CB8AC3E}">
+        <p14:creationId xmlns:p14="http://schemas.microsoft.com/office/powerpoint/2010/main" val="184081147"/>
+      </p:ext>
+    </p:extLst>
+  </p:cSld>
+  <p:clrMapOvr>
+    <a:masterClrMapping/>
+  </p:clrMapOvr>
+</p:notes>
+</file>
+
+<file path=ppt/notesSlides/notesSlide14.xml><?xml version="1.0" encoding="utf-8"?>
+<p:notes xmlns:a="http://schemas.openxmlformats.org/drawingml/2006/main" xmlns:r="http://schemas.openxmlformats.org/officeDocument/2006/relationships" xmlns:p="http://schemas.openxmlformats.org/presentationml/2006/main">
+  <p:cSld>
+    <p:spTree>
+      <p:nvGrpSpPr>
+        <p:cNvPr id="1" name=""/>
+        <p:cNvGrpSpPr/>
+        <p:nvPr/>
+      </p:nvGrpSpPr>
+      <p:grpSpPr>
+        <a:xfrm>
+          <a:off x="0" y="0"/>
+          <a:ext cx="0" cy="0"/>
+          <a:chOff x="0" y="0"/>
+          <a:chExt cx="0" cy="0"/>
+        </a:xfrm>
+      </p:grpSpPr>
+      <p:sp>
+        <p:nvSpPr>
+          <p:cNvPr id="2" name="Slide Image Placeholder 1"/>
+          <p:cNvSpPr>
+            <a:spLocks noGrp="1" noRot="1" noChangeAspect="1"/>
+          </p:cNvSpPr>
+          <p:nvPr>
+            <p:ph type="sldImg"/>
+          </p:nvPr>
+        </p:nvSpPr>
+        <p:spPr/>
+      </p:sp>
+      <p:sp>
+        <p:nvSpPr>
+          <p:cNvPr id="3" name="Notes Placeholder 2"/>
+          <p:cNvSpPr>
+            <a:spLocks noGrp="1"/>
+          </p:cNvSpPr>
+          <p:nvPr>
+            <p:ph type="body" idx="1"/>
+          </p:nvPr>
+        </p:nvSpPr>
+        <p:spPr/>
+        <p:txBody>
+          <a:bodyPr/>
+          <a:lstStyle/>
+          <a:p>
+            <a:r>
+              <a:rPr lang="en-US" baseline="0" dirty="0"/>
+              <a:t>  </a:t>
+            </a:r>
+            <a:endParaRPr lang="en-US" dirty="0"/>
+          </a:p>
+        </p:txBody>
+      </p:sp>
+      <p:sp>
+        <p:nvSpPr>
+          <p:cNvPr id="4" name="Slide Number Placeholder 3"/>
+          <p:cNvSpPr>
+            <a:spLocks noGrp="1"/>
+          </p:cNvSpPr>
+          <p:nvPr>
+            <p:ph type="sldNum" sz="quarter" idx="10"/>
+          </p:nvPr>
+        </p:nvSpPr>
+        <p:spPr/>
+        <p:txBody>
+          <a:bodyPr/>
+          <a:lstStyle/>
+          <a:p>
+            <a:fld id="{ADD4B5B7-85EF-4E48-AC80-2380FACD9C23}" type="slidenum">
+              <a:rPr lang="en-US" smtClean="0"/>
+              <a:t>14</a:t>
+            </a:fld>
+            <a:endParaRPr lang="en-US"/>
+          </a:p>
+        </p:txBody>
+      </p:sp>
+    </p:spTree>
+    <p:extLst>
+      <p:ext uri="{BB962C8B-B14F-4D97-AF65-F5344CB8AC3E}">
+        <p14:creationId xmlns:p14="http://schemas.microsoft.com/office/powerpoint/2010/main" val="184081147"/>
+      </p:ext>
+    </p:extLst>
+  </p:cSld>
+  <p:clrMapOvr>
+    <a:masterClrMapping/>
+  </p:clrMapOvr>
+</p:notes>
+</file>
+
 <file path=ppt/notesSlides/notesSlide2.xml><?xml version="1.0" encoding="utf-8"?>
 <p:notes xmlns:a="http://schemas.openxmlformats.org/drawingml/2006/main" xmlns:r="http://schemas.openxmlformats.org/officeDocument/2006/relationships" xmlns:p="http://schemas.openxmlformats.org/presentationml/2006/main">
   <p:cSld>
@@ -1085,7 +1530,7 @@
     </p:spTree>
     <p:extLst>
       <p:ext uri="{BB962C8B-B14F-4D97-AF65-F5344CB8AC3E}">
-        <p14:creationId xmlns:p14="http://schemas.microsoft.com/office/powerpoint/2010/main" val="601165132"/>
+        <p14:creationId xmlns:p14="http://schemas.microsoft.com/office/powerpoint/2010/main" val="3855471854"/>
       </p:ext>
     </p:extLst>
   </p:cSld>
@@ -1173,7 +1618,7 @@
     </p:spTree>
     <p:extLst>
       <p:ext uri="{BB962C8B-B14F-4D97-AF65-F5344CB8AC3E}">
-        <p14:creationId xmlns:p14="http://schemas.microsoft.com/office/powerpoint/2010/main" val="184081147"/>
+        <p14:creationId xmlns:p14="http://schemas.microsoft.com/office/powerpoint/2010/main" val="787042872"/>
       </p:ext>
     </p:extLst>
   </p:cSld>
@@ -1261,7 +1706,7 @@
     </p:spTree>
     <p:extLst>
       <p:ext uri="{BB962C8B-B14F-4D97-AF65-F5344CB8AC3E}">
-        <p14:creationId xmlns:p14="http://schemas.microsoft.com/office/powerpoint/2010/main" val="184081147"/>
+        <p14:creationId xmlns:p14="http://schemas.microsoft.com/office/powerpoint/2010/main" val="3100899726"/>
       </p:ext>
     </p:extLst>
   </p:cSld>
@@ -1349,7 +1794,7 @@
     </p:spTree>
     <p:extLst>
       <p:ext uri="{BB962C8B-B14F-4D97-AF65-F5344CB8AC3E}">
-        <p14:creationId xmlns:p14="http://schemas.microsoft.com/office/powerpoint/2010/main" val="184081147"/>
+        <p14:creationId xmlns:p14="http://schemas.microsoft.com/office/powerpoint/2010/main" val="3962328366"/>
       </p:ext>
     </p:extLst>
   </p:cSld>
@@ -6823,7 +7268,7 @@
               </a14:hiddenLine>
             </a:ext>
             <a:ext uri="{FAA26D3D-D897-4be2-8F04-BA451C77F1D7}">
-              <ma14:placeholderFlag xmlns="" xmlns:ma14="http://schemas.microsoft.com/office/mac/drawingml/2011/main" val="1"/>
+              <ma14:placeholderFlag xmlns:ma14="http://schemas.microsoft.com/office/mac/drawingml/2011/main" xmlns="" val="1"/>
             </a:ext>
           </a:extLst>
         </p:spPr>
@@ -6881,7 +7326,7 @@
                 <a:ea typeface="ヒラギノ角ゴ ProN W6" charset="0"/>
                 <a:cs typeface="ヒラギノ角ゴ ProN W6" charset="0"/>
               </a:rPr>
-              <a:t>Ii. approach</a:t>
+              <a:t>Ii. Approach</a:t>
             </a:r>
             <a:br>
               <a:rPr lang="en-US" sz="3000" dirty="0">
@@ -7075,7 +7520,7 @@
 </p:sld>
 </file>
 
-<file path=ppt/slides/slide2.xml><?xml version="1.0" encoding="utf-8"?>
+<file path=ppt/slides/slide10.xml><?xml version="1.0" encoding="utf-8"?>
 <p:sld xmlns:a="http://schemas.openxmlformats.org/drawingml/2006/main" xmlns:r="http://schemas.openxmlformats.org/officeDocument/2006/relationships" xmlns:p="http://schemas.openxmlformats.org/presentationml/2006/main">
   <p:cSld>
     <p:spTree>
@@ -7126,7 +7571,2194 @@
               </a14:hiddenLine>
             </a:ext>
             <a:ext uri="{FAA26D3D-D897-4be2-8F04-BA451C77F1D7}">
-              <ma14:placeholderFlag xmlns="" xmlns:ma14="http://schemas.microsoft.com/office/mac/drawingml/2011/main" val="1"/>
+              <ma14:placeholderFlag xmlns:ma14="http://schemas.microsoft.com/office/mac/drawingml/2011/main" xmlns="" val="1"/>
+            </a:ext>
+          </a:extLst>
+        </p:spPr>
+        <p:txBody>
+          <a:bodyPr wrap="square" numCol="1" anchor="t" anchorCtr="0" compatLnSpc="1">
+            <a:prstTxWarp prst="textNoShape">
+              <a:avLst/>
+            </a:prstTxWarp>
+          </a:bodyPr>
+          <a:lstStyle/>
+          <a:p>
+            <a:pPr>
+              <a:lnSpc>
+                <a:spcPts val="3600"/>
+              </a:lnSpc>
+              <a:defRPr/>
+            </a:pPr>
+            <a:br>
+              <a:rPr lang="en-US" sz="3000" dirty="0">
+                <a:latin typeface="PFDinTextCompPro-Bold" charset="0"/>
+                <a:ea typeface="ヒラギノ角ゴ ProN W6" charset="0"/>
+                <a:cs typeface="ヒラギノ角ゴ ProN W6" charset="0"/>
+              </a:rPr>
+            </a:br>
+            <a:r>
+              <a:rPr lang="en-US" sz="3000" dirty="0">
+                <a:latin typeface="PFDinTextCompPro-Bold" charset="0"/>
+                <a:ea typeface="ヒラギノ角ゴ ProN W6" charset="0"/>
+                <a:cs typeface="ヒラギノ角ゴ ProN W6" charset="0"/>
+              </a:rPr>
+              <a:t>0. Quick intro</a:t>
+            </a:r>
+            <a:br>
+              <a:rPr lang="en-US" sz="3000" dirty="0">
+                <a:latin typeface="PFDinTextCompPro-Bold" charset="0"/>
+                <a:ea typeface="ヒラギノ角ゴ ProN W6" charset="0"/>
+                <a:cs typeface="ヒラギノ角ゴ ProN W6" charset="0"/>
+              </a:rPr>
+            </a:br>
+            <a:r>
+              <a:rPr lang="en-US" sz="3000" dirty="0">
+                <a:latin typeface="PFDinTextCompPro-Bold" charset="0"/>
+                <a:ea typeface="ヒラギノ角ゴ ProN W6" charset="0"/>
+                <a:cs typeface="ヒラギノ角ゴ ProN W6" charset="0"/>
+              </a:rPr>
+              <a:t>I. my approach</a:t>
+            </a:r>
+            <a:br>
+              <a:rPr lang="en-US" sz="3000" dirty="0">
+                <a:latin typeface="PFDinTextCompPro-Bold" charset="0"/>
+                <a:ea typeface="ヒラギノ角ゴ ProN W6" charset="0"/>
+                <a:cs typeface="ヒラギノ角ゴ ProN W6" charset="0"/>
+              </a:rPr>
+            </a:br>
+            <a:r>
+              <a:rPr lang="en-US" sz="3000" dirty="0">
+                <a:latin typeface="PFDinTextCompPro-Bold" charset="0"/>
+                <a:ea typeface="ヒラギノ角ゴ ProN W6" charset="0"/>
+                <a:cs typeface="ヒラギノ角ゴ ProN W6" charset="0"/>
+              </a:rPr>
+              <a:t>II. My challenges</a:t>
+            </a:r>
+            <a:br>
+              <a:rPr lang="en-US" sz="3000" dirty="0">
+                <a:latin typeface="PFDinTextCompPro-Bold" charset="0"/>
+                <a:ea typeface="ヒラギノ角ゴ ProN W6" charset="0"/>
+                <a:cs typeface="ヒラギノ角ゴ ProN W6" charset="0"/>
+              </a:rPr>
+            </a:br>
+            <a:r>
+              <a:rPr lang="en-US" sz="3000" dirty="0">
+                <a:latin typeface="PFDinTextCompPro-Bold" charset="0"/>
+                <a:ea typeface="ヒラギノ角ゴ ProN W6" charset="0"/>
+                <a:cs typeface="ヒラギノ角ゴ ProN W6" charset="0"/>
+              </a:rPr>
+              <a:t>iii. Next steps</a:t>
+            </a:r>
+            <a:br>
+              <a:rPr lang="en-US" sz="3000" dirty="0">
+                <a:latin typeface="PFDinTextCompPro-Bold" charset="0"/>
+                <a:ea typeface="ヒラギノ角ゴ ProN W6" charset="0"/>
+                <a:cs typeface="ヒラギノ角ゴ ProN W6" charset="0"/>
+              </a:rPr>
+            </a:br>
+            <a:r>
+              <a:rPr lang="en-US" sz="3000" dirty="0">
+                <a:latin typeface="PFDinTextCompPro-Bold" charset="0"/>
+                <a:ea typeface="ヒラギノ角ゴ ProN W6" charset="0"/>
+                <a:cs typeface="ヒラギノ角ゴ ProN W6" charset="0"/>
+              </a:rPr>
+              <a:t>III. Q&amp;A</a:t>
+            </a:r>
+            <a:endParaRPr lang="en-US" sz="3000" cap="none" dirty="0">
+              <a:latin typeface="PFDinTextCompPro-Bold" charset="0"/>
+              <a:ea typeface="ヒラギノ角ゴ ProN W6" charset="0"/>
+              <a:cs typeface="ヒラギノ角ゴ ProN W6" charset="0"/>
+            </a:endParaRPr>
+          </a:p>
+        </p:txBody>
+      </p:sp>
+      <p:sp>
+        <p:nvSpPr>
+          <p:cNvPr id="11" name="Content Placeholder 10"/>
+          <p:cNvSpPr>
+            <a:spLocks noGrp="1"/>
+          </p:cNvSpPr>
+          <p:nvPr>
+            <p:ph sz="quarter" idx="11"/>
+          </p:nvPr>
+        </p:nvSpPr>
+        <p:spPr>
+          <a:xfrm>
+            <a:off x="371475" y="495300"/>
+            <a:ext cx="7129463" cy="304800"/>
+          </a:xfrm>
+        </p:spPr>
+        <p:txBody>
+          <a:bodyPr/>
+          <a:lstStyle/>
+          <a:p>
+            <a:pPr eaLnBrk="1" hangingPunct="1">
+              <a:lnSpc>
+                <a:spcPts val="2448"/>
+              </a:lnSpc>
+              <a:defRPr/>
+            </a:pPr>
+            <a:r>
+              <a:rPr lang="en-US" dirty="0">
+                <a:latin typeface="PFDinTextCompPro-Bold" charset="0"/>
+                <a:ea typeface="ＭＳ Ｐゴシック" charset="0"/>
+                <a:cs typeface="PFDinTextCompPro-Bold" charset="0"/>
+                <a:sym typeface="PFDinTextCompPro-Bold" charset="0"/>
+              </a:rPr>
+              <a:t>agenda</a:t>
+            </a:r>
+          </a:p>
+          <a:p>
+            <a:pPr eaLnBrk="1" hangingPunct="1">
+              <a:lnSpc>
+                <a:spcPts val="2448"/>
+              </a:lnSpc>
+              <a:defRPr/>
+            </a:pPr>
+            <a:endParaRPr lang="en-US" dirty="0"/>
+          </a:p>
+        </p:txBody>
+      </p:sp>
+      <p:sp>
+        <p:nvSpPr>
+          <p:cNvPr id="2" name="Rectangle 1"/>
+          <p:cNvSpPr/>
+          <p:nvPr/>
+        </p:nvSpPr>
+        <p:spPr bwMode="auto">
+          <a:xfrm>
+            <a:off x="0" y="0"/>
+            <a:ext cx="9363075" cy="5257800"/>
+          </a:xfrm>
+          <a:prstGeom prst="rect">
+            <a:avLst/>
+          </a:prstGeom>
+          <a:solidFill>
+            <a:srgbClr val="F37711"/>
+          </a:solidFill>
+          <a:ln w="25400" cap="flat" cmpd="sng" algn="ctr">
+            <a:noFill/>
+            <a:prstDash val="solid"/>
+            <a:round/>
+            <a:headEnd type="none" w="med" len="med"/>
+            <a:tailEnd type="none" w="med" len="med"/>
+          </a:ln>
+          <a:effectLst/>
+          <a:extLst/>
+        </p:spPr>
+        <p:txBody>
+          <a:bodyPr vert="horz" wrap="square" lIns="91440" tIns="45720" rIns="91440" bIns="45720" numCol="1" rtlCol="0" anchor="t" anchorCtr="0" compatLnSpc="1">
+            <a:prstTxWarp prst="textNoShape">
+              <a:avLst/>
+            </a:prstTxWarp>
+          </a:bodyPr>
+          <a:lstStyle/>
+          <a:p>
+            <a:pPr marL="0" marR="0" indent="0" algn="ctr" defTabSz="914400" rtl="0" eaLnBrk="1" fontAlgn="base" latinLnBrk="0" hangingPunct="1">
+              <a:lnSpc>
+                <a:spcPct val="100000"/>
+              </a:lnSpc>
+              <a:spcBef>
+                <a:spcPct val="0"/>
+              </a:spcBef>
+              <a:spcAft>
+                <a:spcPct val="0"/>
+              </a:spcAft>
+              <a:buClrTx/>
+              <a:buSzTx/>
+              <a:buFontTx/>
+              <a:buNone/>
+              <a:tabLst/>
+            </a:pPr>
+            <a:endParaRPr kumimoji="0" lang="en-US" sz="5800" b="0" i="0" u="none" strike="noStrike" cap="none" normalizeH="0" baseline="0" dirty="0">
+              <a:ln>
+                <a:noFill/>
+              </a:ln>
+              <a:solidFill>
+                <a:srgbClr val="000000"/>
+              </a:solidFill>
+              <a:effectLst/>
+              <a:latin typeface="Gill Sans" charset="0"/>
+              <a:ea typeface="ヒラギノ角ゴ ProN W3" charset="0"/>
+              <a:cs typeface="ヒラギノ角ゴ ProN W3" charset="0"/>
+              <a:sym typeface="Gill Sans" charset="0"/>
+            </a:endParaRPr>
+          </a:p>
+        </p:txBody>
+      </p:sp>
+      <p:sp>
+        <p:nvSpPr>
+          <p:cNvPr id="17" name="Content Placeholder 10"/>
+          <p:cNvSpPr>
+            <a:spLocks noGrp="1"/>
+          </p:cNvSpPr>
+          <p:nvPr>
+            <p:ph sz="quarter" idx="11"/>
+          </p:nvPr>
+        </p:nvSpPr>
+        <p:spPr>
+          <a:xfrm>
+            <a:off x="447674" y="495300"/>
+            <a:ext cx="7129463" cy="304800"/>
+          </a:xfrm>
+        </p:spPr>
+        <p:txBody>
+          <a:bodyPr/>
+          <a:lstStyle/>
+          <a:p>
+            <a:pPr eaLnBrk="1" hangingPunct="1">
+              <a:lnSpc>
+                <a:spcPts val="2448"/>
+              </a:lnSpc>
+              <a:defRPr/>
+            </a:pPr>
+            <a:r>
+              <a:rPr lang="en-US" dirty="0">
+                <a:solidFill>
+                  <a:schemeClr val="bg1"/>
+                </a:solidFill>
+                <a:latin typeface="PFDinTextCompPro-Bold" charset="0"/>
+                <a:ea typeface="ＭＳ Ｐゴシック" charset="0"/>
+                <a:sym typeface="PFDinTextCompPro-Bold" charset="0"/>
+              </a:rPr>
+              <a:t>Approach (</a:t>
+            </a:r>
+            <a:r>
+              <a:rPr lang="en-US" dirty="0" err="1">
+                <a:solidFill>
+                  <a:schemeClr val="bg1"/>
+                </a:solidFill>
+                <a:latin typeface="PFDinTextCompPro-Bold" charset="0"/>
+                <a:ea typeface="ＭＳ Ｐゴシック" charset="0"/>
+                <a:sym typeface="PFDinTextCompPro-Bold" charset="0"/>
+              </a:rPr>
+              <a:t>cont</a:t>
+            </a:r>
+            <a:r>
+              <a:rPr lang="en-US" dirty="0">
+                <a:solidFill>
+                  <a:schemeClr val="bg1"/>
+                </a:solidFill>
+                <a:latin typeface="PFDinTextCompPro-Bold" charset="0"/>
+                <a:ea typeface="ＭＳ Ｐゴシック" charset="0"/>
+                <a:sym typeface="PFDinTextCompPro-Bold" charset="0"/>
+              </a:rPr>
+              <a:t>)</a:t>
+            </a:r>
+            <a:endParaRPr lang="en-US" dirty="0">
+              <a:solidFill>
+                <a:schemeClr val="bg1"/>
+              </a:solidFill>
+            </a:endParaRPr>
+          </a:p>
+        </p:txBody>
+      </p:sp>
+      <p:cxnSp>
+        <p:nvCxnSpPr>
+          <p:cNvPr id="18" name="Straight Connector 17"/>
+          <p:cNvCxnSpPr/>
+          <p:nvPr/>
+        </p:nvCxnSpPr>
+        <p:spPr bwMode="auto">
+          <a:xfrm>
+            <a:off x="490537" y="876300"/>
+            <a:ext cx="8382000" cy="0"/>
+          </a:xfrm>
+          <a:prstGeom prst="line">
+            <a:avLst/>
+          </a:prstGeom>
+          <a:ln>
+            <a:solidFill>
+              <a:schemeClr val="bg1"/>
+            </a:solidFill>
+            <a:headEnd type="none" w="med" len="med"/>
+            <a:tailEnd type="none" w="med" len="med"/>
+          </a:ln>
+          <a:effectLst/>
+          <a:extLst/>
+        </p:spPr>
+        <p:style>
+          <a:lnRef idx="3">
+            <a:schemeClr val="accent6"/>
+          </a:lnRef>
+          <a:fillRef idx="0">
+            <a:schemeClr val="accent6"/>
+          </a:fillRef>
+          <a:effectRef idx="2">
+            <a:schemeClr val="accent6"/>
+          </a:effectRef>
+          <a:fontRef idx="minor">
+            <a:schemeClr val="tx1"/>
+          </a:fontRef>
+        </p:style>
+      </p:cxnSp>
+      <p:pic>
+        <p:nvPicPr>
+          <p:cNvPr id="5" name="Picture 4"/>
+          <p:cNvPicPr>
+            <a:picLocks noChangeAspect="1"/>
+          </p:cNvPicPr>
+          <p:nvPr/>
+        </p:nvPicPr>
+        <p:blipFill>
+          <a:blip r:embed="rId3"/>
+          <a:stretch>
+            <a:fillRect/>
+          </a:stretch>
+        </p:blipFill>
+        <p:spPr>
+          <a:xfrm>
+            <a:off x="490537" y="1443037"/>
+            <a:ext cx="3962400" cy="3095625"/>
+          </a:xfrm>
+          <a:prstGeom prst="rect">
+            <a:avLst/>
+          </a:prstGeom>
+        </p:spPr>
+      </p:pic>
+    </p:spTree>
+    <p:extLst>
+      <p:ext uri="{BB962C8B-B14F-4D97-AF65-F5344CB8AC3E}">
+        <p14:creationId xmlns:p14="http://schemas.microsoft.com/office/powerpoint/2010/main" val="1241916042"/>
+      </p:ext>
+    </p:extLst>
+  </p:cSld>
+  <p:clrMapOvr>
+    <a:masterClrMapping/>
+  </p:clrMapOvr>
+  <p:transition/>
+</p:sld>
+</file>
+
+<file path=ppt/slides/slide11.xml><?xml version="1.0" encoding="utf-8"?>
+<p:sld xmlns:a="http://schemas.openxmlformats.org/drawingml/2006/main" xmlns:r="http://schemas.openxmlformats.org/officeDocument/2006/relationships" xmlns:p="http://schemas.openxmlformats.org/presentationml/2006/main">
+  <p:cSld>
+    <p:spTree>
+      <p:nvGrpSpPr>
+        <p:cNvPr id="1" name=""/>
+        <p:cNvGrpSpPr/>
+        <p:nvPr/>
+      </p:nvGrpSpPr>
+      <p:grpSpPr>
+        <a:xfrm>
+          <a:off x="0" y="0"/>
+          <a:ext cx="0" cy="0"/>
+          <a:chOff x="0" y="0"/>
+          <a:chExt cx="0" cy="0"/>
+        </a:xfrm>
+      </p:grpSpPr>
+      <p:sp>
+        <p:nvSpPr>
+          <p:cNvPr id="19457" name="Title 1"/>
+          <p:cNvSpPr>
+            <a:spLocks noGrp="1"/>
+          </p:cNvSpPr>
+          <p:nvPr>
+            <p:ph type="ctrTitle"/>
+          </p:nvPr>
+        </p:nvSpPr>
+        <p:spPr bwMode="auto">
+          <a:xfrm>
+            <a:off x="519112" y="1066800"/>
+            <a:ext cx="8429625" cy="3695700"/>
+          </a:xfrm>
+          <a:extLst>
+            <a:ext uri="{909E8E84-426E-40DD-AFC4-6F175D3DCCD1}">
+              <a14:hiddenFill xmlns:a14="http://schemas.microsoft.com/office/drawing/2010/main">
+                <a:solidFill>
+                  <a:srgbClr val="FFFFFF"/>
+                </a:solidFill>
+              </a14:hiddenFill>
+            </a:ext>
+            <a:ext uri="{91240B29-F687-4F45-9708-019B960494DF}">
+              <a14:hiddenLine xmlns:a14="http://schemas.microsoft.com/office/drawing/2010/main" w="9525">
+                <a:solidFill>
+                  <a:srgbClr val="000000"/>
+                </a:solidFill>
+                <a:miter lim="800000"/>
+                <a:headEnd/>
+                <a:tailEnd/>
+              </a14:hiddenLine>
+            </a:ext>
+            <a:ext uri="{FAA26D3D-D897-4be2-8F04-BA451C77F1D7}">
+              <ma14:placeholderFlag xmlns:ma14="http://schemas.microsoft.com/office/mac/drawingml/2011/main" xmlns="" val="1"/>
+            </a:ext>
+          </a:extLst>
+        </p:spPr>
+        <p:txBody>
+          <a:bodyPr wrap="square" numCol="1" anchor="t" anchorCtr="0" compatLnSpc="1">
+            <a:prstTxWarp prst="textNoShape">
+              <a:avLst/>
+            </a:prstTxWarp>
+          </a:bodyPr>
+          <a:lstStyle/>
+          <a:p>
+            <a:pPr>
+              <a:lnSpc>
+                <a:spcPts val="3600"/>
+              </a:lnSpc>
+              <a:defRPr/>
+            </a:pPr>
+            <a:br>
+              <a:rPr lang="en-US" sz="3000" dirty="0">
+                <a:latin typeface="PFDinTextCompPro-Bold" charset="0"/>
+                <a:ea typeface="ヒラギノ角ゴ ProN W6" charset="0"/>
+                <a:cs typeface="ヒラギノ角ゴ ProN W6" charset="0"/>
+              </a:rPr>
+            </a:br>
+            <a:r>
+              <a:rPr lang="en-US" sz="3000" dirty="0">
+                <a:latin typeface="PFDinTextCompPro-Bold" charset="0"/>
+                <a:ea typeface="ヒラギノ角ゴ ProN W6" charset="0"/>
+                <a:cs typeface="ヒラギノ角ゴ ProN W6" charset="0"/>
+              </a:rPr>
+              <a:t>0. Quick intro</a:t>
+            </a:r>
+            <a:br>
+              <a:rPr lang="en-US" sz="3000" dirty="0">
+                <a:latin typeface="PFDinTextCompPro-Bold" charset="0"/>
+                <a:ea typeface="ヒラギノ角ゴ ProN W6" charset="0"/>
+                <a:cs typeface="ヒラギノ角ゴ ProN W6" charset="0"/>
+              </a:rPr>
+            </a:br>
+            <a:r>
+              <a:rPr lang="en-US" sz="3000" dirty="0">
+                <a:latin typeface="PFDinTextCompPro-Bold" charset="0"/>
+                <a:ea typeface="ヒラギノ角ゴ ProN W6" charset="0"/>
+                <a:cs typeface="ヒラギノ角ゴ ProN W6" charset="0"/>
+              </a:rPr>
+              <a:t>I. my approach</a:t>
+            </a:r>
+            <a:br>
+              <a:rPr lang="en-US" sz="3000" dirty="0">
+                <a:latin typeface="PFDinTextCompPro-Bold" charset="0"/>
+                <a:ea typeface="ヒラギノ角ゴ ProN W6" charset="0"/>
+                <a:cs typeface="ヒラギノ角ゴ ProN W6" charset="0"/>
+              </a:rPr>
+            </a:br>
+            <a:r>
+              <a:rPr lang="en-US" sz="3000" dirty="0">
+                <a:latin typeface="PFDinTextCompPro-Bold" charset="0"/>
+                <a:ea typeface="ヒラギノ角ゴ ProN W6" charset="0"/>
+                <a:cs typeface="ヒラギノ角ゴ ProN W6" charset="0"/>
+              </a:rPr>
+              <a:t>II. My challenges</a:t>
+            </a:r>
+            <a:br>
+              <a:rPr lang="en-US" sz="3000" dirty="0">
+                <a:latin typeface="PFDinTextCompPro-Bold" charset="0"/>
+                <a:ea typeface="ヒラギノ角ゴ ProN W6" charset="0"/>
+                <a:cs typeface="ヒラギノ角ゴ ProN W6" charset="0"/>
+              </a:rPr>
+            </a:br>
+            <a:r>
+              <a:rPr lang="en-US" sz="3000" dirty="0">
+                <a:latin typeface="PFDinTextCompPro-Bold" charset="0"/>
+                <a:ea typeface="ヒラギノ角ゴ ProN W6" charset="0"/>
+                <a:cs typeface="ヒラギノ角ゴ ProN W6" charset="0"/>
+              </a:rPr>
+              <a:t>iii. Next steps</a:t>
+            </a:r>
+            <a:br>
+              <a:rPr lang="en-US" sz="3000" dirty="0">
+                <a:latin typeface="PFDinTextCompPro-Bold" charset="0"/>
+                <a:ea typeface="ヒラギノ角ゴ ProN W6" charset="0"/>
+                <a:cs typeface="ヒラギノ角ゴ ProN W6" charset="0"/>
+              </a:rPr>
+            </a:br>
+            <a:r>
+              <a:rPr lang="en-US" sz="3000" dirty="0">
+                <a:latin typeface="PFDinTextCompPro-Bold" charset="0"/>
+                <a:ea typeface="ヒラギノ角ゴ ProN W6" charset="0"/>
+                <a:cs typeface="ヒラギノ角ゴ ProN W6" charset="0"/>
+              </a:rPr>
+              <a:t>III. Q&amp;A</a:t>
+            </a:r>
+            <a:endParaRPr lang="en-US" sz="3000" cap="none" dirty="0">
+              <a:latin typeface="PFDinTextCompPro-Bold" charset="0"/>
+              <a:ea typeface="ヒラギノ角ゴ ProN W6" charset="0"/>
+              <a:cs typeface="ヒラギノ角ゴ ProN W6" charset="0"/>
+            </a:endParaRPr>
+          </a:p>
+        </p:txBody>
+      </p:sp>
+      <p:sp>
+        <p:nvSpPr>
+          <p:cNvPr id="11" name="Content Placeholder 10"/>
+          <p:cNvSpPr>
+            <a:spLocks noGrp="1"/>
+          </p:cNvSpPr>
+          <p:nvPr>
+            <p:ph sz="quarter" idx="11"/>
+          </p:nvPr>
+        </p:nvSpPr>
+        <p:spPr>
+          <a:xfrm>
+            <a:off x="371475" y="495300"/>
+            <a:ext cx="7129463" cy="304800"/>
+          </a:xfrm>
+        </p:spPr>
+        <p:txBody>
+          <a:bodyPr/>
+          <a:lstStyle/>
+          <a:p>
+            <a:pPr eaLnBrk="1" hangingPunct="1">
+              <a:lnSpc>
+                <a:spcPts val="2448"/>
+              </a:lnSpc>
+              <a:defRPr/>
+            </a:pPr>
+            <a:r>
+              <a:rPr lang="en-US" dirty="0">
+                <a:latin typeface="PFDinTextCompPro-Bold" charset="0"/>
+                <a:ea typeface="ＭＳ Ｐゴシック" charset="0"/>
+                <a:cs typeface="PFDinTextCompPro-Bold" charset="0"/>
+                <a:sym typeface="PFDinTextCompPro-Bold" charset="0"/>
+              </a:rPr>
+              <a:t>agenda</a:t>
+            </a:r>
+          </a:p>
+          <a:p>
+            <a:pPr eaLnBrk="1" hangingPunct="1">
+              <a:lnSpc>
+                <a:spcPts val="2448"/>
+              </a:lnSpc>
+              <a:defRPr/>
+            </a:pPr>
+            <a:endParaRPr lang="en-US" dirty="0"/>
+          </a:p>
+        </p:txBody>
+      </p:sp>
+      <p:sp>
+        <p:nvSpPr>
+          <p:cNvPr id="2" name="Rectangle 1"/>
+          <p:cNvSpPr/>
+          <p:nvPr/>
+        </p:nvSpPr>
+        <p:spPr bwMode="auto">
+          <a:xfrm>
+            <a:off x="0" y="0"/>
+            <a:ext cx="9363075" cy="5257800"/>
+          </a:xfrm>
+          <a:prstGeom prst="rect">
+            <a:avLst/>
+          </a:prstGeom>
+          <a:solidFill>
+            <a:srgbClr val="F37711"/>
+          </a:solidFill>
+          <a:ln w="25400" cap="flat" cmpd="sng" algn="ctr">
+            <a:noFill/>
+            <a:prstDash val="solid"/>
+            <a:round/>
+            <a:headEnd type="none" w="med" len="med"/>
+            <a:tailEnd type="none" w="med" len="med"/>
+          </a:ln>
+          <a:effectLst/>
+          <a:extLst/>
+        </p:spPr>
+        <p:txBody>
+          <a:bodyPr vert="horz" wrap="square" lIns="91440" tIns="45720" rIns="91440" bIns="45720" numCol="1" rtlCol="0" anchor="t" anchorCtr="0" compatLnSpc="1">
+            <a:prstTxWarp prst="textNoShape">
+              <a:avLst/>
+            </a:prstTxWarp>
+          </a:bodyPr>
+          <a:lstStyle/>
+          <a:p>
+            <a:pPr marL="0" marR="0" indent="0" algn="ctr" defTabSz="914400" rtl="0" eaLnBrk="1" fontAlgn="base" latinLnBrk="0" hangingPunct="1">
+              <a:lnSpc>
+                <a:spcPct val="100000"/>
+              </a:lnSpc>
+              <a:spcBef>
+                <a:spcPct val="0"/>
+              </a:spcBef>
+              <a:spcAft>
+                <a:spcPct val="0"/>
+              </a:spcAft>
+              <a:buClrTx/>
+              <a:buSzTx/>
+              <a:buFontTx/>
+              <a:buNone/>
+              <a:tabLst/>
+            </a:pPr>
+            <a:endParaRPr kumimoji="0" lang="en-US" sz="5800" b="0" i="0" u="none" strike="noStrike" cap="none" normalizeH="0" baseline="0" dirty="0">
+              <a:ln>
+                <a:noFill/>
+              </a:ln>
+              <a:solidFill>
+                <a:srgbClr val="000000"/>
+              </a:solidFill>
+              <a:effectLst/>
+              <a:latin typeface="Gill Sans" charset="0"/>
+              <a:ea typeface="ヒラギノ角ゴ ProN W3" charset="0"/>
+              <a:cs typeface="ヒラギノ角ゴ ProN W3" charset="0"/>
+              <a:sym typeface="Gill Sans" charset="0"/>
+            </a:endParaRPr>
+          </a:p>
+        </p:txBody>
+      </p:sp>
+      <p:sp>
+        <p:nvSpPr>
+          <p:cNvPr id="17" name="Content Placeholder 10"/>
+          <p:cNvSpPr>
+            <a:spLocks noGrp="1"/>
+          </p:cNvSpPr>
+          <p:nvPr>
+            <p:ph sz="quarter" idx="11"/>
+          </p:nvPr>
+        </p:nvSpPr>
+        <p:spPr>
+          <a:xfrm>
+            <a:off x="447674" y="495300"/>
+            <a:ext cx="7129463" cy="304800"/>
+          </a:xfrm>
+        </p:spPr>
+        <p:txBody>
+          <a:bodyPr/>
+          <a:lstStyle/>
+          <a:p>
+            <a:pPr eaLnBrk="1" hangingPunct="1">
+              <a:lnSpc>
+                <a:spcPts val="2448"/>
+              </a:lnSpc>
+              <a:defRPr/>
+            </a:pPr>
+            <a:r>
+              <a:rPr lang="en-US" dirty="0">
+                <a:solidFill>
+                  <a:schemeClr val="bg1"/>
+                </a:solidFill>
+                <a:latin typeface="PFDinTextCompPro-Bold" charset="0"/>
+                <a:ea typeface="ＭＳ Ｐゴシック" charset="0"/>
+                <a:sym typeface="PFDinTextCompPro-Bold" charset="0"/>
+              </a:rPr>
+              <a:t>Approach (</a:t>
+            </a:r>
+            <a:r>
+              <a:rPr lang="en-US" dirty="0" err="1">
+                <a:solidFill>
+                  <a:schemeClr val="bg1"/>
+                </a:solidFill>
+                <a:latin typeface="PFDinTextCompPro-Bold" charset="0"/>
+                <a:ea typeface="ＭＳ Ｐゴシック" charset="0"/>
+                <a:sym typeface="PFDinTextCompPro-Bold" charset="0"/>
+              </a:rPr>
+              <a:t>cont</a:t>
+            </a:r>
+            <a:r>
+              <a:rPr lang="en-US" dirty="0">
+                <a:solidFill>
+                  <a:schemeClr val="bg1"/>
+                </a:solidFill>
+                <a:latin typeface="PFDinTextCompPro-Bold" charset="0"/>
+                <a:ea typeface="ＭＳ Ｐゴシック" charset="0"/>
+                <a:sym typeface="PFDinTextCompPro-Bold" charset="0"/>
+              </a:rPr>
+              <a:t>)</a:t>
+            </a:r>
+            <a:endParaRPr lang="en-US" dirty="0">
+              <a:solidFill>
+                <a:schemeClr val="bg1"/>
+              </a:solidFill>
+            </a:endParaRPr>
+          </a:p>
+        </p:txBody>
+      </p:sp>
+      <p:cxnSp>
+        <p:nvCxnSpPr>
+          <p:cNvPr id="18" name="Straight Connector 17"/>
+          <p:cNvCxnSpPr/>
+          <p:nvPr/>
+        </p:nvCxnSpPr>
+        <p:spPr bwMode="auto">
+          <a:xfrm>
+            <a:off x="490537" y="876300"/>
+            <a:ext cx="8382000" cy="0"/>
+          </a:xfrm>
+          <a:prstGeom prst="line">
+            <a:avLst/>
+          </a:prstGeom>
+          <a:ln>
+            <a:solidFill>
+              <a:schemeClr val="bg1"/>
+            </a:solidFill>
+            <a:headEnd type="none" w="med" len="med"/>
+            <a:tailEnd type="none" w="med" len="med"/>
+          </a:ln>
+          <a:effectLst/>
+          <a:extLst/>
+        </p:spPr>
+        <p:style>
+          <a:lnRef idx="3">
+            <a:schemeClr val="accent6"/>
+          </a:lnRef>
+          <a:fillRef idx="0">
+            <a:schemeClr val="accent6"/>
+          </a:fillRef>
+          <a:effectRef idx="2">
+            <a:schemeClr val="accent6"/>
+          </a:effectRef>
+          <a:fontRef idx="minor">
+            <a:schemeClr val="tx1"/>
+          </a:fontRef>
+        </p:style>
+      </p:cxnSp>
+      <p:pic>
+        <p:nvPicPr>
+          <p:cNvPr id="3" name="Picture 2"/>
+          <p:cNvPicPr>
+            <a:picLocks noChangeAspect="1"/>
+          </p:cNvPicPr>
+          <p:nvPr/>
+        </p:nvPicPr>
+        <p:blipFill>
+          <a:blip r:embed="rId3"/>
+          <a:stretch>
+            <a:fillRect/>
+          </a:stretch>
+        </p:blipFill>
+        <p:spPr>
+          <a:xfrm>
+            <a:off x="447674" y="1385887"/>
+            <a:ext cx="8791575" cy="1733550"/>
+          </a:xfrm>
+          <a:prstGeom prst="rect">
+            <a:avLst/>
+          </a:prstGeom>
+        </p:spPr>
+      </p:pic>
+      <p:pic>
+        <p:nvPicPr>
+          <p:cNvPr id="4" name="Picture 3"/>
+          <p:cNvPicPr>
+            <a:picLocks noChangeAspect="1"/>
+          </p:cNvPicPr>
+          <p:nvPr/>
+        </p:nvPicPr>
+        <p:blipFill>
+          <a:blip r:embed="rId4"/>
+          <a:stretch>
+            <a:fillRect/>
+          </a:stretch>
+        </p:blipFill>
+        <p:spPr>
+          <a:xfrm>
+            <a:off x="1709737" y="3636141"/>
+            <a:ext cx="5734050" cy="752475"/>
+          </a:xfrm>
+          <a:prstGeom prst="rect">
+            <a:avLst/>
+          </a:prstGeom>
+        </p:spPr>
+      </p:pic>
+    </p:spTree>
+    <p:extLst>
+      <p:ext uri="{BB962C8B-B14F-4D97-AF65-F5344CB8AC3E}">
+        <p14:creationId xmlns:p14="http://schemas.microsoft.com/office/powerpoint/2010/main" val="2479518718"/>
+      </p:ext>
+    </p:extLst>
+  </p:cSld>
+  <p:clrMapOvr>
+    <a:masterClrMapping/>
+  </p:clrMapOvr>
+  <p:transition/>
+</p:sld>
+</file>
+
+<file path=ppt/slides/slide12.xml><?xml version="1.0" encoding="utf-8"?>
+<p:sld xmlns:a="http://schemas.openxmlformats.org/drawingml/2006/main" xmlns:r="http://schemas.openxmlformats.org/officeDocument/2006/relationships" xmlns:p="http://schemas.openxmlformats.org/presentationml/2006/main">
+  <p:cSld>
+    <p:spTree>
+      <p:nvGrpSpPr>
+        <p:cNvPr id="1" name=""/>
+        <p:cNvGrpSpPr/>
+        <p:nvPr/>
+      </p:nvGrpSpPr>
+      <p:grpSpPr>
+        <a:xfrm>
+          <a:off x="0" y="0"/>
+          <a:ext cx="0" cy="0"/>
+          <a:chOff x="0" y="0"/>
+          <a:chExt cx="0" cy="0"/>
+        </a:xfrm>
+      </p:grpSpPr>
+      <p:sp>
+        <p:nvSpPr>
+          <p:cNvPr id="19457" name="Title 1"/>
+          <p:cNvSpPr>
+            <a:spLocks noGrp="1"/>
+          </p:cNvSpPr>
+          <p:nvPr>
+            <p:ph type="ctrTitle"/>
+          </p:nvPr>
+        </p:nvSpPr>
+        <p:spPr bwMode="auto">
+          <a:xfrm>
+            <a:off x="519112" y="1066800"/>
+            <a:ext cx="8429625" cy="3695700"/>
+          </a:xfrm>
+          <a:extLst>
+            <a:ext uri="{909E8E84-426E-40DD-AFC4-6F175D3DCCD1}">
+              <a14:hiddenFill xmlns:a14="http://schemas.microsoft.com/office/drawing/2010/main">
+                <a:solidFill>
+                  <a:srgbClr val="FFFFFF"/>
+                </a:solidFill>
+              </a14:hiddenFill>
+            </a:ext>
+            <a:ext uri="{91240B29-F687-4F45-9708-019B960494DF}">
+              <a14:hiddenLine xmlns:a14="http://schemas.microsoft.com/office/drawing/2010/main" w="9525">
+                <a:solidFill>
+                  <a:srgbClr val="000000"/>
+                </a:solidFill>
+                <a:miter lim="800000"/>
+                <a:headEnd/>
+                <a:tailEnd/>
+              </a14:hiddenLine>
+            </a:ext>
+            <a:ext uri="{FAA26D3D-D897-4be2-8F04-BA451C77F1D7}">
+              <ma14:placeholderFlag xmlns:ma14="http://schemas.microsoft.com/office/mac/drawingml/2011/main" xmlns="" val="1"/>
+            </a:ext>
+          </a:extLst>
+        </p:spPr>
+        <p:txBody>
+          <a:bodyPr wrap="square" numCol="1" anchor="t" anchorCtr="0" compatLnSpc="1">
+            <a:prstTxWarp prst="textNoShape">
+              <a:avLst/>
+            </a:prstTxWarp>
+          </a:bodyPr>
+          <a:lstStyle/>
+          <a:p>
+            <a:pPr>
+              <a:lnSpc>
+                <a:spcPts val="3600"/>
+              </a:lnSpc>
+              <a:defRPr/>
+            </a:pPr>
+            <a:br>
+              <a:rPr lang="en-US" sz="3000" dirty="0">
+                <a:latin typeface="PFDinTextCompPro-Bold" charset="0"/>
+                <a:ea typeface="ヒラギノ角ゴ ProN W6" charset="0"/>
+                <a:cs typeface="ヒラギノ角ゴ ProN W6" charset="0"/>
+              </a:rPr>
+            </a:br>
+            <a:r>
+              <a:rPr lang="en-US" sz="3000" dirty="0">
+                <a:latin typeface="PFDinTextCompPro-Bold" charset="0"/>
+                <a:ea typeface="ヒラギノ角ゴ ProN W6" charset="0"/>
+                <a:cs typeface="ヒラギノ角ゴ ProN W6" charset="0"/>
+              </a:rPr>
+              <a:t>0. Quick intro</a:t>
+            </a:r>
+            <a:br>
+              <a:rPr lang="en-US" sz="3000" dirty="0">
+                <a:latin typeface="PFDinTextCompPro-Bold" charset="0"/>
+                <a:ea typeface="ヒラギノ角ゴ ProN W6" charset="0"/>
+                <a:cs typeface="ヒラギノ角ゴ ProN W6" charset="0"/>
+              </a:rPr>
+            </a:br>
+            <a:r>
+              <a:rPr lang="en-US" sz="3000" dirty="0">
+                <a:latin typeface="PFDinTextCompPro-Bold" charset="0"/>
+                <a:ea typeface="ヒラギノ角ゴ ProN W6" charset="0"/>
+                <a:cs typeface="ヒラギノ角ゴ ProN W6" charset="0"/>
+              </a:rPr>
+              <a:t>I. my approach</a:t>
+            </a:r>
+            <a:br>
+              <a:rPr lang="en-US" sz="3000" dirty="0">
+                <a:latin typeface="PFDinTextCompPro-Bold" charset="0"/>
+                <a:ea typeface="ヒラギノ角ゴ ProN W6" charset="0"/>
+                <a:cs typeface="ヒラギノ角ゴ ProN W6" charset="0"/>
+              </a:rPr>
+            </a:br>
+            <a:r>
+              <a:rPr lang="en-US" sz="3000" dirty="0">
+                <a:latin typeface="PFDinTextCompPro-Bold" charset="0"/>
+                <a:ea typeface="ヒラギノ角ゴ ProN W6" charset="0"/>
+                <a:cs typeface="ヒラギノ角ゴ ProN W6" charset="0"/>
+              </a:rPr>
+              <a:t>II. My challenges</a:t>
+            </a:r>
+            <a:br>
+              <a:rPr lang="en-US" sz="3000" dirty="0">
+                <a:latin typeface="PFDinTextCompPro-Bold" charset="0"/>
+                <a:ea typeface="ヒラギノ角ゴ ProN W6" charset="0"/>
+                <a:cs typeface="ヒラギノ角ゴ ProN W6" charset="0"/>
+              </a:rPr>
+            </a:br>
+            <a:r>
+              <a:rPr lang="en-US" sz="3000" dirty="0">
+                <a:latin typeface="PFDinTextCompPro-Bold" charset="0"/>
+                <a:ea typeface="ヒラギノ角ゴ ProN W6" charset="0"/>
+                <a:cs typeface="ヒラギノ角ゴ ProN W6" charset="0"/>
+              </a:rPr>
+              <a:t>iii. Next steps</a:t>
+            </a:r>
+            <a:br>
+              <a:rPr lang="en-US" sz="3000" dirty="0">
+                <a:latin typeface="PFDinTextCompPro-Bold" charset="0"/>
+                <a:ea typeface="ヒラギノ角ゴ ProN W6" charset="0"/>
+                <a:cs typeface="ヒラギノ角ゴ ProN W6" charset="0"/>
+              </a:rPr>
+            </a:br>
+            <a:r>
+              <a:rPr lang="en-US" sz="3000" dirty="0">
+                <a:latin typeface="PFDinTextCompPro-Bold" charset="0"/>
+                <a:ea typeface="ヒラギノ角ゴ ProN W6" charset="0"/>
+                <a:cs typeface="ヒラギノ角ゴ ProN W6" charset="0"/>
+              </a:rPr>
+              <a:t>III. Q&amp;A</a:t>
+            </a:r>
+            <a:endParaRPr lang="en-US" sz="3000" cap="none" dirty="0">
+              <a:latin typeface="PFDinTextCompPro-Bold" charset="0"/>
+              <a:ea typeface="ヒラギノ角ゴ ProN W6" charset="0"/>
+              <a:cs typeface="ヒラギノ角ゴ ProN W6" charset="0"/>
+            </a:endParaRPr>
+          </a:p>
+        </p:txBody>
+      </p:sp>
+      <p:sp>
+        <p:nvSpPr>
+          <p:cNvPr id="11" name="Content Placeholder 10"/>
+          <p:cNvSpPr>
+            <a:spLocks noGrp="1"/>
+          </p:cNvSpPr>
+          <p:nvPr>
+            <p:ph sz="quarter" idx="11"/>
+          </p:nvPr>
+        </p:nvSpPr>
+        <p:spPr>
+          <a:xfrm>
+            <a:off x="371475" y="495300"/>
+            <a:ext cx="7129463" cy="304800"/>
+          </a:xfrm>
+        </p:spPr>
+        <p:txBody>
+          <a:bodyPr/>
+          <a:lstStyle/>
+          <a:p>
+            <a:pPr eaLnBrk="1" hangingPunct="1">
+              <a:lnSpc>
+                <a:spcPts val="2448"/>
+              </a:lnSpc>
+              <a:defRPr/>
+            </a:pPr>
+            <a:r>
+              <a:rPr lang="en-US" dirty="0">
+                <a:latin typeface="PFDinTextCompPro-Bold" charset="0"/>
+                <a:ea typeface="ＭＳ Ｐゴシック" charset="0"/>
+                <a:cs typeface="PFDinTextCompPro-Bold" charset="0"/>
+                <a:sym typeface="PFDinTextCompPro-Bold" charset="0"/>
+              </a:rPr>
+              <a:t>agenda</a:t>
+            </a:r>
+          </a:p>
+          <a:p>
+            <a:pPr eaLnBrk="1" hangingPunct="1">
+              <a:lnSpc>
+                <a:spcPts val="2448"/>
+              </a:lnSpc>
+              <a:defRPr/>
+            </a:pPr>
+            <a:endParaRPr lang="en-US" dirty="0"/>
+          </a:p>
+        </p:txBody>
+      </p:sp>
+      <p:sp>
+        <p:nvSpPr>
+          <p:cNvPr id="2" name="Rectangle 1"/>
+          <p:cNvSpPr/>
+          <p:nvPr/>
+        </p:nvSpPr>
+        <p:spPr bwMode="auto">
+          <a:xfrm>
+            <a:off x="0" y="0"/>
+            <a:ext cx="9363075" cy="5257800"/>
+          </a:xfrm>
+          <a:prstGeom prst="rect">
+            <a:avLst/>
+          </a:prstGeom>
+          <a:solidFill>
+            <a:srgbClr val="F37711"/>
+          </a:solidFill>
+          <a:ln w="25400" cap="flat" cmpd="sng" algn="ctr">
+            <a:noFill/>
+            <a:prstDash val="solid"/>
+            <a:round/>
+            <a:headEnd type="none" w="med" len="med"/>
+            <a:tailEnd type="none" w="med" len="med"/>
+          </a:ln>
+          <a:effectLst/>
+          <a:extLst/>
+        </p:spPr>
+        <p:txBody>
+          <a:bodyPr vert="horz" wrap="square" lIns="91440" tIns="45720" rIns="91440" bIns="45720" numCol="1" rtlCol="0" anchor="t" anchorCtr="0" compatLnSpc="1">
+            <a:prstTxWarp prst="textNoShape">
+              <a:avLst/>
+            </a:prstTxWarp>
+          </a:bodyPr>
+          <a:lstStyle/>
+          <a:p>
+            <a:pPr marL="0" marR="0" indent="0" algn="ctr" defTabSz="914400" rtl="0" eaLnBrk="1" fontAlgn="base" latinLnBrk="0" hangingPunct="1">
+              <a:lnSpc>
+                <a:spcPct val="100000"/>
+              </a:lnSpc>
+              <a:spcBef>
+                <a:spcPct val="0"/>
+              </a:spcBef>
+              <a:spcAft>
+                <a:spcPct val="0"/>
+              </a:spcAft>
+              <a:buClrTx/>
+              <a:buSzTx/>
+              <a:buFontTx/>
+              <a:buNone/>
+              <a:tabLst/>
+            </a:pPr>
+            <a:endParaRPr kumimoji="0" lang="en-US" sz="5800" b="0" i="0" u="none" strike="noStrike" cap="none" normalizeH="0" baseline="0" dirty="0">
+              <a:ln>
+                <a:noFill/>
+              </a:ln>
+              <a:solidFill>
+                <a:srgbClr val="000000"/>
+              </a:solidFill>
+              <a:effectLst/>
+              <a:latin typeface="Gill Sans" charset="0"/>
+              <a:ea typeface="ヒラギノ角ゴ ProN W3" charset="0"/>
+              <a:cs typeface="ヒラギノ角ゴ ProN W3" charset="0"/>
+              <a:sym typeface="Gill Sans" charset="0"/>
+            </a:endParaRPr>
+          </a:p>
+        </p:txBody>
+      </p:sp>
+      <p:sp>
+        <p:nvSpPr>
+          <p:cNvPr id="17" name="Content Placeholder 10"/>
+          <p:cNvSpPr>
+            <a:spLocks noGrp="1"/>
+          </p:cNvSpPr>
+          <p:nvPr>
+            <p:ph sz="quarter" idx="11"/>
+          </p:nvPr>
+        </p:nvSpPr>
+        <p:spPr>
+          <a:xfrm>
+            <a:off x="447674" y="495300"/>
+            <a:ext cx="7129463" cy="304800"/>
+          </a:xfrm>
+        </p:spPr>
+        <p:txBody>
+          <a:bodyPr/>
+          <a:lstStyle/>
+          <a:p>
+            <a:pPr eaLnBrk="1" hangingPunct="1">
+              <a:lnSpc>
+                <a:spcPts val="2448"/>
+              </a:lnSpc>
+              <a:defRPr/>
+            </a:pPr>
+            <a:r>
+              <a:rPr lang="en-US" dirty="0">
+                <a:solidFill>
+                  <a:schemeClr val="bg1"/>
+                </a:solidFill>
+                <a:latin typeface="PFDinTextCompPro-Bold" charset="0"/>
+                <a:ea typeface="ＭＳ Ｐゴシック" charset="0"/>
+                <a:cs typeface="PFDinTextCompPro-Bold" charset="0"/>
+                <a:sym typeface="PFDinTextCompPro-Bold" charset="0"/>
+              </a:rPr>
+              <a:t>Leaderboard</a:t>
+            </a:r>
+          </a:p>
+          <a:p>
+            <a:pPr eaLnBrk="1" hangingPunct="1">
+              <a:lnSpc>
+                <a:spcPts val="2448"/>
+              </a:lnSpc>
+              <a:defRPr/>
+            </a:pPr>
+            <a:endParaRPr lang="en-US" dirty="0">
+              <a:solidFill>
+                <a:schemeClr val="bg1"/>
+              </a:solidFill>
+            </a:endParaRPr>
+          </a:p>
+        </p:txBody>
+      </p:sp>
+      <p:cxnSp>
+        <p:nvCxnSpPr>
+          <p:cNvPr id="18" name="Straight Connector 17"/>
+          <p:cNvCxnSpPr/>
+          <p:nvPr/>
+        </p:nvCxnSpPr>
+        <p:spPr bwMode="auto">
+          <a:xfrm>
+            <a:off x="490537" y="876300"/>
+            <a:ext cx="8382000" cy="0"/>
+          </a:xfrm>
+          <a:prstGeom prst="line">
+            <a:avLst/>
+          </a:prstGeom>
+          <a:ln>
+            <a:solidFill>
+              <a:schemeClr val="bg1"/>
+            </a:solidFill>
+            <a:headEnd type="none" w="med" len="med"/>
+            <a:tailEnd type="none" w="med" len="med"/>
+          </a:ln>
+          <a:effectLst/>
+          <a:extLst/>
+        </p:spPr>
+        <p:style>
+          <a:lnRef idx="3">
+            <a:schemeClr val="accent6"/>
+          </a:lnRef>
+          <a:fillRef idx="0">
+            <a:schemeClr val="accent6"/>
+          </a:fillRef>
+          <a:effectRef idx="2">
+            <a:schemeClr val="accent6"/>
+          </a:effectRef>
+          <a:fontRef idx="minor">
+            <a:schemeClr val="tx1"/>
+          </a:fontRef>
+        </p:style>
+      </p:cxnSp>
+      <p:pic>
+        <p:nvPicPr>
+          <p:cNvPr id="4" name="Picture 3"/>
+          <p:cNvPicPr>
+            <a:picLocks noChangeAspect="1"/>
+          </p:cNvPicPr>
+          <p:nvPr/>
+        </p:nvPicPr>
+        <p:blipFill>
+          <a:blip r:embed="rId3"/>
+          <a:stretch>
+            <a:fillRect/>
+          </a:stretch>
+        </p:blipFill>
+        <p:spPr>
+          <a:xfrm>
+            <a:off x="190499" y="1090612"/>
+            <a:ext cx="8972550" cy="1552575"/>
+          </a:xfrm>
+          <a:prstGeom prst="rect">
+            <a:avLst/>
+          </a:prstGeom>
+        </p:spPr>
+      </p:pic>
+      <p:pic>
+        <p:nvPicPr>
+          <p:cNvPr id="5" name="Picture 4"/>
+          <p:cNvPicPr>
+            <a:picLocks noChangeAspect="1"/>
+          </p:cNvPicPr>
+          <p:nvPr/>
+        </p:nvPicPr>
+        <p:blipFill>
+          <a:blip r:embed="rId4"/>
+          <a:stretch>
+            <a:fillRect/>
+          </a:stretch>
+        </p:blipFill>
+        <p:spPr>
+          <a:xfrm>
+            <a:off x="190498" y="2750343"/>
+            <a:ext cx="8972551" cy="2400300"/>
+          </a:xfrm>
+          <a:prstGeom prst="rect">
+            <a:avLst/>
+          </a:prstGeom>
+        </p:spPr>
+      </p:pic>
+    </p:spTree>
+    <p:extLst>
+      <p:ext uri="{BB962C8B-B14F-4D97-AF65-F5344CB8AC3E}">
+        <p14:creationId xmlns:p14="http://schemas.microsoft.com/office/powerpoint/2010/main" val="3903250220"/>
+      </p:ext>
+    </p:extLst>
+  </p:cSld>
+  <p:clrMapOvr>
+    <a:masterClrMapping/>
+  </p:clrMapOvr>
+  <p:transition/>
+</p:sld>
+</file>
+
+<file path=ppt/slides/slide13.xml><?xml version="1.0" encoding="utf-8"?>
+<p:sld xmlns:a="http://schemas.openxmlformats.org/drawingml/2006/main" xmlns:r="http://schemas.openxmlformats.org/officeDocument/2006/relationships" xmlns:p="http://schemas.openxmlformats.org/presentationml/2006/main">
+  <p:cSld>
+    <p:spTree>
+      <p:nvGrpSpPr>
+        <p:cNvPr id="1" name=""/>
+        <p:cNvGrpSpPr/>
+        <p:nvPr/>
+      </p:nvGrpSpPr>
+      <p:grpSpPr>
+        <a:xfrm>
+          <a:off x="0" y="0"/>
+          <a:ext cx="0" cy="0"/>
+          <a:chOff x="0" y="0"/>
+          <a:chExt cx="0" cy="0"/>
+        </a:xfrm>
+      </p:grpSpPr>
+      <p:sp>
+        <p:nvSpPr>
+          <p:cNvPr id="19457" name="Title 1"/>
+          <p:cNvSpPr>
+            <a:spLocks noGrp="1"/>
+          </p:cNvSpPr>
+          <p:nvPr>
+            <p:ph type="ctrTitle"/>
+          </p:nvPr>
+        </p:nvSpPr>
+        <p:spPr bwMode="auto">
+          <a:xfrm>
+            <a:off x="519112" y="1066800"/>
+            <a:ext cx="8429625" cy="3695700"/>
+          </a:xfrm>
+          <a:extLst>
+            <a:ext uri="{909E8E84-426E-40DD-AFC4-6F175D3DCCD1}">
+              <a14:hiddenFill xmlns:a14="http://schemas.microsoft.com/office/drawing/2010/main">
+                <a:solidFill>
+                  <a:srgbClr val="FFFFFF"/>
+                </a:solidFill>
+              </a14:hiddenFill>
+            </a:ext>
+            <a:ext uri="{91240B29-F687-4F45-9708-019B960494DF}">
+              <a14:hiddenLine xmlns:a14="http://schemas.microsoft.com/office/drawing/2010/main" w="9525">
+                <a:solidFill>
+                  <a:srgbClr val="000000"/>
+                </a:solidFill>
+                <a:miter lim="800000"/>
+                <a:headEnd/>
+                <a:tailEnd/>
+              </a14:hiddenLine>
+            </a:ext>
+            <a:ext uri="{FAA26D3D-D897-4be2-8F04-BA451C77F1D7}">
+              <ma14:placeholderFlag xmlns:ma14="http://schemas.microsoft.com/office/mac/drawingml/2011/main" xmlns="" val="1"/>
+            </a:ext>
+          </a:extLst>
+        </p:spPr>
+        <p:txBody>
+          <a:bodyPr wrap="square" numCol="1" anchor="t" anchorCtr="0" compatLnSpc="1">
+            <a:prstTxWarp prst="textNoShape">
+              <a:avLst/>
+            </a:prstTxWarp>
+          </a:bodyPr>
+          <a:lstStyle/>
+          <a:p>
+            <a:pPr>
+              <a:lnSpc>
+                <a:spcPts val="3600"/>
+              </a:lnSpc>
+              <a:defRPr/>
+            </a:pPr>
+            <a:br>
+              <a:rPr lang="en-US" sz="3000" dirty="0">
+                <a:latin typeface="PFDinTextCompPro-Bold" charset="0"/>
+                <a:ea typeface="ヒラギノ角ゴ ProN W6" charset="0"/>
+                <a:cs typeface="ヒラギノ角ゴ ProN W6" charset="0"/>
+              </a:rPr>
+            </a:br>
+            <a:r>
+              <a:rPr lang="en-US" sz="3000" dirty="0">
+                <a:latin typeface="PFDinTextCompPro-Bold" charset="0"/>
+                <a:ea typeface="ヒラギノ角ゴ ProN W6" charset="0"/>
+                <a:cs typeface="ヒラギノ角ゴ ProN W6" charset="0"/>
+              </a:rPr>
+              <a:t>0. Quick intro</a:t>
+            </a:r>
+            <a:br>
+              <a:rPr lang="en-US" sz="3000" dirty="0">
+                <a:latin typeface="PFDinTextCompPro-Bold" charset="0"/>
+                <a:ea typeface="ヒラギノ角ゴ ProN W6" charset="0"/>
+                <a:cs typeface="ヒラギノ角ゴ ProN W6" charset="0"/>
+              </a:rPr>
+            </a:br>
+            <a:r>
+              <a:rPr lang="en-US" sz="3000" dirty="0">
+                <a:latin typeface="PFDinTextCompPro-Bold" charset="0"/>
+                <a:ea typeface="ヒラギノ角ゴ ProN W6" charset="0"/>
+                <a:cs typeface="ヒラギノ角ゴ ProN W6" charset="0"/>
+              </a:rPr>
+              <a:t>I. my approach</a:t>
+            </a:r>
+            <a:br>
+              <a:rPr lang="en-US" sz="3000" dirty="0">
+                <a:latin typeface="PFDinTextCompPro-Bold" charset="0"/>
+                <a:ea typeface="ヒラギノ角ゴ ProN W6" charset="0"/>
+                <a:cs typeface="ヒラギノ角ゴ ProN W6" charset="0"/>
+              </a:rPr>
+            </a:br>
+            <a:r>
+              <a:rPr lang="en-US" sz="3000" dirty="0">
+                <a:latin typeface="PFDinTextCompPro-Bold" charset="0"/>
+                <a:ea typeface="ヒラギノ角ゴ ProN W6" charset="0"/>
+                <a:cs typeface="ヒラギノ角ゴ ProN W6" charset="0"/>
+              </a:rPr>
+              <a:t>II. My challenges</a:t>
+            </a:r>
+            <a:br>
+              <a:rPr lang="en-US" sz="3000" dirty="0">
+                <a:latin typeface="PFDinTextCompPro-Bold" charset="0"/>
+                <a:ea typeface="ヒラギノ角ゴ ProN W6" charset="0"/>
+                <a:cs typeface="ヒラギノ角ゴ ProN W6" charset="0"/>
+              </a:rPr>
+            </a:br>
+            <a:r>
+              <a:rPr lang="en-US" sz="3000" dirty="0">
+                <a:latin typeface="PFDinTextCompPro-Bold" charset="0"/>
+                <a:ea typeface="ヒラギノ角ゴ ProN W6" charset="0"/>
+                <a:cs typeface="ヒラギノ角ゴ ProN W6" charset="0"/>
+              </a:rPr>
+              <a:t>iii. Next steps</a:t>
+            </a:r>
+            <a:br>
+              <a:rPr lang="en-US" sz="3000" dirty="0">
+                <a:latin typeface="PFDinTextCompPro-Bold" charset="0"/>
+                <a:ea typeface="ヒラギノ角ゴ ProN W6" charset="0"/>
+                <a:cs typeface="ヒラギノ角ゴ ProN W6" charset="0"/>
+              </a:rPr>
+            </a:br>
+            <a:r>
+              <a:rPr lang="en-US" sz="3000" dirty="0">
+                <a:latin typeface="PFDinTextCompPro-Bold" charset="0"/>
+                <a:ea typeface="ヒラギノ角ゴ ProN W6" charset="0"/>
+                <a:cs typeface="ヒラギノ角ゴ ProN W6" charset="0"/>
+              </a:rPr>
+              <a:t>III. Q&amp;A</a:t>
+            </a:r>
+            <a:endParaRPr lang="en-US" sz="3000" cap="none" dirty="0">
+              <a:latin typeface="PFDinTextCompPro-Bold" charset="0"/>
+              <a:ea typeface="ヒラギノ角ゴ ProN W6" charset="0"/>
+              <a:cs typeface="ヒラギノ角ゴ ProN W6" charset="0"/>
+            </a:endParaRPr>
+          </a:p>
+        </p:txBody>
+      </p:sp>
+      <p:sp>
+        <p:nvSpPr>
+          <p:cNvPr id="11" name="Content Placeholder 10"/>
+          <p:cNvSpPr>
+            <a:spLocks noGrp="1"/>
+          </p:cNvSpPr>
+          <p:nvPr>
+            <p:ph sz="quarter" idx="11"/>
+          </p:nvPr>
+        </p:nvSpPr>
+        <p:spPr>
+          <a:xfrm>
+            <a:off x="371475" y="495300"/>
+            <a:ext cx="7129463" cy="304800"/>
+          </a:xfrm>
+        </p:spPr>
+        <p:txBody>
+          <a:bodyPr/>
+          <a:lstStyle/>
+          <a:p>
+            <a:pPr eaLnBrk="1" hangingPunct="1">
+              <a:lnSpc>
+                <a:spcPts val="2448"/>
+              </a:lnSpc>
+              <a:defRPr/>
+            </a:pPr>
+            <a:r>
+              <a:rPr lang="en-US" dirty="0">
+                <a:latin typeface="PFDinTextCompPro-Bold" charset="0"/>
+                <a:ea typeface="ＭＳ Ｐゴシック" charset="0"/>
+                <a:cs typeface="PFDinTextCompPro-Bold" charset="0"/>
+                <a:sym typeface="PFDinTextCompPro-Bold" charset="0"/>
+              </a:rPr>
+              <a:t>agenda</a:t>
+            </a:r>
+          </a:p>
+          <a:p>
+            <a:pPr eaLnBrk="1" hangingPunct="1">
+              <a:lnSpc>
+                <a:spcPts val="2448"/>
+              </a:lnSpc>
+              <a:defRPr/>
+            </a:pPr>
+            <a:endParaRPr lang="en-US" dirty="0"/>
+          </a:p>
+        </p:txBody>
+      </p:sp>
+      <p:sp>
+        <p:nvSpPr>
+          <p:cNvPr id="2" name="Rectangle 1"/>
+          <p:cNvSpPr/>
+          <p:nvPr/>
+        </p:nvSpPr>
+        <p:spPr bwMode="auto">
+          <a:xfrm>
+            <a:off x="0" y="0"/>
+            <a:ext cx="9363075" cy="5257800"/>
+          </a:xfrm>
+          <a:prstGeom prst="rect">
+            <a:avLst/>
+          </a:prstGeom>
+          <a:solidFill>
+            <a:srgbClr val="F37711"/>
+          </a:solidFill>
+          <a:ln w="25400" cap="flat" cmpd="sng" algn="ctr">
+            <a:noFill/>
+            <a:prstDash val="solid"/>
+            <a:round/>
+            <a:headEnd type="none" w="med" len="med"/>
+            <a:tailEnd type="none" w="med" len="med"/>
+          </a:ln>
+          <a:effectLst/>
+          <a:extLst/>
+        </p:spPr>
+        <p:txBody>
+          <a:bodyPr vert="horz" wrap="square" lIns="91440" tIns="45720" rIns="91440" bIns="45720" numCol="1" rtlCol="0" anchor="t" anchorCtr="0" compatLnSpc="1">
+            <a:prstTxWarp prst="textNoShape">
+              <a:avLst/>
+            </a:prstTxWarp>
+          </a:bodyPr>
+          <a:lstStyle/>
+          <a:p>
+            <a:pPr marL="0" marR="0" indent="0" algn="ctr" defTabSz="914400" rtl="0" eaLnBrk="1" fontAlgn="base" latinLnBrk="0" hangingPunct="1">
+              <a:lnSpc>
+                <a:spcPct val="100000"/>
+              </a:lnSpc>
+              <a:spcBef>
+                <a:spcPct val="0"/>
+              </a:spcBef>
+              <a:spcAft>
+                <a:spcPct val="0"/>
+              </a:spcAft>
+              <a:buClrTx/>
+              <a:buSzTx/>
+              <a:buFontTx/>
+              <a:buNone/>
+              <a:tabLst/>
+            </a:pPr>
+            <a:endParaRPr kumimoji="0" lang="en-US" sz="5800" b="0" i="0" u="none" strike="noStrike" cap="none" normalizeH="0" baseline="0" dirty="0">
+              <a:ln>
+                <a:noFill/>
+              </a:ln>
+              <a:solidFill>
+                <a:srgbClr val="000000"/>
+              </a:solidFill>
+              <a:effectLst/>
+              <a:latin typeface="Gill Sans" charset="0"/>
+              <a:ea typeface="ヒラギノ角ゴ ProN W3" charset="0"/>
+              <a:cs typeface="ヒラギノ角ゴ ProN W3" charset="0"/>
+              <a:sym typeface="Gill Sans" charset="0"/>
+            </a:endParaRPr>
+          </a:p>
+        </p:txBody>
+      </p:sp>
+      <p:sp>
+        <p:nvSpPr>
+          <p:cNvPr id="17" name="Content Placeholder 10"/>
+          <p:cNvSpPr>
+            <a:spLocks noGrp="1"/>
+          </p:cNvSpPr>
+          <p:nvPr>
+            <p:ph sz="quarter" idx="11"/>
+          </p:nvPr>
+        </p:nvSpPr>
+        <p:spPr>
+          <a:xfrm>
+            <a:off x="447674" y="495300"/>
+            <a:ext cx="7129463" cy="304800"/>
+          </a:xfrm>
+        </p:spPr>
+        <p:txBody>
+          <a:bodyPr/>
+          <a:lstStyle/>
+          <a:p>
+            <a:pPr eaLnBrk="1" hangingPunct="1">
+              <a:lnSpc>
+                <a:spcPts val="2448"/>
+              </a:lnSpc>
+              <a:defRPr/>
+            </a:pPr>
+            <a:r>
+              <a:rPr lang="en-US" dirty="0">
+                <a:solidFill>
+                  <a:schemeClr val="bg1"/>
+                </a:solidFill>
+                <a:latin typeface="PFDinTextCompPro-Bold" charset="0"/>
+                <a:ea typeface="ＭＳ Ｐゴシック" charset="0"/>
+                <a:cs typeface="PFDinTextCompPro-Bold" charset="0"/>
+                <a:sym typeface="PFDinTextCompPro-Bold" charset="0"/>
+              </a:rPr>
+              <a:t>CHALLENGEs</a:t>
+            </a:r>
+            <a:endParaRPr lang="en-US" dirty="0">
+              <a:solidFill>
+                <a:schemeClr val="bg1"/>
+              </a:solidFill>
+            </a:endParaRPr>
+          </a:p>
+        </p:txBody>
+      </p:sp>
+      <p:cxnSp>
+        <p:nvCxnSpPr>
+          <p:cNvPr id="18" name="Straight Connector 17"/>
+          <p:cNvCxnSpPr/>
+          <p:nvPr/>
+        </p:nvCxnSpPr>
+        <p:spPr bwMode="auto">
+          <a:xfrm>
+            <a:off x="490537" y="876300"/>
+            <a:ext cx="8382000" cy="0"/>
+          </a:xfrm>
+          <a:prstGeom prst="line">
+            <a:avLst/>
+          </a:prstGeom>
+          <a:ln>
+            <a:solidFill>
+              <a:schemeClr val="bg1"/>
+            </a:solidFill>
+            <a:headEnd type="none" w="med" len="med"/>
+            <a:tailEnd type="none" w="med" len="med"/>
+          </a:ln>
+          <a:effectLst/>
+          <a:extLst/>
+        </p:spPr>
+        <p:style>
+          <a:lnRef idx="3">
+            <a:schemeClr val="accent6"/>
+          </a:lnRef>
+          <a:fillRef idx="0">
+            <a:schemeClr val="accent6"/>
+          </a:fillRef>
+          <a:effectRef idx="2">
+            <a:schemeClr val="accent6"/>
+          </a:effectRef>
+          <a:fontRef idx="minor">
+            <a:schemeClr val="tx1"/>
+          </a:fontRef>
+        </p:style>
+      </p:cxnSp>
+      <p:sp>
+        <p:nvSpPr>
+          <p:cNvPr id="15" name="Rectangle 14"/>
+          <p:cNvSpPr/>
+          <p:nvPr/>
+        </p:nvSpPr>
+        <p:spPr>
+          <a:xfrm>
+            <a:off x="469927" y="1104900"/>
+            <a:ext cx="8402610" cy="1815882"/>
+          </a:xfrm>
+          <a:prstGeom prst="rect">
+            <a:avLst/>
+          </a:prstGeom>
+        </p:spPr>
+        <p:txBody>
+          <a:bodyPr wrap="square">
+            <a:spAutoFit/>
+          </a:bodyPr>
+          <a:lstStyle/>
+          <a:p>
+            <a:pPr algn="l"/>
+            <a:endParaRPr lang="en-US" sz="1400" b="1" u="sng" dirty="0">
+              <a:solidFill>
+                <a:schemeClr val="bg1"/>
+              </a:solidFill>
+            </a:endParaRPr>
+          </a:p>
+          <a:p>
+            <a:pPr marL="342900" indent="-342900" algn="l">
+              <a:buFont typeface="+mj-lt"/>
+              <a:buAutoNum type="arabicPeriod"/>
+            </a:pPr>
+            <a:r>
+              <a:rPr lang="en-US" sz="1400" b="1" dirty="0">
+                <a:solidFill>
+                  <a:schemeClr val="bg1"/>
+                </a:solidFill>
+              </a:rPr>
+              <a:t>Not trying to predict the true relevancy of the product as a response to a search query</a:t>
+            </a:r>
+          </a:p>
+          <a:p>
+            <a:pPr marL="342900" indent="-342900" algn="l">
+              <a:buAutoNum type="arabicPeriod"/>
+            </a:pPr>
+            <a:endParaRPr lang="en-US" sz="1400" b="1" dirty="0">
+              <a:solidFill>
+                <a:schemeClr val="bg1"/>
+              </a:solidFill>
+            </a:endParaRPr>
+          </a:p>
+          <a:p>
+            <a:pPr marL="342900" indent="-342900" algn="l">
+              <a:buAutoNum type="arabicPeriod"/>
+            </a:pPr>
+            <a:r>
+              <a:rPr lang="en-US" sz="1400" b="1" dirty="0">
+                <a:solidFill>
+                  <a:schemeClr val="bg1"/>
+                </a:solidFill>
+              </a:rPr>
+              <a:t>Instead, build program to mimic human raters, assuming they are the most efficient method of assessing relevancy</a:t>
+            </a:r>
+          </a:p>
+          <a:p>
+            <a:pPr marL="342900" indent="-342900" algn="l">
+              <a:buAutoNum type="arabicPeriod"/>
+            </a:pPr>
+            <a:endParaRPr lang="en-US" sz="1400" b="1" dirty="0">
+              <a:solidFill>
+                <a:schemeClr val="bg1"/>
+              </a:solidFill>
+            </a:endParaRPr>
+          </a:p>
+          <a:p>
+            <a:pPr marL="342900" indent="-342900" algn="l">
+              <a:buAutoNum type="arabicPeriod"/>
+            </a:pPr>
+            <a:r>
+              <a:rPr lang="en-US" sz="1400" b="1" dirty="0">
+                <a:solidFill>
+                  <a:schemeClr val="bg1"/>
+                </a:solidFill>
+              </a:rPr>
+              <a:t>Have to teach the models/machines to act like humans? Need to “create a search system auditor that can help measure the efficacy of changes in algorithms preferably in real time”</a:t>
+            </a:r>
+          </a:p>
+        </p:txBody>
+      </p:sp>
+    </p:spTree>
+    <p:extLst>
+      <p:ext uri="{BB962C8B-B14F-4D97-AF65-F5344CB8AC3E}">
+        <p14:creationId xmlns:p14="http://schemas.microsoft.com/office/powerpoint/2010/main" val="4214450682"/>
+      </p:ext>
+    </p:extLst>
+  </p:cSld>
+  <p:clrMapOvr>
+    <a:masterClrMapping/>
+  </p:clrMapOvr>
+  <p:transition/>
+</p:sld>
+</file>
+
+<file path=ppt/slides/slide14.xml><?xml version="1.0" encoding="utf-8"?>
+<p:sld xmlns:a="http://schemas.openxmlformats.org/drawingml/2006/main" xmlns:r="http://schemas.openxmlformats.org/officeDocument/2006/relationships" xmlns:p="http://schemas.openxmlformats.org/presentationml/2006/main">
+  <p:cSld>
+    <p:spTree>
+      <p:nvGrpSpPr>
+        <p:cNvPr id="1" name=""/>
+        <p:cNvGrpSpPr/>
+        <p:nvPr/>
+      </p:nvGrpSpPr>
+      <p:grpSpPr>
+        <a:xfrm>
+          <a:off x="0" y="0"/>
+          <a:ext cx="0" cy="0"/>
+          <a:chOff x="0" y="0"/>
+          <a:chExt cx="0" cy="0"/>
+        </a:xfrm>
+      </p:grpSpPr>
+      <p:sp>
+        <p:nvSpPr>
+          <p:cNvPr id="19457" name="Title 1"/>
+          <p:cNvSpPr>
+            <a:spLocks noGrp="1"/>
+          </p:cNvSpPr>
+          <p:nvPr>
+            <p:ph type="ctrTitle"/>
+          </p:nvPr>
+        </p:nvSpPr>
+        <p:spPr bwMode="auto">
+          <a:xfrm>
+            <a:off x="519112" y="1066800"/>
+            <a:ext cx="8429625" cy="3695700"/>
+          </a:xfrm>
+          <a:extLst>
+            <a:ext uri="{909E8E84-426E-40DD-AFC4-6F175D3DCCD1}">
+              <a14:hiddenFill xmlns:a14="http://schemas.microsoft.com/office/drawing/2010/main">
+                <a:solidFill>
+                  <a:srgbClr val="FFFFFF"/>
+                </a:solidFill>
+              </a14:hiddenFill>
+            </a:ext>
+            <a:ext uri="{91240B29-F687-4F45-9708-019B960494DF}">
+              <a14:hiddenLine xmlns:a14="http://schemas.microsoft.com/office/drawing/2010/main" w="9525">
+                <a:solidFill>
+                  <a:srgbClr val="000000"/>
+                </a:solidFill>
+                <a:miter lim="800000"/>
+                <a:headEnd/>
+                <a:tailEnd/>
+              </a14:hiddenLine>
+            </a:ext>
+            <a:ext uri="{FAA26D3D-D897-4be2-8F04-BA451C77F1D7}">
+              <ma14:placeholderFlag xmlns:ma14="http://schemas.microsoft.com/office/mac/drawingml/2011/main" xmlns="" val="1"/>
+            </a:ext>
+          </a:extLst>
+        </p:spPr>
+        <p:txBody>
+          <a:bodyPr wrap="square" numCol="1" anchor="t" anchorCtr="0" compatLnSpc="1">
+            <a:prstTxWarp prst="textNoShape">
+              <a:avLst/>
+            </a:prstTxWarp>
+          </a:bodyPr>
+          <a:lstStyle/>
+          <a:p>
+            <a:pPr>
+              <a:lnSpc>
+                <a:spcPts val="3600"/>
+              </a:lnSpc>
+              <a:defRPr/>
+            </a:pPr>
+            <a:br>
+              <a:rPr lang="en-US" sz="3000" dirty="0">
+                <a:latin typeface="PFDinTextCompPro-Bold" charset="0"/>
+                <a:ea typeface="ヒラギノ角ゴ ProN W6" charset="0"/>
+                <a:cs typeface="ヒラギノ角ゴ ProN W6" charset="0"/>
+              </a:rPr>
+            </a:br>
+            <a:r>
+              <a:rPr lang="en-US" sz="3000" dirty="0">
+                <a:latin typeface="PFDinTextCompPro-Bold" charset="0"/>
+                <a:ea typeface="ヒラギノ角ゴ ProN W6" charset="0"/>
+                <a:cs typeface="ヒラギノ角ゴ ProN W6" charset="0"/>
+              </a:rPr>
+              <a:t>0. Quick intro</a:t>
+            </a:r>
+            <a:br>
+              <a:rPr lang="en-US" sz="3000" dirty="0">
+                <a:latin typeface="PFDinTextCompPro-Bold" charset="0"/>
+                <a:ea typeface="ヒラギノ角ゴ ProN W6" charset="0"/>
+                <a:cs typeface="ヒラギノ角ゴ ProN W6" charset="0"/>
+              </a:rPr>
+            </a:br>
+            <a:r>
+              <a:rPr lang="en-US" sz="3000" dirty="0">
+                <a:latin typeface="PFDinTextCompPro-Bold" charset="0"/>
+                <a:ea typeface="ヒラギノ角ゴ ProN W6" charset="0"/>
+                <a:cs typeface="ヒラギノ角ゴ ProN W6" charset="0"/>
+              </a:rPr>
+              <a:t>I. my approach</a:t>
+            </a:r>
+            <a:br>
+              <a:rPr lang="en-US" sz="3000" dirty="0">
+                <a:latin typeface="PFDinTextCompPro-Bold" charset="0"/>
+                <a:ea typeface="ヒラギノ角ゴ ProN W6" charset="0"/>
+                <a:cs typeface="ヒラギノ角ゴ ProN W6" charset="0"/>
+              </a:rPr>
+            </a:br>
+            <a:r>
+              <a:rPr lang="en-US" sz="3000" dirty="0">
+                <a:latin typeface="PFDinTextCompPro-Bold" charset="0"/>
+                <a:ea typeface="ヒラギノ角ゴ ProN W6" charset="0"/>
+                <a:cs typeface="ヒラギノ角ゴ ProN W6" charset="0"/>
+              </a:rPr>
+              <a:t>II. My challenges</a:t>
+            </a:r>
+            <a:br>
+              <a:rPr lang="en-US" sz="3000" dirty="0">
+                <a:latin typeface="PFDinTextCompPro-Bold" charset="0"/>
+                <a:ea typeface="ヒラギノ角ゴ ProN W6" charset="0"/>
+                <a:cs typeface="ヒラギノ角ゴ ProN W6" charset="0"/>
+              </a:rPr>
+            </a:br>
+            <a:r>
+              <a:rPr lang="en-US" sz="3000" dirty="0">
+                <a:latin typeface="PFDinTextCompPro-Bold" charset="0"/>
+                <a:ea typeface="ヒラギノ角ゴ ProN W6" charset="0"/>
+                <a:cs typeface="ヒラギノ角ゴ ProN W6" charset="0"/>
+              </a:rPr>
+              <a:t>iii. Next steps</a:t>
+            </a:r>
+            <a:br>
+              <a:rPr lang="en-US" sz="3000" dirty="0">
+                <a:latin typeface="PFDinTextCompPro-Bold" charset="0"/>
+                <a:ea typeface="ヒラギノ角ゴ ProN W6" charset="0"/>
+                <a:cs typeface="ヒラギノ角ゴ ProN W6" charset="0"/>
+              </a:rPr>
+            </a:br>
+            <a:r>
+              <a:rPr lang="en-US" sz="3000" dirty="0">
+                <a:latin typeface="PFDinTextCompPro-Bold" charset="0"/>
+                <a:ea typeface="ヒラギノ角ゴ ProN W6" charset="0"/>
+                <a:cs typeface="ヒラギノ角ゴ ProN W6" charset="0"/>
+              </a:rPr>
+              <a:t>III. Q&amp;A</a:t>
+            </a:r>
+            <a:endParaRPr lang="en-US" sz="3000" cap="none" dirty="0">
+              <a:latin typeface="PFDinTextCompPro-Bold" charset="0"/>
+              <a:ea typeface="ヒラギノ角ゴ ProN W6" charset="0"/>
+              <a:cs typeface="ヒラギノ角ゴ ProN W6" charset="0"/>
+            </a:endParaRPr>
+          </a:p>
+        </p:txBody>
+      </p:sp>
+      <p:sp>
+        <p:nvSpPr>
+          <p:cNvPr id="11" name="Content Placeholder 10"/>
+          <p:cNvSpPr>
+            <a:spLocks noGrp="1"/>
+          </p:cNvSpPr>
+          <p:nvPr>
+            <p:ph sz="quarter" idx="11"/>
+          </p:nvPr>
+        </p:nvSpPr>
+        <p:spPr>
+          <a:xfrm>
+            <a:off x="371475" y="495300"/>
+            <a:ext cx="7129463" cy="304800"/>
+          </a:xfrm>
+        </p:spPr>
+        <p:txBody>
+          <a:bodyPr/>
+          <a:lstStyle/>
+          <a:p>
+            <a:pPr eaLnBrk="1" hangingPunct="1">
+              <a:lnSpc>
+                <a:spcPts val="2448"/>
+              </a:lnSpc>
+              <a:defRPr/>
+            </a:pPr>
+            <a:r>
+              <a:rPr lang="en-US" dirty="0">
+                <a:latin typeface="PFDinTextCompPro-Bold" charset="0"/>
+                <a:ea typeface="ＭＳ Ｐゴシック" charset="0"/>
+                <a:cs typeface="PFDinTextCompPro-Bold" charset="0"/>
+                <a:sym typeface="PFDinTextCompPro-Bold" charset="0"/>
+              </a:rPr>
+              <a:t>agenda</a:t>
+            </a:r>
+          </a:p>
+          <a:p>
+            <a:pPr eaLnBrk="1" hangingPunct="1">
+              <a:lnSpc>
+                <a:spcPts val="2448"/>
+              </a:lnSpc>
+              <a:defRPr/>
+            </a:pPr>
+            <a:endParaRPr lang="en-US" dirty="0"/>
+          </a:p>
+        </p:txBody>
+      </p:sp>
+      <p:sp>
+        <p:nvSpPr>
+          <p:cNvPr id="2" name="Rectangle 1"/>
+          <p:cNvSpPr/>
+          <p:nvPr/>
+        </p:nvSpPr>
+        <p:spPr bwMode="auto">
+          <a:xfrm>
+            <a:off x="0" y="0"/>
+            <a:ext cx="9363075" cy="5257800"/>
+          </a:xfrm>
+          <a:prstGeom prst="rect">
+            <a:avLst/>
+          </a:prstGeom>
+          <a:solidFill>
+            <a:srgbClr val="F37711"/>
+          </a:solidFill>
+          <a:ln w="25400" cap="flat" cmpd="sng" algn="ctr">
+            <a:noFill/>
+            <a:prstDash val="solid"/>
+            <a:round/>
+            <a:headEnd type="none" w="med" len="med"/>
+            <a:tailEnd type="none" w="med" len="med"/>
+          </a:ln>
+          <a:effectLst/>
+          <a:extLst/>
+        </p:spPr>
+        <p:txBody>
+          <a:bodyPr vert="horz" wrap="square" lIns="91440" tIns="45720" rIns="91440" bIns="45720" numCol="1" rtlCol="0" anchor="t" anchorCtr="0" compatLnSpc="1">
+            <a:prstTxWarp prst="textNoShape">
+              <a:avLst/>
+            </a:prstTxWarp>
+          </a:bodyPr>
+          <a:lstStyle/>
+          <a:p>
+            <a:pPr marL="0" marR="0" indent="0" algn="ctr" defTabSz="914400" rtl="0" eaLnBrk="1" fontAlgn="base" latinLnBrk="0" hangingPunct="1">
+              <a:lnSpc>
+                <a:spcPct val="100000"/>
+              </a:lnSpc>
+              <a:spcBef>
+                <a:spcPct val="0"/>
+              </a:spcBef>
+              <a:spcAft>
+                <a:spcPct val="0"/>
+              </a:spcAft>
+              <a:buClrTx/>
+              <a:buSzTx/>
+              <a:buFontTx/>
+              <a:buNone/>
+              <a:tabLst/>
+            </a:pPr>
+            <a:endParaRPr kumimoji="0" lang="en-US" sz="5800" b="0" i="0" u="none" strike="noStrike" cap="none" normalizeH="0" baseline="0" dirty="0">
+              <a:ln>
+                <a:noFill/>
+              </a:ln>
+              <a:solidFill>
+                <a:srgbClr val="000000"/>
+              </a:solidFill>
+              <a:effectLst/>
+              <a:latin typeface="Gill Sans" charset="0"/>
+              <a:ea typeface="ヒラギノ角ゴ ProN W3" charset="0"/>
+              <a:cs typeface="ヒラギノ角ゴ ProN W3" charset="0"/>
+              <a:sym typeface="Gill Sans" charset="0"/>
+            </a:endParaRPr>
+          </a:p>
+        </p:txBody>
+      </p:sp>
+      <p:sp>
+        <p:nvSpPr>
+          <p:cNvPr id="17" name="Content Placeholder 10"/>
+          <p:cNvSpPr>
+            <a:spLocks noGrp="1"/>
+          </p:cNvSpPr>
+          <p:nvPr>
+            <p:ph sz="quarter" idx="11"/>
+          </p:nvPr>
+        </p:nvSpPr>
+        <p:spPr>
+          <a:xfrm>
+            <a:off x="447674" y="495300"/>
+            <a:ext cx="7129463" cy="304800"/>
+          </a:xfrm>
+        </p:spPr>
+        <p:txBody>
+          <a:bodyPr/>
+          <a:lstStyle/>
+          <a:p>
+            <a:pPr eaLnBrk="1" hangingPunct="1">
+              <a:lnSpc>
+                <a:spcPts val="2448"/>
+              </a:lnSpc>
+              <a:defRPr/>
+            </a:pPr>
+            <a:r>
+              <a:rPr lang="en-US" dirty="0">
+                <a:solidFill>
+                  <a:schemeClr val="bg1"/>
+                </a:solidFill>
+                <a:latin typeface="PFDinTextCompPro-Bold" charset="0"/>
+                <a:ea typeface="ＭＳ Ｐゴシック" charset="0"/>
+                <a:cs typeface="PFDinTextCompPro-Bold" charset="0"/>
+                <a:sym typeface="PFDinTextCompPro-Bold" charset="0"/>
+              </a:rPr>
+              <a:t>Next steps</a:t>
+            </a:r>
+          </a:p>
+          <a:p>
+            <a:pPr eaLnBrk="1" hangingPunct="1">
+              <a:lnSpc>
+                <a:spcPts val="2448"/>
+              </a:lnSpc>
+              <a:defRPr/>
+            </a:pPr>
+            <a:endParaRPr lang="en-US" dirty="0">
+              <a:solidFill>
+                <a:schemeClr val="bg1"/>
+              </a:solidFill>
+            </a:endParaRPr>
+          </a:p>
+        </p:txBody>
+      </p:sp>
+      <p:cxnSp>
+        <p:nvCxnSpPr>
+          <p:cNvPr id="18" name="Straight Connector 17"/>
+          <p:cNvCxnSpPr/>
+          <p:nvPr/>
+        </p:nvCxnSpPr>
+        <p:spPr bwMode="auto">
+          <a:xfrm>
+            <a:off x="490537" y="876300"/>
+            <a:ext cx="8382000" cy="0"/>
+          </a:xfrm>
+          <a:prstGeom prst="line">
+            <a:avLst/>
+          </a:prstGeom>
+          <a:ln>
+            <a:solidFill>
+              <a:schemeClr val="bg1"/>
+            </a:solidFill>
+            <a:headEnd type="none" w="med" len="med"/>
+            <a:tailEnd type="none" w="med" len="med"/>
+          </a:ln>
+          <a:effectLst/>
+          <a:extLst/>
+        </p:spPr>
+        <p:style>
+          <a:lnRef idx="3">
+            <a:schemeClr val="accent6"/>
+          </a:lnRef>
+          <a:fillRef idx="0">
+            <a:schemeClr val="accent6"/>
+          </a:fillRef>
+          <a:effectRef idx="2">
+            <a:schemeClr val="accent6"/>
+          </a:effectRef>
+          <a:fontRef idx="minor">
+            <a:schemeClr val="tx1"/>
+          </a:fontRef>
+        </p:style>
+      </p:cxnSp>
+      <p:sp>
+        <p:nvSpPr>
+          <p:cNvPr id="15" name="Rectangle 14"/>
+          <p:cNvSpPr/>
+          <p:nvPr/>
+        </p:nvSpPr>
+        <p:spPr>
+          <a:xfrm>
+            <a:off x="469927" y="1104900"/>
+            <a:ext cx="8402610" cy="1384995"/>
+          </a:xfrm>
+          <a:prstGeom prst="rect">
+            <a:avLst/>
+          </a:prstGeom>
+        </p:spPr>
+        <p:txBody>
+          <a:bodyPr wrap="square">
+            <a:spAutoFit/>
+          </a:bodyPr>
+          <a:lstStyle/>
+          <a:p>
+            <a:pPr algn="l"/>
+            <a:endParaRPr lang="en-US" sz="1400" b="1" dirty="0">
+              <a:solidFill>
+                <a:schemeClr val="bg1"/>
+              </a:solidFill>
+            </a:endParaRPr>
+          </a:p>
+          <a:p>
+            <a:pPr marL="342900" indent="-342900" algn="l">
+              <a:buFont typeface="+mj-lt"/>
+              <a:buAutoNum type="arabicPeriod"/>
+            </a:pPr>
+            <a:r>
+              <a:rPr lang="en-US" sz="1400" b="1" dirty="0">
+                <a:solidFill>
+                  <a:schemeClr val="bg1"/>
+                </a:solidFill>
+              </a:rPr>
+              <a:t>Check out winning strategies on Kaggle, improve on them</a:t>
+            </a:r>
+          </a:p>
+          <a:p>
+            <a:pPr marL="342900" indent="-342900" algn="l">
+              <a:buFont typeface="+mj-lt"/>
+              <a:buAutoNum type="arabicPeriod"/>
+            </a:pPr>
+            <a:endParaRPr lang="en-US" sz="1400" b="1" dirty="0">
+              <a:solidFill>
+                <a:schemeClr val="bg1"/>
+              </a:solidFill>
+            </a:endParaRPr>
+          </a:p>
+          <a:p>
+            <a:pPr marL="342900" indent="-342900" algn="l">
+              <a:buFont typeface="+mj-lt"/>
+              <a:buAutoNum type="arabicPeriod"/>
+            </a:pPr>
+            <a:r>
+              <a:rPr lang="en-US" sz="1400" b="1" dirty="0">
+                <a:solidFill>
+                  <a:schemeClr val="bg1"/>
+                </a:solidFill>
+              </a:rPr>
+              <a:t>Keep competing in Kaggle competitions</a:t>
+            </a:r>
+          </a:p>
+          <a:p>
+            <a:pPr marL="342900" indent="-342900" algn="l">
+              <a:buFont typeface="+mj-lt"/>
+              <a:buAutoNum type="arabicPeriod"/>
+            </a:pPr>
+            <a:endParaRPr lang="en-US" sz="1400" b="1" dirty="0">
+              <a:solidFill>
+                <a:schemeClr val="bg1"/>
+              </a:solidFill>
+            </a:endParaRPr>
+          </a:p>
+          <a:p>
+            <a:pPr marL="342900" indent="-342900" algn="l">
+              <a:buFont typeface="+mj-lt"/>
+              <a:buAutoNum type="arabicPeriod"/>
+            </a:pPr>
+            <a:r>
+              <a:rPr lang="en-US" sz="1400" b="1" dirty="0">
+                <a:solidFill>
+                  <a:schemeClr val="bg1"/>
+                </a:solidFill>
+              </a:rPr>
+              <a:t>Try out Natural Language Processing</a:t>
+            </a:r>
+          </a:p>
+        </p:txBody>
+      </p:sp>
+    </p:spTree>
+    <p:extLst>
+      <p:ext uri="{BB962C8B-B14F-4D97-AF65-F5344CB8AC3E}">
+        <p14:creationId xmlns:p14="http://schemas.microsoft.com/office/powerpoint/2010/main" val="1901568452"/>
+      </p:ext>
+    </p:extLst>
+  </p:cSld>
+  <p:clrMapOvr>
+    <a:masterClrMapping/>
+  </p:clrMapOvr>
+  <p:transition/>
+</p:sld>
+</file>
+
+<file path=ppt/slides/slide2.xml><?xml version="1.0" encoding="utf-8"?>
+<p:sld xmlns:a="http://schemas.openxmlformats.org/drawingml/2006/main" xmlns:r="http://schemas.openxmlformats.org/officeDocument/2006/relationships" xmlns:p="http://schemas.openxmlformats.org/presentationml/2006/main">
+  <p:cSld>
+    <p:spTree>
+      <p:nvGrpSpPr>
+        <p:cNvPr id="1" name=""/>
+        <p:cNvGrpSpPr/>
+        <p:nvPr/>
+      </p:nvGrpSpPr>
+      <p:grpSpPr>
+        <a:xfrm>
+          <a:off x="0" y="0"/>
+          <a:ext cx="0" cy="0"/>
+          <a:chOff x="0" y="0"/>
+          <a:chExt cx="0" cy="0"/>
+        </a:xfrm>
+      </p:grpSpPr>
+      <p:sp>
+        <p:nvSpPr>
+          <p:cNvPr id="19457" name="Title 1"/>
+          <p:cNvSpPr>
+            <a:spLocks noGrp="1"/>
+          </p:cNvSpPr>
+          <p:nvPr>
+            <p:ph type="ctrTitle"/>
+          </p:nvPr>
+        </p:nvSpPr>
+        <p:spPr bwMode="auto">
+          <a:xfrm>
+            <a:off x="519112" y="1066800"/>
+            <a:ext cx="8429625" cy="3695700"/>
+          </a:xfrm>
+          <a:extLst>
+            <a:ext uri="{909E8E84-426E-40DD-AFC4-6F175D3DCCD1}">
+              <a14:hiddenFill xmlns:a14="http://schemas.microsoft.com/office/drawing/2010/main">
+                <a:solidFill>
+                  <a:srgbClr val="FFFFFF"/>
+                </a:solidFill>
+              </a14:hiddenFill>
+            </a:ext>
+            <a:ext uri="{91240B29-F687-4F45-9708-019B960494DF}">
+              <a14:hiddenLine xmlns:a14="http://schemas.microsoft.com/office/drawing/2010/main" w="9525">
+                <a:solidFill>
+                  <a:srgbClr val="000000"/>
+                </a:solidFill>
+                <a:miter lim="800000"/>
+                <a:headEnd/>
+                <a:tailEnd/>
+              </a14:hiddenLine>
+            </a:ext>
+            <a:ext uri="{FAA26D3D-D897-4be2-8F04-BA451C77F1D7}">
+              <ma14:placeholderFlag xmlns:ma14="http://schemas.microsoft.com/office/mac/drawingml/2011/main" xmlns="" val="1"/>
             </a:ext>
           </a:extLst>
         </p:spPr>
@@ -7773,7 +10405,7 @@
               </a14:hiddenLine>
             </a:ext>
             <a:ext uri="{FAA26D3D-D897-4be2-8F04-BA451C77F1D7}">
-              <ma14:placeholderFlag xmlns="" xmlns:ma14="http://schemas.microsoft.com/office/mac/drawingml/2011/main" val="1"/>
+              <ma14:placeholderFlag xmlns:ma14="http://schemas.microsoft.com/office/mac/drawingml/2011/main" xmlns="" val="1"/>
             </a:ext>
           </a:extLst>
         </p:spPr>
@@ -8370,7 +11002,7 @@
               </a14:hiddenLine>
             </a:ext>
             <a:ext uri="{FAA26D3D-D897-4be2-8F04-BA451C77F1D7}">
-              <ma14:placeholderFlag xmlns="" xmlns:ma14="http://schemas.microsoft.com/office/mac/drawingml/2011/main" val="1"/>
+              <ma14:placeholderFlag xmlns:ma14="http://schemas.microsoft.com/office/mac/drawingml/2011/main" xmlns="" val="1"/>
             </a:ext>
           </a:extLst>
         </p:spPr>
@@ -8728,7 +11360,7 @@
         <p:spPr>
           <a:xfrm>
             <a:off x="5999198" y="1378718"/>
-            <a:ext cx="2763810" cy="3462486"/>
+            <a:ext cx="2763810" cy="4016484"/>
           </a:xfrm>
           <a:prstGeom prst="rect">
             <a:avLst/>
@@ -8813,7 +11445,7 @@
                   <a:schemeClr val="bg1"/>
                 </a:solidFill>
               </a:rPr>
-              <a:t>Mid-scale volume, classifiers (Random Forest?)</a:t>
+              <a:t>Not a huge volume, classifiers (Random Forest?)</a:t>
             </a:r>
           </a:p>
           <a:p>
@@ -8875,6 +11507,39 @@
               </a:rPr>
               <a:t>?)</a:t>
             </a:r>
+          </a:p>
+          <a:p>
+            <a:pPr marL="457200" indent="-223838" algn="l">
+              <a:buFont typeface="Arial" panose="020B0604020202020204" pitchFamily="34" charset="0"/>
+              <a:buChar char="•"/>
+            </a:pPr>
+            <a:endParaRPr lang="en-US" sz="1200" b="1" dirty="0">
+              <a:solidFill>
+                <a:schemeClr val="bg1"/>
+              </a:solidFill>
+            </a:endParaRPr>
+          </a:p>
+          <a:p>
+            <a:pPr marL="457200" indent="-223838" algn="l">
+              <a:buFont typeface="Arial" panose="020B0604020202020204" pitchFamily="34" charset="0"/>
+              <a:buChar char="•"/>
+            </a:pPr>
+            <a:r>
+              <a:rPr lang="en-US" sz="1200" b="1" dirty="0">
+                <a:solidFill>
+                  <a:schemeClr val="bg1"/>
+                </a:solidFill>
+              </a:rPr>
+              <a:t>Rank variable importance</a:t>
+            </a:r>
+          </a:p>
+          <a:p>
+            <a:pPr marL="233362" algn="l"/>
+            <a:endParaRPr lang="en-US" sz="1200" b="1" dirty="0">
+              <a:solidFill>
+                <a:schemeClr val="bg1"/>
+              </a:solidFill>
+            </a:endParaRPr>
           </a:p>
           <a:p>
             <a:pPr marL="457200" indent="-223838" algn="l">
@@ -8965,7 +11630,7 @@
               </a14:hiddenLine>
             </a:ext>
             <a:ext uri="{FAA26D3D-D897-4be2-8F04-BA451C77F1D7}">
-              <ma14:placeholderFlag xmlns="" xmlns:ma14="http://schemas.microsoft.com/office/mac/drawingml/2011/main" val="1"/>
+              <ma14:placeholderFlag xmlns:ma14="http://schemas.microsoft.com/office/mac/drawingml/2011/main" xmlns="" val="1"/>
             </a:ext>
           </a:extLst>
         </p:spPr>
@@ -9550,7 +12215,7 @@
               </a14:hiddenLine>
             </a:ext>
             <a:ext uri="{FAA26D3D-D897-4be2-8F04-BA451C77F1D7}">
-              <ma14:placeholderFlag xmlns="" xmlns:ma14="http://schemas.microsoft.com/office/mac/drawingml/2011/main" val="1"/>
+              <ma14:placeholderFlag xmlns:ma14="http://schemas.microsoft.com/office/mac/drawingml/2011/main" xmlns="" val="1"/>
             </a:ext>
           </a:extLst>
         </p:spPr>
@@ -9801,7 +12466,7 @@
                 <a:cs typeface="PFDinTextCompPro-Bold" charset="0"/>
                 <a:sym typeface="PFDinTextCompPro-Bold" charset="0"/>
               </a:rPr>
-              <a:t>Leaderboard</a:t>
+              <a:t>Approach (CONT)</a:t>
             </a:r>
           </a:p>
           <a:p>
@@ -9811,6 +12476,1010 @@
               </a:lnSpc>
               <a:defRPr/>
             </a:pPr>
+            <a:endParaRPr lang="en-US" dirty="0">
+              <a:solidFill>
+                <a:schemeClr val="bg1"/>
+              </a:solidFill>
+            </a:endParaRPr>
+          </a:p>
+        </p:txBody>
+      </p:sp>
+      <p:cxnSp>
+        <p:nvCxnSpPr>
+          <p:cNvPr id="18" name="Straight Connector 17"/>
+          <p:cNvCxnSpPr/>
+          <p:nvPr/>
+        </p:nvCxnSpPr>
+        <p:spPr bwMode="auto">
+          <a:xfrm>
+            <a:off x="490537" y="876300"/>
+            <a:ext cx="8382000" cy="0"/>
+          </a:xfrm>
+          <a:prstGeom prst="line">
+            <a:avLst/>
+          </a:prstGeom>
+          <a:ln>
+            <a:solidFill>
+              <a:schemeClr val="bg1"/>
+            </a:solidFill>
+            <a:headEnd type="none" w="med" len="med"/>
+            <a:tailEnd type="none" w="med" len="med"/>
+          </a:ln>
+          <a:effectLst/>
+          <a:extLst/>
+        </p:spPr>
+        <p:style>
+          <a:lnRef idx="3">
+            <a:schemeClr val="accent6"/>
+          </a:lnRef>
+          <a:fillRef idx="0">
+            <a:schemeClr val="accent6"/>
+          </a:fillRef>
+          <a:effectRef idx="2">
+            <a:schemeClr val="accent6"/>
+          </a:effectRef>
+          <a:fontRef idx="minor">
+            <a:schemeClr val="tx1"/>
+          </a:fontRef>
+        </p:style>
+      </p:cxnSp>
+      <p:sp>
+        <p:nvSpPr>
+          <p:cNvPr id="15" name="Rectangle 14"/>
+          <p:cNvSpPr/>
+          <p:nvPr/>
+        </p:nvSpPr>
+        <p:spPr>
+          <a:xfrm>
+            <a:off x="6508672" y="1575822"/>
+            <a:ext cx="2840010" cy="2677656"/>
+          </a:xfrm>
+          <a:prstGeom prst="rect">
+            <a:avLst/>
+          </a:prstGeom>
+        </p:spPr>
+        <p:txBody>
+          <a:bodyPr wrap="square">
+            <a:spAutoFit/>
+          </a:bodyPr>
+          <a:lstStyle/>
+          <a:p>
+            <a:pPr algn="l"/>
+            <a:r>
+              <a:rPr lang="en-US" sz="1400" b="1" dirty="0">
+                <a:solidFill>
+                  <a:schemeClr val="bg1"/>
+                </a:solidFill>
+              </a:rPr>
+              <a:t>Why Stemmer?</a:t>
+            </a:r>
+          </a:p>
+          <a:p>
+            <a:pPr algn="l"/>
+            <a:endParaRPr lang="en-US" sz="1400" b="1" dirty="0">
+              <a:solidFill>
+                <a:schemeClr val="bg1"/>
+              </a:solidFill>
+            </a:endParaRPr>
+          </a:p>
+          <a:p>
+            <a:pPr algn="l"/>
+            <a:r>
+              <a:rPr lang="en-US" sz="2400" b="1" dirty="0">
+                <a:solidFill>
+                  <a:schemeClr val="bg1"/>
+                </a:solidFill>
+              </a:rPr>
+              <a:t>Messy!</a:t>
+            </a:r>
+          </a:p>
+          <a:p>
+            <a:pPr algn="l"/>
+            <a:endParaRPr lang="en-US" sz="2400" b="1" dirty="0">
+              <a:solidFill>
+                <a:schemeClr val="bg1"/>
+              </a:solidFill>
+            </a:endParaRPr>
+          </a:p>
+          <a:p>
+            <a:pPr algn="l"/>
+            <a:r>
+              <a:rPr lang="en-US" sz="1400" b="1" dirty="0">
+                <a:solidFill>
+                  <a:schemeClr val="bg1"/>
+                </a:solidFill>
+              </a:rPr>
+              <a:t>Product Names</a:t>
+            </a:r>
+          </a:p>
+          <a:p>
+            <a:pPr algn="l"/>
+            <a:r>
+              <a:rPr lang="en-US" sz="1400" b="1" dirty="0">
+                <a:solidFill>
+                  <a:schemeClr val="bg1"/>
+                </a:solidFill>
+              </a:rPr>
+              <a:t>          vs</a:t>
+            </a:r>
+          </a:p>
+          <a:p>
+            <a:pPr algn="l"/>
+            <a:r>
+              <a:rPr lang="en-US" sz="1400" b="1" dirty="0">
+                <a:solidFill>
+                  <a:schemeClr val="bg1"/>
+                </a:solidFill>
+              </a:rPr>
+              <a:t>Search Terms</a:t>
+            </a:r>
+          </a:p>
+          <a:p>
+            <a:pPr algn="l"/>
+            <a:endParaRPr lang="en-US" sz="2400" b="1" dirty="0">
+              <a:solidFill>
+                <a:schemeClr val="bg1"/>
+              </a:solidFill>
+            </a:endParaRPr>
+          </a:p>
+          <a:p>
+            <a:pPr algn="l"/>
+            <a:endParaRPr lang="en-US" sz="2000" b="1" dirty="0">
+              <a:solidFill>
+                <a:schemeClr val="bg1"/>
+              </a:solidFill>
+            </a:endParaRPr>
+          </a:p>
+        </p:txBody>
+      </p:sp>
+      <p:pic>
+        <p:nvPicPr>
+          <p:cNvPr id="1026" name="Picture 2" descr="http://nlp.stanford.edu/IR-book/html/htmledition/img102.png"/>
+          <p:cNvPicPr>
+            <a:picLocks noChangeAspect="1" noChangeArrowheads="1"/>
+          </p:cNvPicPr>
+          <p:nvPr/>
+        </p:nvPicPr>
+        <p:blipFill>
+          <a:blip r:embed="rId3">
+            <a:extLst>
+              <a:ext uri="{28A0092B-C50C-407E-A947-70E740481C1C}">
+                <a14:useLocalDpi xmlns:a14="http://schemas.microsoft.com/office/drawing/2010/main" val="0"/>
+              </a:ext>
+            </a:extLst>
+          </a:blip>
+          <a:srcRect/>
+          <a:stretch>
+            <a:fillRect/>
+          </a:stretch>
+        </p:blipFill>
+        <p:spPr bwMode="auto">
+          <a:xfrm>
+            <a:off x="519112" y="1276350"/>
+            <a:ext cx="5257800" cy="2705100"/>
+          </a:xfrm>
+          <a:prstGeom prst="rect">
+            <a:avLst/>
+          </a:prstGeom>
+          <a:noFill/>
+          <a:extLst>
+            <a:ext uri="{909E8E84-426E-40DD-AFC4-6F175D3DCCD1}">
+              <a14:hiddenFill xmlns:a14="http://schemas.microsoft.com/office/drawing/2010/main">
+                <a:solidFill>
+                  <a:srgbClr val="FFFFFF"/>
+                </a:solidFill>
+              </a14:hiddenFill>
+            </a:ext>
+          </a:extLst>
+        </p:spPr>
+      </p:pic>
+    </p:spTree>
+    <p:extLst>
+      <p:ext uri="{BB962C8B-B14F-4D97-AF65-F5344CB8AC3E}">
+        <p14:creationId xmlns:p14="http://schemas.microsoft.com/office/powerpoint/2010/main" val="3239825299"/>
+      </p:ext>
+    </p:extLst>
+  </p:cSld>
+  <p:clrMapOvr>
+    <a:masterClrMapping/>
+  </p:clrMapOvr>
+  <p:transition/>
+</p:sld>
+</file>
+
+<file path=ppt/slides/slide7.xml><?xml version="1.0" encoding="utf-8"?>
+<p:sld xmlns:a="http://schemas.openxmlformats.org/drawingml/2006/main" xmlns:r="http://schemas.openxmlformats.org/officeDocument/2006/relationships" xmlns:p="http://schemas.openxmlformats.org/presentationml/2006/main">
+  <p:cSld>
+    <p:spTree>
+      <p:nvGrpSpPr>
+        <p:cNvPr id="1" name=""/>
+        <p:cNvGrpSpPr/>
+        <p:nvPr/>
+      </p:nvGrpSpPr>
+      <p:grpSpPr>
+        <a:xfrm>
+          <a:off x="0" y="0"/>
+          <a:ext cx="0" cy="0"/>
+          <a:chOff x="0" y="0"/>
+          <a:chExt cx="0" cy="0"/>
+        </a:xfrm>
+      </p:grpSpPr>
+      <p:sp>
+        <p:nvSpPr>
+          <p:cNvPr id="19457" name="Title 1"/>
+          <p:cNvSpPr>
+            <a:spLocks noGrp="1"/>
+          </p:cNvSpPr>
+          <p:nvPr>
+            <p:ph type="ctrTitle"/>
+          </p:nvPr>
+        </p:nvSpPr>
+        <p:spPr bwMode="auto">
+          <a:xfrm>
+            <a:off x="519112" y="1066800"/>
+            <a:ext cx="8429625" cy="3695700"/>
+          </a:xfrm>
+          <a:extLst>
+            <a:ext uri="{909E8E84-426E-40DD-AFC4-6F175D3DCCD1}">
+              <a14:hiddenFill xmlns:a14="http://schemas.microsoft.com/office/drawing/2010/main">
+                <a:solidFill>
+                  <a:srgbClr val="FFFFFF"/>
+                </a:solidFill>
+              </a14:hiddenFill>
+            </a:ext>
+            <a:ext uri="{91240B29-F687-4F45-9708-019B960494DF}">
+              <a14:hiddenLine xmlns:a14="http://schemas.microsoft.com/office/drawing/2010/main" w="9525">
+                <a:solidFill>
+                  <a:srgbClr val="000000"/>
+                </a:solidFill>
+                <a:miter lim="800000"/>
+                <a:headEnd/>
+                <a:tailEnd/>
+              </a14:hiddenLine>
+            </a:ext>
+            <a:ext uri="{FAA26D3D-D897-4be2-8F04-BA451C77F1D7}">
+              <ma14:placeholderFlag xmlns:ma14="http://schemas.microsoft.com/office/mac/drawingml/2011/main" xmlns="" val="1"/>
+            </a:ext>
+          </a:extLst>
+        </p:spPr>
+        <p:txBody>
+          <a:bodyPr wrap="square" numCol="1" anchor="t" anchorCtr="0" compatLnSpc="1">
+            <a:prstTxWarp prst="textNoShape">
+              <a:avLst/>
+            </a:prstTxWarp>
+          </a:bodyPr>
+          <a:lstStyle/>
+          <a:p>
+            <a:pPr>
+              <a:lnSpc>
+                <a:spcPts val="3600"/>
+              </a:lnSpc>
+              <a:defRPr/>
+            </a:pPr>
+            <a:br>
+              <a:rPr lang="en-US" sz="3000" dirty="0">
+                <a:latin typeface="PFDinTextCompPro-Bold" charset="0"/>
+                <a:ea typeface="ヒラギノ角ゴ ProN W6" charset="0"/>
+                <a:cs typeface="ヒラギノ角ゴ ProN W6" charset="0"/>
+              </a:rPr>
+            </a:br>
+            <a:r>
+              <a:rPr lang="en-US" sz="3000" dirty="0">
+                <a:latin typeface="PFDinTextCompPro-Bold" charset="0"/>
+                <a:ea typeface="ヒラギノ角ゴ ProN W6" charset="0"/>
+                <a:cs typeface="ヒラギノ角ゴ ProN W6" charset="0"/>
+              </a:rPr>
+              <a:t>0. Quick intro</a:t>
+            </a:r>
+            <a:br>
+              <a:rPr lang="en-US" sz="3000" dirty="0">
+                <a:latin typeface="PFDinTextCompPro-Bold" charset="0"/>
+                <a:ea typeface="ヒラギノ角ゴ ProN W6" charset="0"/>
+                <a:cs typeface="ヒラギノ角ゴ ProN W6" charset="0"/>
+              </a:rPr>
+            </a:br>
+            <a:r>
+              <a:rPr lang="en-US" sz="3000" dirty="0">
+                <a:latin typeface="PFDinTextCompPro-Bold" charset="0"/>
+                <a:ea typeface="ヒラギノ角ゴ ProN W6" charset="0"/>
+                <a:cs typeface="ヒラギノ角ゴ ProN W6" charset="0"/>
+              </a:rPr>
+              <a:t>I. my approach</a:t>
+            </a:r>
+            <a:br>
+              <a:rPr lang="en-US" sz="3000" dirty="0">
+                <a:latin typeface="PFDinTextCompPro-Bold" charset="0"/>
+                <a:ea typeface="ヒラギノ角ゴ ProN W6" charset="0"/>
+                <a:cs typeface="ヒラギノ角ゴ ProN W6" charset="0"/>
+              </a:rPr>
+            </a:br>
+            <a:r>
+              <a:rPr lang="en-US" sz="3000" dirty="0">
+                <a:latin typeface="PFDinTextCompPro-Bold" charset="0"/>
+                <a:ea typeface="ヒラギノ角ゴ ProN W6" charset="0"/>
+                <a:cs typeface="ヒラギノ角ゴ ProN W6" charset="0"/>
+              </a:rPr>
+              <a:t>II. My challenges</a:t>
+            </a:r>
+            <a:br>
+              <a:rPr lang="en-US" sz="3000" dirty="0">
+                <a:latin typeface="PFDinTextCompPro-Bold" charset="0"/>
+                <a:ea typeface="ヒラギノ角ゴ ProN W6" charset="0"/>
+                <a:cs typeface="ヒラギノ角ゴ ProN W6" charset="0"/>
+              </a:rPr>
+            </a:br>
+            <a:r>
+              <a:rPr lang="en-US" sz="3000" dirty="0">
+                <a:latin typeface="PFDinTextCompPro-Bold" charset="0"/>
+                <a:ea typeface="ヒラギノ角ゴ ProN W6" charset="0"/>
+                <a:cs typeface="ヒラギノ角ゴ ProN W6" charset="0"/>
+              </a:rPr>
+              <a:t>iii. Next steps</a:t>
+            </a:r>
+            <a:br>
+              <a:rPr lang="en-US" sz="3000" dirty="0">
+                <a:latin typeface="PFDinTextCompPro-Bold" charset="0"/>
+                <a:ea typeface="ヒラギノ角ゴ ProN W6" charset="0"/>
+                <a:cs typeface="ヒラギノ角ゴ ProN W6" charset="0"/>
+              </a:rPr>
+            </a:br>
+            <a:r>
+              <a:rPr lang="en-US" sz="3000" dirty="0">
+                <a:latin typeface="PFDinTextCompPro-Bold" charset="0"/>
+                <a:ea typeface="ヒラギノ角ゴ ProN W6" charset="0"/>
+                <a:cs typeface="ヒラギノ角ゴ ProN W6" charset="0"/>
+              </a:rPr>
+              <a:t>III. Q&amp;A</a:t>
+            </a:r>
+            <a:endParaRPr lang="en-US" sz="3000" cap="none" dirty="0">
+              <a:latin typeface="PFDinTextCompPro-Bold" charset="0"/>
+              <a:ea typeface="ヒラギノ角ゴ ProN W6" charset="0"/>
+              <a:cs typeface="ヒラギノ角ゴ ProN W6" charset="0"/>
+            </a:endParaRPr>
+          </a:p>
+        </p:txBody>
+      </p:sp>
+      <p:sp>
+        <p:nvSpPr>
+          <p:cNvPr id="11" name="Content Placeholder 10"/>
+          <p:cNvSpPr>
+            <a:spLocks noGrp="1"/>
+          </p:cNvSpPr>
+          <p:nvPr>
+            <p:ph sz="quarter" idx="11"/>
+          </p:nvPr>
+        </p:nvSpPr>
+        <p:spPr>
+          <a:xfrm>
+            <a:off x="371475" y="495300"/>
+            <a:ext cx="7129463" cy="304800"/>
+          </a:xfrm>
+        </p:spPr>
+        <p:txBody>
+          <a:bodyPr/>
+          <a:lstStyle/>
+          <a:p>
+            <a:pPr eaLnBrk="1" hangingPunct="1">
+              <a:lnSpc>
+                <a:spcPts val="2448"/>
+              </a:lnSpc>
+              <a:defRPr/>
+            </a:pPr>
+            <a:r>
+              <a:rPr lang="en-US" dirty="0">
+                <a:latin typeface="PFDinTextCompPro-Bold" charset="0"/>
+                <a:ea typeface="ＭＳ Ｐゴシック" charset="0"/>
+                <a:cs typeface="PFDinTextCompPro-Bold" charset="0"/>
+                <a:sym typeface="PFDinTextCompPro-Bold" charset="0"/>
+              </a:rPr>
+              <a:t>agenda</a:t>
+            </a:r>
+          </a:p>
+          <a:p>
+            <a:pPr eaLnBrk="1" hangingPunct="1">
+              <a:lnSpc>
+                <a:spcPts val="2448"/>
+              </a:lnSpc>
+              <a:defRPr/>
+            </a:pPr>
+            <a:endParaRPr lang="en-US" dirty="0"/>
+          </a:p>
+        </p:txBody>
+      </p:sp>
+      <p:sp>
+        <p:nvSpPr>
+          <p:cNvPr id="2" name="Rectangle 1"/>
+          <p:cNvSpPr/>
+          <p:nvPr/>
+        </p:nvSpPr>
+        <p:spPr bwMode="auto">
+          <a:xfrm>
+            <a:off x="0" y="0"/>
+            <a:ext cx="9363075" cy="5257800"/>
+          </a:xfrm>
+          <a:prstGeom prst="rect">
+            <a:avLst/>
+          </a:prstGeom>
+          <a:solidFill>
+            <a:srgbClr val="F37711"/>
+          </a:solidFill>
+          <a:ln w="25400" cap="flat" cmpd="sng" algn="ctr">
+            <a:noFill/>
+            <a:prstDash val="solid"/>
+            <a:round/>
+            <a:headEnd type="none" w="med" len="med"/>
+            <a:tailEnd type="none" w="med" len="med"/>
+          </a:ln>
+          <a:effectLst/>
+          <a:extLst/>
+        </p:spPr>
+        <p:txBody>
+          <a:bodyPr vert="horz" wrap="square" lIns="91440" tIns="45720" rIns="91440" bIns="45720" numCol="1" rtlCol="0" anchor="t" anchorCtr="0" compatLnSpc="1">
+            <a:prstTxWarp prst="textNoShape">
+              <a:avLst/>
+            </a:prstTxWarp>
+          </a:bodyPr>
+          <a:lstStyle/>
+          <a:p>
+            <a:pPr marL="0" marR="0" indent="0" algn="ctr" defTabSz="914400" rtl="0" eaLnBrk="1" fontAlgn="base" latinLnBrk="0" hangingPunct="1">
+              <a:lnSpc>
+                <a:spcPct val="100000"/>
+              </a:lnSpc>
+              <a:spcBef>
+                <a:spcPct val="0"/>
+              </a:spcBef>
+              <a:spcAft>
+                <a:spcPct val="0"/>
+              </a:spcAft>
+              <a:buClrTx/>
+              <a:buSzTx/>
+              <a:buFontTx/>
+              <a:buNone/>
+              <a:tabLst/>
+            </a:pPr>
+            <a:endParaRPr kumimoji="0" lang="en-US" sz="5800" b="0" i="0" u="none" strike="noStrike" cap="none" normalizeH="0" baseline="0" dirty="0">
+              <a:ln>
+                <a:noFill/>
+              </a:ln>
+              <a:solidFill>
+                <a:srgbClr val="000000"/>
+              </a:solidFill>
+              <a:effectLst/>
+              <a:latin typeface="Gill Sans" charset="0"/>
+              <a:ea typeface="ヒラギノ角ゴ ProN W3" charset="0"/>
+              <a:cs typeface="ヒラギノ角ゴ ProN W3" charset="0"/>
+              <a:sym typeface="Gill Sans" charset="0"/>
+            </a:endParaRPr>
+          </a:p>
+        </p:txBody>
+      </p:sp>
+      <p:sp>
+        <p:nvSpPr>
+          <p:cNvPr id="17" name="Content Placeholder 10"/>
+          <p:cNvSpPr>
+            <a:spLocks noGrp="1"/>
+          </p:cNvSpPr>
+          <p:nvPr>
+            <p:ph sz="quarter" idx="11"/>
+          </p:nvPr>
+        </p:nvSpPr>
+        <p:spPr>
+          <a:xfrm>
+            <a:off x="447674" y="495300"/>
+            <a:ext cx="7129463" cy="304800"/>
+          </a:xfrm>
+        </p:spPr>
+        <p:txBody>
+          <a:bodyPr/>
+          <a:lstStyle/>
+          <a:p>
+            <a:pPr eaLnBrk="1" hangingPunct="1">
+              <a:lnSpc>
+                <a:spcPts val="2448"/>
+              </a:lnSpc>
+              <a:defRPr/>
+            </a:pPr>
+            <a:r>
+              <a:rPr lang="en-US" dirty="0">
+                <a:solidFill>
+                  <a:schemeClr val="bg1"/>
+                </a:solidFill>
+                <a:latin typeface="PFDinTextCompPro-Bold" charset="0"/>
+                <a:ea typeface="ＭＳ Ｐゴシック" charset="0"/>
+                <a:cs typeface="PFDinTextCompPro-Bold" charset="0"/>
+                <a:sym typeface="PFDinTextCompPro-Bold" charset="0"/>
+              </a:rPr>
+              <a:t>Approach</a:t>
+            </a:r>
+            <a:endParaRPr lang="en-US" dirty="0">
+              <a:solidFill>
+                <a:schemeClr val="bg1"/>
+              </a:solidFill>
+            </a:endParaRPr>
+          </a:p>
+        </p:txBody>
+      </p:sp>
+      <p:cxnSp>
+        <p:nvCxnSpPr>
+          <p:cNvPr id="18" name="Straight Connector 17"/>
+          <p:cNvCxnSpPr/>
+          <p:nvPr/>
+        </p:nvCxnSpPr>
+        <p:spPr bwMode="auto">
+          <a:xfrm>
+            <a:off x="490537" y="876300"/>
+            <a:ext cx="8382000" cy="0"/>
+          </a:xfrm>
+          <a:prstGeom prst="line">
+            <a:avLst/>
+          </a:prstGeom>
+          <a:ln>
+            <a:solidFill>
+              <a:schemeClr val="bg1"/>
+            </a:solidFill>
+            <a:headEnd type="none" w="med" len="med"/>
+            <a:tailEnd type="none" w="med" len="med"/>
+          </a:ln>
+          <a:effectLst/>
+          <a:extLst/>
+        </p:spPr>
+        <p:style>
+          <a:lnRef idx="3">
+            <a:schemeClr val="accent6"/>
+          </a:lnRef>
+          <a:fillRef idx="0">
+            <a:schemeClr val="accent6"/>
+          </a:fillRef>
+          <a:effectRef idx="2">
+            <a:schemeClr val="accent6"/>
+          </a:effectRef>
+          <a:fontRef idx="minor">
+            <a:schemeClr val="tx1"/>
+          </a:fontRef>
+        </p:style>
+      </p:cxnSp>
+      <p:sp>
+        <p:nvSpPr>
+          <p:cNvPr id="15" name="Rectangle 14"/>
+          <p:cNvSpPr/>
+          <p:nvPr/>
+        </p:nvSpPr>
+        <p:spPr>
+          <a:xfrm>
+            <a:off x="6157132" y="2114431"/>
+            <a:ext cx="2840010" cy="1600438"/>
+          </a:xfrm>
+          <a:prstGeom prst="rect">
+            <a:avLst/>
+          </a:prstGeom>
+        </p:spPr>
+        <p:txBody>
+          <a:bodyPr wrap="square">
+            <a:spAutoFit/>
+          </a:bodyPr>
+          <a:lstStyle/>
+          <a:p>
+            <a:pPr algn="l"/>
+            <a:r>
+              <a:rPr lang="en-US" sz="1400" b="1" dirty="0">
+                <a:solidFill>
+                  <a:schemeClr val="bg1"/>
+                </a:solidFill>
+              </a:rPr>
+              <a:t>There is one value in attributes.csv file that is not in either train or test files.</a:t>
+            </a:r>
+          </a:p>
+          <a:p>
+            <a:pPr algn="l"/>
+            <a:endParaRPr lang="en-US" sz="1400" b="1" dirty="0">
+              <a:solidFill>
+                <a:schemeClr val="bg1"/>
+              </a:solidFill>
+            </a:endParaRPr>
+          </a:p>
+          <a:p>
+            <a:pPr algn="l"/>
+            <a:r>
+              <a:rPr lang="en-US" sz="1400" b="1" dirty="0">
+                <a:solidFill>
+                  <a:schemeClr val="bg1"/>
+                </a:solidFill>
+              </a:rPr>
+              <a:t>On further investigation there are 155 rows that do not have a </a:t>
+            </a:r>
+            <a:r>
+              <a:rPr lang="en-US" sz="1400" b="1" i="1" dirty="0" err="1">
+                <a:solidFill>
+                  <a:schemeClr val="bg1"/>
+                </a:solidFill>
+              </a:rPr>
+              <a:t>product_uid</a:t>
+            </a:r>
+            <a:r>
+              <a:rPr lang="en-US" sz="1400" b="1" i="1" dirty="0">
+                <a:solidFill>
+                  <a:schemeClr val="bg1"/>
+                </a:solidFill>
+              </a:rPr>
+              <a:t> </a:t>
+            </a:r>
+            <a:r>
+              <a:rPr lang="en-US" sz="1400" b="1" dirty="0">
+                <a:solidFill>
+                  <a:schemeClr val="bg1"/>
+                </a:solidFill>
+              </a:rPr>
+              <a:t>value</a:t>
+            </a:r>
+          </a:p>
+        </p:txBody>
+      </p:sp>
+      <p:pic>
+        <p:nvPicPr>
+          <p:cNvPr id="3" name="Picture 2"/>
+          <p:cNvPicPr>
+            <a:picLocks noChangeAspect="1"/>
+          </p:cNvPicPr>
+          <p:nvPr/>
+        </p:nvPicPr>
+        <p:blipFill>
+          <a:blip r:embed="rId3"/>
+          <a:stretch>
+            <a:fillRect/>
+          </a:stretch>
+        </p:blipFill>
+        <p:spPr>
+          <a:xfrm>
+            <a:off x="519112" y="1579343"/>
+            <a:ext cx="5267325" cy="2886075"/>
+          </a:xfrm>
+          <a:prstGeom prst="rect">
+            <a:avLst/>
+          </a:prstGeom>
+        </p:spPr>
+      </p:pic>
+    </p:spTree>
+    <p:extLst>
+      <p:ext uri="{BB962C8B-B14F-4D97-AF65-F5344CB8AC3E}">
+        <p14:creationId xmlns:p14="http://schemas.microsoft.com/office/powerpoint/2010/main" val="4154114093"/>
+      </p:ext>
+    </p:extLst>
+  </p:cSld>
+  <p:clrMapOvr>
+    <a:masterClrMapping/>
+  </p:clrMapOvr>
+  <p:transition/>
+</p:sld>
+</file>
+
+<file path=ppt/slides/slide8.xml><?xml version="1.0" encoding="utf-8"?>
+<p:sld xmlns:a="http://schemas.openxmlformats.org/drawingml/2006/main" xmlns:r="http://schemas.openxmlformats.org/officeDocument/2006/relationships" xmlns:p="http://schemas.openxmlformats.org/presentationml/2006/main">
+  <p:cSld>
+    <p:spTree>
+      <p:nvGrpSpPr>
+        <p:cNvPr id="1" name=""/>
+        <p:cNvGrpSpPr/>
+        <p:nvPr/>
+      </p:nvGrpSpPr>
+      <p:grpSpPr>
+        <a:xfrm>
+          <a:off x="0" y="0"/>
+          <a:ext cx="0" cy="0"/>
+          <a:chOff x="0" y="0"/>
+          <a:chExt cx="0" cy="0"/>
+        </a:xfrm>
+      </p:grpSpPr>
+      <p:sp>
+        <p:nvSpPr>
+          <p:cNvPr id="19457" name="Title 1"/>
+          <p:cNvSpPr>
+            <a:spLocks noGrp="1"/>
+          </p:cNvSpPr>
+          <p:nvPr>
+            <p:ph type="ctrTitle"/>
+          </p:nvPr>
+        </p:nvSpPr>
+        <p:spPr bwMode="auto">
+          <a:xfrm>
+            <a:off x="519112" y="1066800"/>
+            <a:ext cx="8429625" cy="3695700"/>
+          </a:xfrm>
+          <a:extLst>
+            <a:ext uri="{909E8E84-426E-40DD-AFC4-6F175D3DCCD1}">
+              <a14:hiddenFill xmlns:a14="http://schemas.microsoft.com/office/drawing/2010/main">
+                <a:solidFill>
+                  <a:srgbClr val="FFFFFF"/>
+                </a:solidFill>
+              </a14:hiddenFill>
+            </a:ext>
+            <a:ext uri="{91240B29-F687-4F45-9708-019B960494DF}">
+              <a14:hiddenLine xmlns:a14="http://schemas.microsoft.com/office/drawing/2010/main" w="9525">
+                <a:solidFill>
+                  <a:srgbClr val="000000"/>
+                </a:solidFill>
+                <a:miter lim="800000"/>
+                <a:headEnd/>
+                <a:tailEnd/>
+              </a14:hiddenLine>
+            </a:ext>
+            <a:ext uri="{FAA26D3D-D897-4be2-8F04-BA451C77F1D7}">
+              <ma14:placeholderFlag xmlns:ma14="http://schemas.microsoft.com/office/mac/drawingml/2011/main" xmlns="" val="1"/>
+            </a:ext>
+          </a:extLst>
+        </p:spPr>
+        <p:txBody>
+          <a:bodyPr wrap="square" numCol="1" anchor="t" anchorCtr="0" compatLnSpc="1">
+            <a:prstTxWarp prst="textNoShape">
+              <a:avLst/>
+            </a:prstTxWarp>
+          </a:bodyPr>
+          <a:lstStyle/>
+          <a:p>
+            <a:pPr>
+              <a:lnSpc>
+                <a:spcPts val="3600"/>
+              </a:lnSpc>
+              <a:defRPr/>
+            </a:pPr>
+            <a:br>
+              <a:rPr lang="en-US" sz="3000" dirty="0">
+                <a:latin typeface="PFDinTextCompPro-Bold" charset="0"/>
+                <a:ea typeface="ヒラギノ角ゴ ProN W6" charset="0"/>
+                <a:cs typeface="ヒラギノ角ゴ ProN W6" charset="0"/>
+              </a:rPr>
+            </a:br>
+            <a:r>
+              <a:rPr lang="en-US" sz="3000" dirty="0">
+                <a:latin typeface="PFDinTextCompPro-Bold" charset="0"/>
+                <a:ea typeface="ヒラギノ角ゴ ProN W6" charset="0"/>
+                <a:cs typeface="ヒラギノ角ゴ ProN W6" charset="0"/>
+              </a:rPr>
+              <a:t>0. Quick intro</a:t>
+            </a:r>
+            <a:br>
+              <a:rPr lang="en-US" sz="3000" dirty="0">
+                <a:latin typeface="PFDinTextCompPro-Bold" charset="0"/>
+                <a:ea typeface="ヒラギノ角ゴ ProN W6" charset="0"/>
+                <a:cs typeface="ヒラギノ角ゴ ProN W6" charset="0"/>
+              </a:rPr>
+            </a:br>
+            <a:r>
+              <a:rPr lang="en-US" sz="3000" dirty="0">
+                <a:latin typeface="PFDinTextCompPro-Bold" charset="0"/>
+                <a:ea typeface="ヒラギノ角ゴ ProN W6" charset="0"/>
+                <a:cs typeface="ヒラギノ角ゴ ProN W6" charset="0"/>
+              </a:rPr>
+              <a:t>I. my approach</a:t>
+            </a:r>
+            <a:br>
+              <a:rPr lang="en-US" sz="3000" dirty="0">
+                <a:latin typeface="PFDinTextCompPro-Bold" charset="0"/>
+                <a:ea typeface="ヒラギノ角ゴ ProN W6" charset="0"/>
+                <a:cs typeface="ヒラギノ角ゴ ProN W6" charset="0"/>
+              </a:rPr>
+            </a:br>
+            <a:r>
+              <a:rPr lang="en-US" sz="3000" dirty="0">
+                <a:latin typeface="PFDinTextCompPro-Bold" charset="0"/>
+                <a:ea typeface="ヒラギノ角ゴ ProN W6" charset="0"/>
+                <a:cs typeface="ヒラギノ角ゴ ProN W6" charset="0"/>
+              </a:rPr>
+              <a:t>II. My challenges</a:t>
+            </a:r>
+            <a:br>
+              <a:rPr lang="en-US" sz="3000" dirty="0">
+                <a:latin typeface="PFDinTextCompPro-Bold" charset="0"/>
+                <a:ea typeface="ヒラギノ角ゴ ProN W6" charset="0"/>
+                <a:cs typeface="ヒラギノ角ゴ ProN W6" charset="0"/>
+              </a:rPr>
+            </a:br>
+            <a:r>
+              <a:rPr lang="en-US" sz="3000" dirty="0">
+                <a:latin typeface="PFDinTextCompPro-Bold" charset="0"/>
+                <a:ea typeface="ヒラギノ角ゴ ProN W6" charset="0"/>
+                <a:cs typeface="ヒラギノ角ゴ ProN W6" charset="0"/>
+              </a:rPr>
+              <a:t>iii. Next steps</a:t>
+            </a:r>
+            <a:br>
+              <a:rPr lang="en-US" sz="3000" dirty="0">
+                <a:latin typeface="PFDinTextCompPro-Bold" charset="0"/>
+                <a:ea typeface="ヒラギノ角ゴ ProN W6" charset="0"/>
+                <a:cs typeface="ヒラギノ角ゴ ProN W6" charset="0"/>
+              </a:rPr>
+            </a:br>
+            <a:r>
+              <a:rPr lang="en-US" sz="3000" dirty="0">
+                <a:latin typeface="PFDinTextCompPro-Bold" charset="0"/>
+                <a:ea typeface="ヒラギノ角ゴ ProN W6" charset="0"/>
+                <a:cs typeface="ヒラギノ角ゴ ProN W6" charset="0"/>
+              </a:rPr>
+              <a:t>III. Q&amp;A</a:t>
+            </a:r>
+            <a:endParaRPr lang="en-US" sz="3000" cap="none" dirty="0">
+              <a:latin typeface="PFDinTextCompPro-Bold" charset="0"/>
+              <a:ea typeface="ヒラギノ角ゴ ProN W6" charset="0"/>
+              <a:cs typeface="ヒラギノ角ゴ ProN W6" charset="0"/>
+            </a:endParaRPr>
+          </a:p>
+        </p:txBody>
+      </p:sp>
+      <p:sp>
+        <p:nvSpPr>
+          <p:cNvPr id="11" name="Content Placeholder 10"/>
+          <p:cNvSpPr>
+            <a:spLocks noGrp="1"/>
+          </p:cNvSpPr>
+          <p:nvPr>
+            <p:ph sz="quarter" idx="11"/>
+          </p:nvPr>
+        </p:nvSpPr>
+        <p:spPr>
+          <a:xfrm>
+            <a:off x="371475" y="495300"/>
+            <a:ext cx="7129463" cy="304800"/>
+          </a:xfrm>
+        </p:spPr>
+        <p:txBody>
+          <a:bodyPr/>
+          <a:lstStyle/>
+          <a:p>
+            <a:pPr eaLnBrk="1" hangingPunct="1">
+              <a:lnSpc>
+                <a:spcPts val="2448"/>
+              </a:lnSpc>
+              <a:defRPr/>
+            </a:pPr>
+            <a:r>
+              <a:rPr lang="en-US" dirty="0">
+                <a:latin typeface="PFDinTextCompPro-Bold" charset="0"/>
+                <a:ea typeface="ＭＳ Ｐゴシック" charset="0"/>
+                <a:cs typeface="PFDinTextCompPro-Bold" charset="0"/>
+                <a:sym typeface="PFDinTextCompPro-Bold" charset="0"/>
+              </a:rPr>
+              <a:t>agenda</a:t>
+            </a:r>
+          </a:p>
+          <a:p>
+            <a:pPr eaLnBrk="1" hangingPunct="1">
+              <a:lnSpc>
+                <a:spcPts val="2448"/>
+              </a:lnSpc>
+              <a:defRPr/>
+            </a:pPr>
+            <a:endParaRPr lang="en-US" dirty="0"/>
+          </a:p>
+        </p:txBody>
+      </p:sp>
+      <p:sp>
+        <p:nvSpPr>
+          <p:cNvPr id="2" name="Rectangle 1"/>
+          <p:cNvSpPr/>
+          <p:nvPr/>
+        </p:nvSpPr>
+        <p:spPr bwMode="auto">
+          <a:xfrm>
+            <a:off x="0" y="0"/>
+            <a:ext cx="9363075" cy="5257800"/>
+          </a:xfrm>
+          <a:prstGeom prst="rect">
+            <a:avLst/>
+          </a:prstGeom>
+          <a:solidFill>
+            <a:srgbClr val="F37711"/>
+          </a:solidFill>
+          <a:ln w="25400" cap="flat" cmpd="sng" algn="ctr">
+            <a:noFill/>
+            <a:prstDash val="solid"/>
+            <a:round/>
+            <a:headEnd type="none" w="med" len="med"/>
+            <a:tailEnd type="none" w="med" len="med"/>
+          </a:ln>
+          <a:effectLst/>
+          <a:extLst/>
+        </p:spPr>
+        <p:txBody>
+          <a:bodyPr vert="horz" wrap="square" lIns="91440" tIns="45720" rIns="91440" bIns="45720" numCol="1" rtlCol="0" anchor="t" anchorCtr="0" compatLnSpc="1">
+            <a:prstTxWarp prst="textNoShape">
+              <a:avLst/>
+            </a:prstTxWarp>
+          </a:bodyPr>
+          <a:lstStyle/>
+          <a:p>
+            <a:pPr marL="0" marR="0" indent="0" algn="ctr" defTabSz="914400" rtl="0" eaLnBrk="1" fontAlgn="base" latinLnBrk="0" hangingPunct="1">
+              <a:lnSpc>
+                <a:spcPct val="100000"/>
+              </a:lnSpc>
+              <a:spcBef>
+                <a:spcPct val="0"/>
+              </a:spcBef>
+              <a:spcAft>
+                <a:spcPct val="0"/>
+              </a:spcAft>
+              <a:buClrTx/>
+              <a:buSzTx/>
+              <a:buFontTx/>
+              <a:buNone/>
+              <a:tabLst/>
+            </a:pPr>
+            <a:endParaRPr kumimoji="0" lang="en-US" sz="5800" b="0" i="0" u="none" strike="noStrike" cap="none" normalizeH="0" baseline="0" dirty="0">
+              <a:ln>
+                <a:noFill/>
+              </a:ln>
+              <a:solidFill>
+                <a:srgbClr val="000000"/>
+              </a:solidFill>
+              <a:effectLst/>
+              <a:latin typeface="Gill Sans" charset="0"/>
+              <a:ea typeface="ヒラギノ角ゴ ProN W3" charset="0"/>
+              <a:cs typeface="ヒラギノ角ゴ ProN W3" charset="0"/>
+              <a:sym typeface="Gill Sans" charset="0"/>
+            </a:endParaRPr>
+          </a:p>
+        </p:txBody>
+      </p:sp>
+      <p:sp>
+        <p:nvSpPr>
+          <p:cNvPr id="17" name="Content Placeholder 10"/>
+          <p:cNvSpPr>
+            <a:spLocks noGrp="1"/>
+          </p:cNvSpPr>
+          <p:nvPr>
+            <p:ph sz="quarter" idx="11"/>
+          </p:nvPr>
+        </p:nvSpPr>
+        <p:spPr>
+          <a:xfrm>
+            <a:off x="447674" y="495300"/>
+            <a:ext cx="7129463" cy="304800"/>
+          </a:xfrm>
+        </p:spPr>
+        <p:txBody>
+          <a:bodyPr/>
+          <a:lstStyle/>
+          <a:p>
+            <a:pPr eaLnBrk="1" hangingPunct="1">
+              <a:lnSpc>
+                <a:spcPts val="2448"/>
+              </a:lnSpc>
+              <a:defRPr/>
+            </a:pPr>
+            <a:r>
+              <a:rPr lang="en-US" dirty="0">
+                <a:solidFill>
+                  <a:schemeClr val="bg1"/>
+                </a:solidFill>
+                <a:latin typeface="PFDinTextCompPro-Bold" charset="0"/>
+                <a:ea typeface="ＭＳ Ｐゴシック" charset="0"/>
+                <a:cs typeface="PFDinTextCompPro-Bold" charset="0"/>
+                <a:sym typeface="PFDinTextCompPro-Bold" charset="0"/>
+              </a:rPr>
+              <a:t>Approach (</a:t>
+            </a:r>
+            <a:r>
+              <a:rPr lang="en-US" dirty="0" err="1">
+                <a:solidFill>
+                  <a:schemeClr val="bg1"/>
+                </a:solidFill>
+                <a:latin typeface="PFDinTextCompPro-Bold" charset="0"/>
+                <a:ea typeface="ＭＳ Ｐゴシック" charset="0"/>
+                <a:cs typeface="PFDinTextCompPro-Bold" charset="0"/>
+                <a:sym typeface="PFDinTextCompPro-Bold" charset="0"/>
+              </a:rPr>
+              <a:t>cont</a:t>
+            </a:r>
+            <a:r>
+              <a:rPr lang="en-US" dirty="0">
+                <a:solidFill>
+                  <a:schemeClr val="bg1"/>
+                </a:solidFill>
+                <a:latin typeface="PFDinTextCompPro-Bold" charset="0"/>
+                <a:ea typeface="ＭＳ Ｐゴシック" charset="0"/>
+                <a:cs typeface="PFDinTextCompPro-Bold" charset="0"/>
+                <a:sym typeface="PFDinTextCompPro-Bold" charset="0"/>
+              </a:rPr>
+              <a:t>)</a:t>
+            </a:r>
             <a:endParaRPr lang="en-US" dirty="0">
               <a:solidFill>
                 <a:schemeClr val="bg1"/>
@@ -9874,8 +13543,8 @@
         </p:blipFill>
         <p:spPr>
           <a:xfrm>
-            <a:off x="190499" y="1090612"/>
-            <a:ext cx="8972550" cy="1552575"/>
+            <a:off x="519112" y="2501367"/>
+            <a:ext cx="3629025" cy="2451632"/>
           </a:xfrm>
           <a:prstGeom prst="rect">
             <a:avLst/>
@@ -9898,18 +13567,100 @@
         </p:blipFill>
         <p:spPr>
           <a:xfrm>
-            <a:off x="190498" y="2750343"/>
-            <a:ext cx="8972551" cy="2400300"/>
+            <a:off x="5239691" y="1181100"/>
+            <a:ext cx="3638550" cy="2390775"/>
           </a:xfrm>
           <a:prstGeom prst="rect">
             <a:avLst/>
           </a:prstGeom>
         </p:spPr>
       </p:pic>
+      <p:sp>
+        <p:nvSpPr>
+          <p:cNvPr id="12" name="Rectangle 11"/>
+          <p:cNvSpPr/>
+          <p:nvPr/>
+        </p:nvSpPr>
+        <p:spPr>
+          <a:xfrm>
+            <a:off x="1433961" y="2006067"/>
+            <a:ext cx="1799326" cy="307777"/>
+          </a:xfrm>
+          <a:prstGeom prst="rect">
+            <a:avLst/>
+          </a:prstGeom>
+        </p:spPr>
+        <p:txBody>
+          <a:bodyPr wrap="square">
+            <a:spAutoFit/>
+          </a:bodyPr>
+          <a:lstStyle/>
+          <a:p>
+            <a:pPr algn="l"/>
+            <a:r>
+              <a:rPr lang="en-US" sz="1400" b="1" dirty="0">
+                <a:solidFill>
+                  <a:schemeClr val="bg1"/>
+                </a:solidFill>
+              </a:rPr>
+              <a:t>Relevance Counts</a:t>
+            </a:r>
+          </a:p>
+        </p:txBody>
+      </p:sp>
+      <p:sp>
+        <p:nvSpPr>
+          <p:cNvPr id="13" name="Rectangle 12"/>
+          <p:cNvSpPr/>
+          <p:nvPr/>
+        </p:nvSpPr>
+        <p:spPr>
+          <a:xfrm>
+            <a:off x="5748337" y="3762374"/>
+            <a:ext cx="2840010" cy="307777"/>
+          </a:xfrm>
+          <a:prstGeom prst="rect">
+            <a:avLst/>
+          </a:prstGeom>
+        </p:spPr>
+        <p:txBody>
+          <a:bodyPr wrap="square">
+            <a:spAutoFit/>
+          </a:bodyPr>
+          <a:lstStyle/>
+          <a:p>
+            <a:pPr algn="l"/>
+            <a:r>
+              <a:rPr lang="en-US" sz="1400" b="1" dirty="0">
+                <a:solidFill>
+                  <a:schemeClr val="bg1"/>
+                </a:solidFill>
+              </a:rPr>
+              <a:t>Search Terms </a:t>
+            </a:r>
+            <a:r>
+              <a:rPr lang="en-US" sz="1400" b="1" dirty="0" err="1">
+                <a:solidFill>
+                  <a:schemeClr val="bg1"/>
+                </a:solidFill>
+              </a:rPr>
+              <a:t>Dist</a:t>
+            </a:r>
+            <a:r>
+              <a:rPr lang="en-US" sz="1400" b="1" dirty="0">
+                <a:solidFill>
+                  <a:schemeClr val="bg1"/>
+                </a:solidFill>
+              </a:rPr>
+              <a:t> (binned)</a:t>
+            </a:r>
+          </a:p>
+        </p:txBody>
+      </p:sp>
     </p:spTree>
     <p:extLst>
       <p:ext uri="{BB962C8B-B14F-4D97-AF65-F5344CB8AC3E}">
-        <p14:creationId xmlns:p14="http://schemas.microsoft.com/office/powerpoint/2010/main" val="3903250220"/>
+        <p14:creationId xmlns:p14="http://schemas.microsoft.com/office/powerpoint/2010/main" val="124172964"/>
       </p:ext>
     </p:extLst>
   </p:cSld>
@@ -9920,7 +13671,7 @@
 </p:sld>
 </file>
 
-<file path=ppt/slides/slide7.xml><?xml version="1.0" encoding="utf-8"?>
+<file path=ppt/slides/slide9.xml><?xml version="1.0" encoding="utf-8"?>
 <p:sld xmlns:a="http://schemas.openxmlformats.org/drawingml/2006/main" xmlns:r="http://schemas.openxmlformats.org/officeDocument/2006/relationships" xmlns:p="http://schemas.openxmlformats.org/presentationml/2006/main">
   <p:cSld>
     <p:spTree>
@@ -9971,7 +13722,7 @@
               </a14:hiddenLine>
             </a:ext>
             <a:ext uri="{FAA26D3D-D897-4be2-8F04-BA451C77F1D7}">
-              <ma14:placeholderFlag xmlns="" xmlns:ma14="http://schemas.microsoft.com/office/mac/drawingml/2011/main" val="1"/>
+              <ma14:placeholderFlag xmlns:ma14="http://schemas.microsoft.com/office/mac/drawingml/2011/main" xmlns="" val="1"/>
             </a:ext>
           </a:extLst>
         </p:spPr>
@@ -10222,8 +13973,16 @@
                 <a:cs typeface="PFDinTextCompPro-Bold" charset="0"/>
                 <a:sym typeface="PFDinTextCompPro-Bold" charset="0"/>
               </a:rPr>
-              <a:t>CHALLENGEs</a:t>
-            </a:r>
+              <a:t>approach (CONT)</a:t>
+            </a:r>
+          </a:p>
+          <a:p>
+            <a:pPr eaLnBrk="1" hangingPunct="1">
+              <a:lnSpc>
+                <a:spcPts val="2448"/>
+              </a:lnSpc>
+              <a:defRPr/>
+            </a:pPr>
             <a:endParaRPr lang="en-US" dirty="0">
               <a:solidFill>
                 <a:schemeClr val="bg1"/>
@@ -10279,8 +14038,8 @@
         </p:nvSpPr>
         <p:spPr>
           <a:xfrm>
-            <a:off x="469927" y="1104900"/>
-            <a:ext cx="8402610" cy="1815882"/>
+            <a:off x="456727" y="1208185"/>
+            <a:ext cx="2840010" cy="307777"/>
           </a:xfrm>
           <a:prstGeom prst="rect">
             <a:avLst/>
@@ -10293,918 +14052,45 @@
           <a:lstStyle/>
           <a:p>
             <a:pPr algn="l"/>
-            <a:endParaRPr lang="en-US" sz="1400" b="1" u="sng" dirty="0">
-              <a:solidFill>
-                <a:schemeClr val="bg1"/>
-              </a:solidFill>
-            </a:endParaRPr>
-          </a:p>
-          <a:p>
-            <a:pPr marL="342900" indent="-342900" algn="l">
-              <a:buFont typeface="+mj-lt"/>
-              <a:buAutoNum type="arabicPeriod"/>
-            </a:pPr>
             <a:r>
               <a:rPr lang="en-US" sz="1400" b="1" dirty="0">
                 <a:solidFill>
                   <a:schemeClr val="bg1"/>
                 </a:solidFill>
               </a:rPr>
-              <a:t>Not trying to predict the true relevancy of the product as a response to a search query</a:t>
-            </a:r>
-          </a:p>
-          <a:p>
-            <a:pPr marL="342900" indent="-342900" algn="l">
-              <a:buAutoNum type="arabicPeriod"/>
-            </a:pPr>
-            <a:endParaRPr lang="en-US" sz="1400" b="1" dirty="0">
-              <a:solidFill>
-                <a:schemeClr val="bg1"/>
-              </a:solidFill>
-            </a:endParaRPr>
-          </a:p>
-          <a:p>
-            <a:pPr marL="342900" indent="-342900" algn="l">
-              <a:buAutoNum type="arabicPeriod"/>
-            </a:pPr>
-            <a:r>
-              <a:rPr lang="en-US" sz="1400" b="1" dirty="0">
-                <a:solidFill>
-                  <a:schemeClr val="bg1"/>
-                </a:solidFill>
-              </a:rPr>
-              <a:t>Instead, build program to mimic human raters, assuming they are the most efficient method of assessing relevancy</a:t>
-            </a:r>
-          </a:p>
-          <a:p>
-            <a:pPr marL="342900" indent="-342900" algn="l">
-              <a:buAutoNum type="arabicPeriod"/>
-            </a:pPr>
-            <a:endParaRPr lang="en-US" sz="1400" b="1" dirty="0">
-              <a:solidFill>
-                <a:schemeClr val="bg1"/>
-              </a:solidFill>
-            </a:endParaRPr>
-          </a:p>
-          <a:p>
-            <a:pPr marL="342900" indent="-342900" algn="l">
-              <a:buAutoNum type="arabicPeriod"/>
-            </a:pPr>
-            <a:r>
-              <a:rPr lang="en-US" sz="1400" b="1" dirty="0">
-                <a:solidFill>
-                  <a:schemeClr val="bg1"/>
-                </a:solidFill>
-              </a:rPr>
-              <a:t>Have to teach the models/machines to act like humans? Need to “create a search system auditor that can help measure the efficacy of changes in algorithms preferably in real time”</a:t>
-            </a:r>
-          </a:p>
-        </p:txBody>
-      </p:sp>
+              <a:t>Playing around, yay or nah?</a:t>
+            </a:r>
+          </a:p>
+        </p:txBody>
+      </p:sp>
+      <p:pic>
+        <p:nvPicPr>
+          <p:cNvPr id="3" name="Picture 2"/>
+          <p:cNvPicPr>
+            <a:picLocks noChangeAspect="1"/>
+          </p:cNvPicPr>
+          <p:nvPr/>
+        </p:nvPicPr>
+        <p:blipFill>
+          <a:blip r:embed="rId3"/>
+          <a:stretch>
+            <a:fillRect/>
+          </a:stretch>
+        </p:blipFill>
+        <p:spPr>
+          <a:xfrm>
+            <a:off x="519112" y="1857374"/>
+            <a:ext cx="7486650" cy="3095625"/>
+          </a:xfrm>
+          <a:prstGeom prst="rect">
+            <a:avLst/>
+          </a:prstGeom>
+        </p:spPr>
+      </p:pic>
     </p:spTree>
     <p:extLst>
       <p:ext uri="{BB962C8B-B14F-4D97-AF65-F5344CB8AC3E}">
-        <p14:creationId xmlns:p14="http://schemas.microsoft.com/office/powerpoint/2010/main" val="4214450682"/>
-      </p:ext>
-    </p:extLst>
-  </p:cSld>
-  <p:clrMapOvr>
-    <a:masterClrMapping/>
-  </p:clrMapOvr>
-  <p:transition/>
-</p:sld>
-</file>
-
-<file path=ppt/slides/slide8.xml><?xml version="1.0" encoding="utf-8"?>
-<p:sld xmlns:a="http://schemas.openxmlformats.org/drawingml/2006/main" xmlns:r="http://schemas.openxmlformats.org/officeDocument/2006/relationships" xmlns:p="http://schemas.openxmlformats.org/presentationml/2006/main">
-  <p:cSld>
-    <p:spTree>
-      <p:nvGrpSpPr>
-        <p:cNvPr id="1" name=""/>
-        <p:cNvGrpSpPr/>
-        <p:nvPr/>
-      </p:nvGrpSpPr>
-      <p:grpSpPr>
-        <a:xfrm>
-          <a:off x="0" y="0"/>
-          <a:ext cx="0" cy="0"/>
-          <a:chOff x="0" y="0"/>
-          <a:chExt cx="0" cy="0"/>
-        </a:xfrm>
-      </p:grpSpPr>
-      <p:sp>
-        <p:nvSpPr>
-          <p:cNvPr id="19457" name="Title 1"/>
-          <p:cNvSpPr>
-            <a:spLocks noGrp="1"/>
-          </p:cNvSpPr>
-          <p:nvPr>
-            <p:ph type="ctrTitle"/>
-          </p:nvPr>
-        </p:nvSpPr>
-        <p:spPr bwMode="auto">
-          <a:xfrm>
-            <a:off x="519112" y="1066800"/>
-            <a:ext cx="8429625" cy="3695700"/>
-          </a:xfrm>
-          <a:extLst>
-            <a:ext uri="{909E8E84-426E-40DD-AFC4-6F175D3DCCD1}">
-              <a14:hiddenFill xmlns:a14="http://schemas.microsoft.com/office/drawing/2010/main">
-                <a:solidFill>
-                  <a:srgbClr val="FFFFFF"/>
-                </a:solidFill>
-              </a14:hiddenFill>
-            </a:ext>
-            <a:ext uri="{91240B29-F687-4F45-9708-019B960494DF}">
-              <a14:hiddenLine xmlns:a14="http://schemas.microsoft.com/office/drawing/2010/main" w="9525">
-                <a:solidFill>
-                  <a:srgbClr val="000000"/>
-                </a:solidFill>
-                <a:miter lim="800000"/>
-                <a:headEnd/>
-                <a:tailEnd/>
-              </a14:hiddenLine>
-            </a:ext>
-            <a:ext uri="{FAA26D3D-D897-4be2-8F04-BA451C77F1D7}">
-              <ma14:placeholderFlag xmlns="" xmlns:ma14="http://schemas.microsoft.com/office/mac/drawingml/2011/main" val="1"/>
-            </a:ext>
-          </a:extLst>
-        </p:spPr>
-        <p:txBody>
-          <a:bodyPr wrap="square" numCol="1" anchor="t" anchorCtr="0" compatLnSpc="1">
-            <a:prstTxWarp prst="textNoShape">
-              <a:avLst/>
-            </a:prstTxWarp>
-          </a:bodyPr>
-          <a:lstStyle/>
-          <a:p>
-            <a:pPr>
-              <a:lnSpc>
-                <a:spcPts val="3600"/>
-              </a:lnSpc>
-              <a:defRPr/>
-            </a:pPr>
-            <a:br>
-              <a:rPr lang="en-US" sz="3000" dirty="0">
-                <a:latin typeface="PFDinTextCompPro-Bold" charset="0"/>
-                <a:ea typeface="ヒラギノ角ゴ ProN W6" charset="0"/>
-                <a:cs typeface="ヒラギノ角ゴ ProN W6" charset="0"/>
-              </a:rPr>
-            </a:br>
-            <a:r>
-              <a:rPr lang="en-US" sz="3000" dirty="0">
-                <a:latin typeface="PFDinTextCompPro-Bold" charset="0"/>
-                <a:ea typeface="ヒラギノ角ゴ ProN W6" charset="0"/>
-                <a:cs typeface="ヒラギノ角ゴ ProN W6" charset="0"/>
-              </a:rPr>
-              <a:t>0. Quick intro</a:t>
-            </a:r>
-            <a:br>
-              <a:rPr lang="en-US" sz="3000" dirty="0">
-                <a:latin typeface="PFDinTextCompPro-Bold" charset="0"/>
-                <a:ea typeface="ヒラギノ角ゴ ProN W6" charset="0"/>
-                <a:cs typeface="ヒラギノ角ゴ ProN W6" charset="0"/>
-              </a:rPr>
-            </a:br>
-            <a:r>
-              <a:rPr lang="en-US" sz="3000" dirty="0">
-                <a:latin typeface="PFDinTextCompPro-Bold" charset="0"/>
-                <a:ea typeface="ヒラギノ角ゴ ProN W6" charset="0"/>
-                <a:cs typeface="ヒラギノ角ゴ ProN W6" charset="0"/>
-              </a:rPr>
-              <a:t>I. my approach</a:t>
-            </a:r>
-            <a:br>
-              <a:rPr lang="en-US" sz="3000" dirty="0">
-                <a:latin typeface="PFDinTextCompPro-Bold" charset="0"/>
-                <a:ea typeface="ヒラギノ角ゴ ProN W6" charset="0"/>
-                <a:cs typeface="ヒラギノ角ゴ ProN W6" charset="0"/>
-              </a:rPr>
-            </a:br>
-            <a:r>
-              <a:rPr lang="en-US" sz="3000" dirty="0">
-                <a:latin typeface="PFDinTextCompPro-Bold" charset="0"/>
-                <a:ea typeface="ヒラギノ角ゴ ProN W6" charset="0"/>
-                <a:cs typeface="ヒラギノ角ゴ ProN W6" charset="0"/>
-              </a:rPr>
-              <a:t>II. My challenges</a:t>
-            </a:r>
-            <a:br>
-              <a:rPr lang="en-US" sz="3000" dirty="0">
-                <a:latin typeface="PFDinTextCompPro-Bold" charset="0"/>
-                <a:ea typeface="ヒラギノ角ゴ ProN W6" charset="0"/>
-                <a:cs typeface="ヒラギノ角ゴ ProN W6" charset="0"/>
-              </a:rPr>
-            </a:br>
-            <a:r>
-              <a:rPr lang="en-US" sz="3000" dirty="0">
-                <a:latin typeface="PFDinTextCompPro-Bold" charset="0"/>
-                <a:ea typeface="ヒラギノ角ゴ ProN W6" charset="0"/>
-                <a:cs typeface="ヒラギノ角ゴ ProN W6" charset="0"/>
-              </a:rPr>
-              <a:t>iii. Next steps</a:t>
-            </a:r>
-            <a:br>
-              <a:rPr lang="en-US" sz="3000" dirty="0">
-                <a:latin typeface="PFDinTextCompPro-Bold" charset="0"/>
-                <a:ea typeface="ヒラギノ角ゴ ProN W6" charset="0"/>
-                <a:cs typeface="ヒラギノ角ゴ ProN W6" charset="0"/>
-              </a:rPr>
-            </a:br>
-            <a:r>
-              <a:rPr lang="en-US" sz="3000" dirty="0">
-                <a:latin typeface="PFDinTextCompPro-Bold" charset="0"/>
-                <a:ea typeface="ヒラギノ角ゴ ProN W6" charset="0"/>
-                <a:cs typeface="ヒラギノ角ゴ ProN W6" charset="0"/>
-              </a:rPr>
-              <a:t>III. Q&amp;A</a:t>
-            </a:r>
-            <a:endParaRPr lang="en-US" sz="3000" cap="none" dirty="0">
-              <a:latin typeface="PFDinTextCompPro-Bold" charset="0"/>
-              <a:ea typeface="ヒラギノ角ゴ ProN W6" charset="0"/>
-              <a:cs typeface="ヒラギノ角ゴ ProN W6" charset="0"/>
-            </a:endParaRPr>
-          </a:p>
-        </p:txBody>
-      </p:sp>
-      <p:sp>
-        <p:nvSpPr>
-          <p:cNvPr id="11" name="Content Placeholder 10"/>
-          <p:cNvSpPr>
-            <a:spLocks noGrp="1"/>
-          </p:cNvSpPr>
-          <p:nvPr>
-            <p:ph sz="quarter" idx="11"/>
-          </p:nvPr>
-        </p:nvSpPr>
-        <p:spPr>
-          <a:xfrm>
-            <a:off x="371475" y="495300"/>
-            <a:ext cx="7129463" cy="304800"/>
-          </a:xfrm>
-        </p:spPr>
-        <p:txBody>
-          <a:bodyPr/>
-          <a:lstStyle/>
-          <a:p>
-            <a:pPr eaLnBrk="1" hangingPunct="1">
-              <a:lnSpc>
-                <a:spcPts val="2448"/>
-              </a:lnSpc>
-              <a:defRPr/>
-            </a:pPr>
-            <a:r>
-              <a:rPr lang="en-US" dirty="0">
-                <a:latin typeface="PFDinTextCompPro-Bold" charset="0"/>
-                <a:ea typeface="ＭＳ Ｐゴシック" charset="0"/>
-                <a:cs typeface="PFDinTextCompPro-Bold" charset="0"/>
-                <a:sym typeface="PFDinTextCompPro-Bold" charset="0"/>
-              </a:rPr>
-              <a:t>agenda</a:t>
-            </a:r>
-          </a:p>
-          <a:p>
-            <a:pPr eaLnBrk="1" hangingPunct="1">
-              <a:lnSpc>
-                <a:spcPts val="2448"/>
-              </a:lnSpc>
-              <a:defRPr/>
-            </a:pPr>
-            <a:endParaRPr lang="en-US" dirty="0"/>
-          </a:p>
-        </p:txBody>
-      </p:sp>
-      <p:sp>
-        <p:nvSpPr>
-          <p:cNvPr id="2" name="Rectangle 1"/>
-          <p:cNvSpPr/>
-          <p:nvPr/>
-        </p:nvSpPr>
-        <p:spPr bwMode="auto">
-          <a:xfrm>
-            <a:off x="0" y="0"/>
-            <a:ext cx="9363075" cy="5257800"/>
-          </a:xfrm>
-          <a:prstGeom prst="rect">
-            <a:avLst/>
-          </a:prstGeom>
-          <a:solidFill>
-            <a:srgbClr val="F37711"/>
-          </a:solidFill>
-          <a:ln w="25400" cap="flat" cmpd="sng" algn="ctr">
-            <a:noFill/>
-            <a:prstDash val="solid"/>
-            <a:round/>
-            <a:headEnd type="none" w="med" len="med"/>
-            <a:tailEnd type="none" w="med" len="med"/>
-          </a:ln>
-          <a:effectLst/>
-          <a:extLst/>
-        </p:spPr>
-        <p:txBody>
-          <a:bodyPr vert="horz" wrap="square" lIns="91440" tIns="45720" rIns="91440" bIns="45720" numCol="1" rtlCol="0" anchor="t" anchorCtr="0" compatLnSpc="1">
-            <a:prstTxWarp prst="textNoShape">
-              <a:avLst/>
-            </a:prstTxWarp>
-          </a:bodyPr>
-          <a:lstStyle/>
-          <a:p>
-            <a:pPr marL="0" marR="0" indent="0" algn="ctr" defTabSz="914400" rtl="0" eaLnBrk="1" fontAlgn="base" latinLnBrk="0" hangingPunct="1">
-              <a:lnSpc>
-                <a:spcPct val="100000"/>
-              </a:lnSpc>
-              <a:spcBef>
-                <a:spcPct val="0"/>
-              </a:spcBef>
-              <a:spcAft>
-                <a:spcPct val="0"/>
-              </a:spcAft>
-              <a:buClrTx/>
-              <a:buSzTx/>
-              <a:buFontTx/>
-              <a:buNone/>
-              <a:tabLst/>
-            </a:pPr>
-            <a:endParaRPr kumimoji="0" lang="en-US" sz="5800" b="0" i="0" u="none" strike="noStrike" cap="none" normalizeH="0" baseline="0" dirty="0">
-              <a:ln>
-                <a:noFill/>
-              </a:ln>
-              <a:solidFill>
-                <a:srgbClr val="000000"/>
-              </a:solidFill>
-              <a:effectLst/>
-              <a:latin typeface="Gill Sans" charset="0"/>
-              <a:ea typeface="ヒラギノ角ゴ ProN W3" charset="0"/>
-              <a:cs typeface="ヒラギノ角ゴ ProN W3" charset="0"/>
-              <a:sym typeface="Gill Sans" charset="0"/>
-            </a:endParaRPr>
-          </a:p>
-        </p:txBody>
-      </p:sp>
-      <p:sp>
-        <p:nvSpPr>
-          <p:cNvPr id="17" name="Content Placeholder 10"/>
-          <p:cNvSpPr>
-            <a:spLocks noGrp="1"/>
-          </p:cNvSpPr>
-          <p:nvPr>
-            <p:ph sz="quarter" idx="11"/>
-          </p:nvPr>
-        </p:nvSpPr>
-        <p:spPr>
-          <a:xfrm>
-            <a:off x="447674" y="495300"/>
-            <a:ext cx="7129463" cy="304800"/>
-          </a:xfrm>
-        </p:spPr>
-        <p:txBody>
-          <a:bodyPr/>
-          <a:lstStyle/>
-          <a:p>
-            <a:pPr eaLnBrk="1" hangingPunct="1">
-              <a:lnSpc>
-                <a:spcPts val="2448"/>
-              </a:lnSpc>
-              <a:defRPr/>
-            </a:pPr>
-            <a:r>
-              <a:rPr lang="en-US" dirty="0">
-                <a:solidFill>
-                  <a:schemeClr val="bg1"/>
-                </a:solidFill>
-                <a:latin typeface="PFDinTextCompPro-Bold" charset="0"/>
-                <a:ea typeface="ＭＳ Ｐゴシック" charset="0"/>
-                <a:cs typeface="PFDinTextCompPro-Bold" charset="0"/>
-                <a:sym typeface="PFDinTextCompPro-Bold" charset="0"/>
-              </a:rPr>
-              <a:t>Next steps</a:t>
-            </a:r>
-          </a:p>
-          <a:p>
-            <a:pPr eaLnBrk="1" hangingPunct="1">
-              <a:lnSpc>
-                <a:spcPts val="2448"/>
-              </a:lnSpc>
-              <a:defRPr/>
-            </a:pPr>
-            <a:endParaRPr lang="en-US" dirty="0">
-              <a:solidFill>
-                <a:schemeClr val="bg1"/>
-              </a:solidFill>
-            </a:endParaRPr>
-          </a:p>
-        </p:txBody>
-      </p:sp>
-      <p:cxnSp>
-        <p:nvCxnSpPr>
-          <p:cNvPr id="18" name="Straight Connector 17"/>
-          <p:cNvCxnSpPr/>
-          <p:nvPr/>
-        </p:nvCxnSpPr>
-        <p:spPr bwMode="auto">
-          <a:xfrm>
-            <a:off x="490537" y="876300"/>
-            <a:ext cx="8382000" cy="0"/>
-          </a:xfrm>
-          <a:prstGeom prst="line">
-            <a:avLst/>
-          </a:prstGeom>
-          <a:ln>
-            <a:solidFill>
-              <a:schemeClr val="bg1"/>
-            </a:solidFill>
-            <a:headEnd type="none" w="med" len="med"/>
-            <a:tailEnd type="none" w="med" len="med"/>
-          </a:ln>
-          <a:effectLst/>
-          <a:extLst/>
-        </p:spPr>
-        <p:style>
-          <a:lnRef idx="3">
-            <a:schemeClr val="accent6"/>
-          </a:lnRef>
-          <a:fillRef idx="0">
-            <a:schemeClr val="accent6"/>
-          </a:fillRef>
-          <a:effectRef idx="2">
-            <a:schemeClr val="accent6"/>
-          </a:effectRef>
-          <a:fontRef idx="minor">
-            <a:schemeClr val="tx1"/>
-          </a:fontRef>
-        </p:style>
-      </p:cxnSp>
-      <p:sp>
-        <p:nvSpPr>
-          <p:cNvPr id="15" name="Rectangle 14"/>
-          <p:cNvSpPr/>
-          <p:nvPr/>
-        </p:nvSpPr>
-        <p:spPr>
-          <a:xfrm>
-            <a:off x="469927" y="1104900"/>
-            <a:ext cx="8402610" cy="1384995"/>
-          </a:xfrm>
-          <a:prstGeom prst="rect">
-            <a:avLst/>
-          </a:prstGeom>
-        </p:spPr>
-        <p:txBody>
-          <a:bodyPr wrap="square">
-            <a:spAutoFit/>
-          </a:bodyPr>
-          <a:lstStyle/>
-          <a:p>
-            <a:pPr algn="l"/>
-            <a:endParaRPr lang="en-US" sz="1400" b="1" dirty="0">
-              <a:solidFill>
-                <a:schemeClr val="bg1"/>
-              </a:solidFill>
-            </a:endParaRPr>
-          </a:p>
-          <a:p>
-            <a:pPr marL="342900" indent="-342900" algn="l">
-              <a:buFont typeface="+mj-lt"/>
-              <a:buAutoNum type="arabicPeriod"/>
-            </a:pPr>
-            <a:r>
-              <a:rPr lang="en-US" sz="1400" b="1" dirty="0">
-                <a:solidFill>
-                  <a:schemeClr val="bg1"/>
-                </a:solidFill>
-              </a:rPr>
-              <a:t>Check out winning strategies on Kaggle, improve on them</a:t>
-            </a:r>
-          </a:p>
-          <a:p>
-            <a:pPr marL="342900" indent="-342900" algn="l">
-              <a:buFont typeface="+mj-lt"/>
-              <a:buAutoNum type="arabicPeriod"/>
-            </a:pPr>
-            <a:endParaRPr lang="en-US" sz="1400" b="1" dirty="0">
-              <a:solidFill>
-                <a:schemeClr val="bg1"/>
-              </a:solidFill>
-            </a:endParaRPr>
-          </a:p>
-          <a:p>
-            <a:pPr marL="342900" indent="-342900" algn="l">
-              <a:buFont typeface="+mj-lt"/>
-              <a:buAutoNum type="arabicPeriod"/>
-            </a:pPr>
-            <a:r>
-              <a:rPr lang="en-US" sz="1400" b="1" dirty="0">
-                <a:solidFill>
-                  <a:schemeClr val="bg1"/>
-                </a:solidFill>
-              </a:rPr>
-              <a:t>Keep competing in Kaggle competitions</a:t>
-            </a:r>
-          </a:p>
-          <a:p>
-            <a:pPr marL="342900" indent="-342900" algn="l">
-              <a:buFont typeface="+mj-lt"/>
-              <a:buAutoNum type="arabicPeriod"/>
-            </a:pPr>
-            <a:endParaRPr lang="en-US" sz="1400" b="1" dirty="0">
-              <a:solidFill>
-                <a:schemeClr val="bg1"/>
-              </a:solidFill>
-            </a:endParaRPr>
-          </a:p>
-          <a:p>
-            <a:pPr marL="342900" indent="-342900" algn="l">
-              <a:buFont typeface="+mj-lt"/>
-              <a:buAutoNum type="arabicPeriod"/>
-            </a:pPr>
-            <a:r>
-              <a:rPr lang="en-US" sz="1400" b="1" dirty="0">
-                <a:solidFill>
-                  <a:schemeClr val="bg1"/>
-                </a:solidFill>
-              </a:rPr>
-              <a:t>Try out Natural Language Processing</a:t>
-            </a:r>
-          </a:p>
-        </p:txBody>
-      </p:sp>
-    </p:spTree>
-    <p:extLst>
-      <p:ext uri="{BB962C8B-B14F-4D97-AF65-F5344CB8AC3E}">
-        <p14:creationId xmlns:p14="http://schemas.microsoft.com/office/powerpoint/2010/main" val="1901568452"/>
-      </p:ext>
-    </p:extLst>
-  </p:cSld>
-  <p:clrMapOvr>
-    <a:masterClrMapping/>
-  </p:clrMapOvr>
-  <p:transition/>
-</p:sld>
-</file>
-
-<file path=ppt/slides/slide9.xml><?xml version="1.0" encoding="utf-8"?>
-<p:sld xmlns:a="http://schemas.openxmlformats.org/drawingml/2006/main" xmlns:r="http://schemas.openxmlformats.org/officeDocument/2006/relationships" xmlns:p="http://schemas.openxmlformats.org/presentationml/2006/main">
-  <p:cSld>
-    <p:spTree>
-      <p:nvGrpSpPr>
-        <p:cNvPr id="1" name=""/>
-        <p:cNvGrpSpPr/>
-        <p:nvPr/>
-      </p:nvGrpSpPr>
-      <p:grpSpPr>
-        <a:xfrm>
-          <a:off x="0" y="0"/>
-          <a:ext cx="0" cy="0"/>
-          <a:chOff x="0" y="0"/>
-          <a:chExt cx="0" cy="0"/>
-        </a:xfrm>
-      </p:grpSpPr>
-      <p:sp>
-        <p:nvSpPr>
-          <p:cNvPr id="19457" name="Title 1"/>
-          <p:cNvSpPr>
-            <a:spLocks noGrp="1"/>
-          </p:cNvSpPr>
-          <p:nvPr>
-            <p:ph type="ctrTitle"/>
-          </p:nvPr>
-        </p:nvSpPr>
-        <p:spPr bwMode="auto">
-          <a:xfrm>
-            <a:off x="519112" y="1066800"/>
-            <a:ext cx="8429625" cy="3695700"/>
-          </a:xfrm>
-          <a:extLst>
-            <a:ext uri="{909E8E84-426E-40DD-AFC4-6F175D3DCCD1}">
-              <a14:hiddenFill xmlns:a14="http://schemas.microsoft.com/office/drawing/2010/main">
-                <a:solidFill>
-                  <a:srgbClr val="FFFFFF"/>
-                </a:solidFill>
-              </a14:hiddenFill>
-            </a:ext>
-            <a:ext uri="{91240B29-F687-4F45-9708-019B960494DF}">
-              <a14:hiddenLine xmlns:a14="http://schemas.microsoft.com/office/drawing/2010/main" w="9525">
-                <a:solidFill>
-                  <a:srgbClr val="000000"/>
-                </a:solidFill>
-                <a:miter lim="800000"/>
-                <a:headEnd/>
-                <a:tailEnd/>
-              </a14:hiddenLine>
-            </a:ext>
-            <a:ext uri="{FAA26D3D-D897-4be2-8F04-BA451C77F1D7}">
-              <ma14:placeholderFlag xmlns="" xmlns:ma14="http://schemas.microsoft.com/office/mac/drawingml/2011/main" val="1"/>
-            </a:ext>
-          </a:extLst>
-        </p:spPr>
-        <p:txBody>
-          <a:bodyPr wrap="square" numCol="1" anchor="t" anchorCtr="0" compatLnSpc="1">
-            <a:prstTxWarp prst="textNoShape">
-              <a:avLst/>
-            </a:prstTxWarp>
-          </a:bodyPr>
-          <a:lstStyle/>
-          <a:p>
-            <a:pPr>
-              <a:lnSpc>
-                <a:spcPts val="3600"/>
-              </a:lnSpc>
-              <a:defRPr/>
-            </a:pPr>
-            <a:br>
-              <a:rPr lang="en-US" sz="3000" dirty="0">
-                <a:latin typeface="PFDinTextCompPro-Bold" charset="0"/>
-                <a:ea typeface="ヒラギノ角ゴ ProN W6" charset="0"/>
-                <a:cs typeface="ヒラギノ角ゴ ProN W6" charset="0"/>
-              </a:rPr>
-            </a:br>
-            <a:r>
-              <a:rPr lang="en-US" sz="3000" dirty="0">
-                <a:latin typeface="PFDinTextCompPro-Bold" charset="0"/>
-                <a:ea typeface="ヒラギノ角ゴ ProN W6" charset="0"/>
-                <a:cs typeface="ヒラギノ角ゴ ProN W6" charset="0"/>
-              </a:rPr>
-              <a:t>0. Quick intro</a:t>
-            </a:r>
-            <a:br>
-              <a:rPr lang="en-US" sz="3000" dirty="0">
-                <a:latin typeface="PFDinTextCompPro-Bold" charset="0"/>
-                <a:ea typeface="ヒラギノ角ゴ ProN W6" charset="0"/>
-                <a:cs typeface="ヒラギノ角ゴ ProN W6" charset="0"/>
-              </a:rPr>
-            </a:br>
-            <a:r>
-              <a:rPr lang="en-US" sz="3000" dirty="0">
-                <a:latin typeface="PFDinTextCompPro-Bold" charset="0"/>
-                <a:ea typeface="ヒラギノ角ゴ ProN W6" charset="0"/>
-                <a:cs typeface="ヒラギノ角ゴ ProN W6" charset="0"/>
-              </a:rPr>
-              <a:t>I. my approach</a:t>
-            </a:r>
-            <a:br>
-              <a:rPr lang="en-US" sz="3000" dirty="0">
-                <a:latin typeface="PFDinTextCompPro-Bold" charset="0"/>
-                <a:ea typeface="ヒラギノ角ゴ ProN W6" charset="0"/>
-                <a:cs typeface="ヒラギノ角ゴ ProN W6" charset="0"/>
-              </a:rPr>
-            </a:br>
-            <a:r>
-              <a:rPr lang="en-US" sz="3000" dirty="0">
-                <a:latin typeface="PFDinTextCompPro-Bold" charset="0"/>
-                <a:ea typeface="ヒラギノ角ゴ ProN W6" charset="0"/>
-                <a:cs typeface="ヒラギノ角ゴ ProN W6" charset="0"/>
-              </a:rPr>
-              <a:t>II. My challenges</a:t>
-            </a:r>
-            <a:br>
-              <a:rPr lang="en-US" sz="3000" dirty="0">
-                <a:latin typeface="PFDinTextCompPro-Bold" charset="0"/>
-                <a:ea typeface="ヒラギノ角ゴ ProN W6" charset="0"/>
-                <a:cs typeface="ヒラギノ角ゴ ProN W6" charset="0"/>
-              </a:rPr>
-            </a:br>
-            <a:r>
-              <a:rPr lang="en-US" sz="3000" dirty="0">
-                <a:latin typeface="PFDinTextCompPro-Bold" charset="0"/>
-                <a:ea typeface="ヒラギノ角ゴ ProN W6" charset="0"/>
-                <a:cs typeface="ヒラギノ角ゴ ProN W6" charset="0"/>
-              </a:rPr>
-              <a:t>iii. Next steps</a:t>
-            </a:r>
-            <a:br>
-              <a:rPr lang="en-US" sz="3000" dirty="0">
-                <a:latin typeface="PFDinTextCompPro-Bold" charset="0"/>
-                <a:ea typeface="ヒラギノ角ゴ ProN W6" charset="0"/>
-                <a:cs typeface="ヒラギノ角ゴ ProN W6" charset="0"/>
-              </a:rPr>
-            </a:br>
-            <a:r>
-              <a:rPr lang="en-US" sz="3000" dirty="0">
-                <a:latin typeface="PFDinTextCompPro-Bold" charset="0"/>
-                <a:ea typeface="ヒラギノ角ゴ ProN W6" charset="0"/>
-                <a:cs typeface="ヒラギノ角ゴ ProN W6" charset="0"/>
-              </a:rPr>
-              <a:t>III. Q&amp;A</a:t>
-            </a:r>
-            <a:endParaRPr lang="en-US" sz="3000" cap="none" dirty="0">
-              <a:latin typeface="PFDinTextCompPro-Bold" charset="0"/>
-              <a:ea typeface="ヒラギノ角ゴ ProN W6" charset="0"/>
-              <a:cs typeface="ヒラギノ角ゴ ProN W6" charset="0"/>
-            </a:endParaRPr>
-          </a:p>
-        </p:txBody>
-      </p:sp>
-      <p:sp>
-        <p:nvSpPr>
-          <p:cNvPr id="11" name="Content Placeholder 10"/>
-          <p:cNvSpPr>
-            <a:spLocks noGrp="1"/>
-          </p:cNvSpPr>
-          <p:nvPr>
-            <p:ph sz="quarter" idx="11"/>
-          </p:nvPr>
-        </p:nvSpPr>
-        <p:spPr>
-          <a:xfrm>
-            <a:off x="371475" y="495300"/>
-            <a:ext cx="7129463" cy="304800"/>
-          </a:xfrm>
-        </p:spPr>
-        <p:txBody>
-          <a:bodyPr/>
-          <a:lstStyle/>
-          <a:p>
-            <a:pPr eaLnBrk="1" hangingPunct="1">
-              <a:lnSpc>
-                <a:spcPts val="2448"/>
-              </a:lnSpc>
-              <a:defRPr/>
-            </a:pPr>
-            <a:r>
-              <a:rPr lang="en-US" dirty="0">
-                <a:latin typeface="PFDinTextCompPro-Bold" charset="0"/>
-                <a:ea typeface="ＭＳ Ｐゴシック" charset="0"/>
-                <a:cs typeface="PFDinTextCompPro-Bold" charset="0"/>
-                <a:sym typeface="PFDinTextCompPro-Bold" charset="0"/>
-              </a:rPr>
-              <a:t>agenda</a:t>
-            </a:r>
-          </a:p>
-          <a:p>
-            <a:pPr eaLnBrk="1" hangingPunct="1">
-              <a:lnSpc>
-                <a:spcPts val="2448"/>
-              </a:lnSpc>
-              <a:defRPr/>
-            </a:pPr>
-            <a:endParaRPr lang="en-US" dirty="0"/>
-          </a:p>
-        </p:txBody>
-      </p:sp>
-      <p:sp>
-        <p:nvSpPr>
-          <p:cNvPr id="2" name="Rectangle 1"/>
-          <p:cNvSpPr/>
-          <p:nvPr/>
-        </p:nvSpPr>
-        <p:spPr bwMode="auto">
-          <a:xfrm>
-            <a:off x="0" y="0"/>
-            <a:ext cx="9363075" cy="5257800"/>
-          </a:xfrm>
-          <a:prstGeom prst="rect">
-            <a:avLst/>
-          </a:prstGeom>
-          <a:solidFill>
-            <a:srgbClr val="F37711"/>
-          </a:solidFill>
-          <a:ln w="25400" cap="flat" cmpd="sng" algn="ctr">
-            <a:noFill/>
-            <a:prstDash val="solid"/>
-            <a:round/>
-            <a:headEnd type="none" w="med" len="med"/>
-            <a:tailEnd type="none" w="med" len="med"/>
-          </a:ln>
-          <a:effectLst/>
-          <a:extLst/>
-        </p:spPr>
-        <p:txBody>
-          <a:bodyPr vert="horz" wrap="square" lIns="91440" tIns="45720" rIns="91440" bIns="45720" numCol="1" rtlCol="0" anchor="t" anchorCtr="0" compatLnSpc="1">
-            <a:prstTxWarp prst="textNoShape">
-              <a:avLst/>
-            </a:prstTxWarp>
-          </a:bodyPr>
-          <a:lstStyle/>
-          <a:p>
-            <a:pPr marL="0" marR="0" indent="0" algn="ctr" defTabSz="914400" rtl="0" eaLnBrk="1" fontAlgn="base" latinLnBrk="0" hangingPunct="1">
-              <a:lnSpc>
-                <a:spcPct val="100000"/>
-              </a:lnSpc>
-              <a:spcBef>
-                <a:spcPct val="0"/>
-              </a:spcBef>
-              <a:spcAft>
-                <a:spcPct val="0"/>
-              </a:spcAft>
-              <a:buClrTx/>
-              <a:buSzTx/>
-              <a:buFontTx/>
-              <a:buNone/>
-              <a:tabLst/>
-            </a:pPr>
-            <a:endParaRPr kumimoji="0" lang="en-US" sz="5800" b="0" i="0" u="none" strike="noStrike" cap="none" normalizeH="0" baseline="0" dirty="0">
-              <a:ln>
-                <a:noFill/>
-              </a:ln>
-              <a:solidFill>
-                <a:srgbClr val="000000"/>
-              </a:solidFill>
-              <a:effectLst/>
-              <a:latin typeface="Gill Sans" charset="0"/>
-              <a:ea typeface="ヒラギノ角ゴ ProN W3" charset="0"/>
-              <a:cs typeface="ヒラギノ角ゴ ProN W3" charset="0"/>
-              <a:sym typeface="Gill Sans" charset="0"/>
-            </a:endParaRPr>
-          </a:p>
-        </p:txBody>
-      </p:sp>
-      <p:sp>
-        <p:nvSpPr>
-          <p:cNvPr id="17" name="Content Placeholder 10"/>
-          <p:cNvSpPr>
-            <a:spLocks noGrp="1"/>
-          </p:cNvSpPr>
-          <p:nvPr>
-            <p:ph sz="quarter" idx="11"/>
-          </p:nvPr>
-        </p:nvSpPr>
-        <p:spPr>
-          <a:xfrm>
-            <a:off x="447674" y="495300"/>
-            <a:ext cx="7129463" cy="304800"/>
-          </a:xfrm>
-        </p:spPr>
-        <p:txBody>
-          <a:bodyPr/>
-          <a:lstStyle/>
-          <a:p>
-            <a:pPr eaLnBrk="1" hangingPunct="1">
-              <a:lnSpc>
-                <a:spcPts val="2448"/>
-              </a:lnSpc>
-              <a:defRPr/>
-            </a:pPr>
-            <a:r>
-              <a:rPr lang="en-US" dirty="0">
-                <a:solidFill>
-                  <a:schemeClr val="bg1"/>
-                </a:solidFill>
-                <a:latin typeface="PFDinTextCompPro-Bold" charset="0"/>
-                <a:ea typeface="ＭＳ Ｐゴシック" charset="0"/>
-                <a:cs typeface="PFDinTextCompPro-Bold" charset="0"/>
-                <a:sym typeface="PFDinTextCompPro-Bold" charset="0"/>
-              </a:rPr>
-              <a:t>Q&amp;A</a:t>
-            </a:r>
-          </a:p>
-          <a:p>
-            <a:pPr eaLnBrk="1" hangingPunct="1">
-              <a:lnSpc>
-                <a:spcPts val="2448"/>
-              </a:lnSpc>
-              <a:defRPr/>
-            </a:pPr>
-            <a:endParaRPr lang="en-US" dirty="0">
-              <a:solidFill>
-                <a:schemeClr val="bg1"/>
-              </a:solidFill>
-            </a:endParaRPr>
-          </a:p>
-        </p:txBody>
-      </p:sp>
-      <p:cxnSp>
-        <p:nvCxnSpPr>
-          <p:cNvPr id="18" name="Straight Connector 17"/>
-          <p:cNvCxnSpPr/>
-          <p:nvPr/>
-        </p:nvCxnSpPr>
-        <p:spPr bwMode="auto">
-          <a:xfrm>
-            <a:off x="490537" y="876300"/>
-            <a:ext cx="8382000" cy="0"/>
-          </a:xfrm>
-          <a:prstGeom prst="line">
-            <a:avLst/>
-          </a:prstGeom>
-          <a:ln>
-            <a:solidFill>
-              <a:schemeClr val="bg1"/>
-            </a:solidFill>
-            <a:headEnd type="none" w="med" len="med"/>
-            <a:tailEnd type="none" w="med" len="med"/>
-          </a:ln>
-          <a:effectLst/>
-          <a:extLst/>
-        </p:spPr>
-        <p:style>
-          <a:lnRef idx="3">
-            <a:schemeClr val="accent6"/>
-          </a:lnRef>
-          <a:fillRef idx="0">
-            <a:schemeClr val="accent6"/>
-          </a:fillRef>
-          <a:effectRef idx="2">
-            <a:schemeClr val="accent6"/>
-          </a:effectRef>
-          <a:fontRef idx="minor">
-            <a:schemeClr val="tx1"/>
-          </a:fontRef>
-        </p:style>
-      </p:cxnSp>
-    </p:spTree>
-    <p:extLst>
-      <p:ext uri="{BB962C8B-B14F-4D97-AF65-F5344CB8AC3E}">
-        <p14:creationId xmlns:p14="http://schemas.microsoft.com/office/powerpoint/2010/main" val="1457316047"/>
+        <p14:creationId xmlns:p14="http://schemas.microsoft.com/office/powerpoint/2010/main" val="3766080779"/>
       </p:ext>
     </p:extLst>
   </p:cSld>

--- a/BrandonWong/Project/Presentation.pptx
+++ b/BrandonWong/Project/Presentation.pptx
@@ -7268,7 +7268,7 @@
               </a14:hiddenLine>
             </a:ext>
             <a:ext uri="{FAA26D3D-D897-4be2-8F04-BA451C77F1D7}">
-              <ma14:placeholderFlag xmlns:ma14="http://schemas.microsoft.com/office/mac/drawingml/2011/main" xmlns="" val="1"/>
+              <ma14:placeholderFlag xmlns="" xmlns:ma14="http://schemas.microsoft.com/office/mac/drawingml/2011/main" val="1"/>
             </a:ext>
           </a:extLst>
         </p:spPr>
@@ -7571,7 +7571,7 @@
               </a14:hiddenLine>
             </a:ext>
             <a:ext uri="{FAA26D3D-D897-4be2-8F04-BA451C77F1D7}">
-              <ma14:placeholderFlag xmlns:ma14="http://schemas.microsoft.com/office/mac/drawingml/2011/main" xmlns="" val="1"/>
+              <ma14:placeholderFlag xmlns="" xmlns:ma14="http://schemas.microsoft.com/office/mac/drawingml/2011/main" val="1"/>
             </a:ext>
           </a:extLst>
         </p:spPr>
@@ -7908,8 +7908,8 @@
         </p:blipFill>
         <p:spPr>
           <a:xfrm>
-            <a:off x="490537" y="1443037"/>
-            <a:ext cx="3962400" cy="3095625"/>
+            <a:off x="2243137" y="1366837"/>
+            <a:ext cx="4267200" cy="3095625"/>
           </a:xfrm>
           <a:prstGeom prst="rect">
             <a:avLst/>
@@ -7981,7 +7981,7 @@
               </a14:hiddenLine>
             </a:ext>
             <a:ext uri="{FAA26D3D-D897-4be2-8F04-BA451C77F1D7}">
-              <ma14:placeholderFlag xmlns:ma14="http://schemas.microsoft.com/office/mac/drawingml/2011/main" xmlns="" val="1"/>
+              <ma14:placeholderFlag xmlns="" xmlns:ma14="http://schemas.microsoft.com/office/mac/drawingml/2011/main" val="1"/>
             </a:ext>
           </a:extLst>
         </p:spPr>
@@ -8415,7 +8415,7 @@
               </a14:hiddenLine>
             </a:ext>
             <a:ext uri="{FAA26D3D-D897-4be2-8F04-BA451C77F1D7}">
-              <ma14:placeholderFlag xmlns:ma14="http://schemas.microsoft.com/office/mac/drawingml/2011/main" xmlns="" val="1"/>
+              <ma14:placeholderFlag xmlns="" xmlns:ma14="http://schemas.microsoft.com/office/mac/drawingml/2011/main" val="1"/>
             </a:ext>
           </a:extLst>
         </p:spPr>
@@ -8836,7 +8836,7 @@
               </a14:hiddenLine>
             </a:ext>
             <a:ext uri="{FAA26D3D-D897-4be2-8F04-BA451C77F1D7}">
-              <ma14:placeholderFlag xmlns:ma14="http://schemas.microsoft.com/office/mac/drawingml/2011/main" xmlns="" val="1"/>
+              <ma14:placeholderFlag xmlns="" xmlns:ma14="http://schemas.microsoft.com/office/mac/drawingml/2011/main" val="1"/>
             </a:ext>
           </a:extLst>
         </p:spPr>
@@ -9291,7 +9291,7 @@
               </a14:hiddenLine>
             </a:ext>
             <a:ext uri="{FAA26D3D-D897-4be2-8F04-BA451C77F1D7}">
-              <ma14:placeholderFlag xmlns:ma14="http://schemas.microsoft.com/office/mac/drawingml/2011/main" xmlns="" val="1"/>
+              <ma14:placeholderFlag xmlns="" xmlns:ma14="http://schemas.microsoft.com/office/mac/drawingml/2011/main" val="1"/>
             </a:ext>
           </a:extLst>
         </p:spPr>
@@ -9758,7 +9758,7 @@
               </a14:hiddenLine>
             </a:ext>
             <a:ext uri="{FAA26D3D-D897-4be2-8F04-BA451C77F1D7}">
-              <ma14:placeholderFlag xmlns:ma14="http://schemas.microsoft.com/office/mac/drawingml/2011/main" xmlns="" val="1"/>
+              <ma14:placeholderFlag xmlns="" xmlns:ma14="http://schemas.microsoft.com/office/mac/drawingml/2011/main" val="1"/>
             </a:ext>
           </a:extLst>
         </p:spPr>
@@ -10405,7 +10405,7 @@
               </a14:hiddenLine>
             </a:ext>
             <a:ext uri="{FAA26D3D-D897-4be2-8F04-BA451C77F1D7}">
-              <ma14:placeholderFlag xmlns:ma14="http://schemas.microsoft.com/office/mac/drawingml/2011/main" xmlns="" val="1"/>
+              <ma14:placeholderFlag xmlns="" xmlns:ma14="http://schemas.microsoft.com/office/mac/drawingml/2011/main" val="1"/>
             </a:ext>
           </a:extLst>
         </p:spPr>
@@ -11002,7 +11002,7 @@
               </a14:hiddenLine>
             </a:ext>
             <a:ext uri="{FAA26D3D-D897-4be2-8F04-BA451C77F1D7}">
-              <ma14:placeholderFlag xmlns:ma14="http://schemas.microsoft.com/office/mac/drawingml/2011/main" xmlns="" val="1"/>
+              <ma14:placeholderFlag xmlns="" xmlns:ma14="http://schemas.microsoft.com/office/mac/drawingml/2011/main" val="1"/>
             </a:ext>
           </a:extLst>
         </p:spPr>
@@ -11630,7 +11630,7 @@
               </a14:hiddenLine>
             </a:ext>
             <a:ext uri="{FAA26D3D-D897-4be2-8F04-BA451C77F1D7}">
-              <ma14:placeholderFlag xmlns:ma14="http://schemas.microsoft.com/office/mac/drawingml/2011/main" xmlns="" val="1"/>
+              <ma14:placeholderFlag xmlns="" xmlns:ma14="http://schemas.microsoft.com/office/mac/drawingml/2011/main" val="1"/>
             </a:ext>
           </a:extLst>
         </p:spPr>
@@ -12215,7 +12215,7 @@
               </a14:hiddenLine>
             </a:ext>
             <a:ext uri="{FAA26D3D-D897-4be2-8F04-BA451C77F1D7}">
-              <ma14:placeholderFlag xmlns:ma14="http://schemas.microsoft.com/office/mac/drawingml/2011/main" xmlns="" val="1"/>
+              <ma14:placeholderFlag xmlns="" xmlns:ma14="http://schemas.microsoft.com/office/mac/drawingml/2011/main" val="1"/>
             </a:ext>
           </a:extLst>
         </p:spPr>
@@ -12738,7 +12738,7 @@
               </a14:hiddenLine>
             </a:ext>
             <a:ext uri="{FAA26D3D-D897-4be2-8F04-BA451C77F1D7}">
-              <ma14:placeholderFlag xmlns:ma14="http://schemas.microsoft.com/office/mac/drawingml/2011/main" xmlns="" val="1"/>
+              <ma14:placeholderFlag xmlns="" xmlns:ma14="http://schemas.microsoft.com/office/mac/drawingml/2011/main" val="1"/>
             </a:ext>
           </a:extLst>
         </p:spPr>
@@ -13203,7 +13203,7 @@
               </a14:hiddenLine>
             </a:ext>
             <a:ext uri="{FAA26D3D-D897-4be2-8F04-BA451C77F1D7}">
-              <ma14:placeholderFlag xmlns:ma14="http://schemas.microsoft.com/office/mac/drawingml/2011/main" xmlns="" val="1"/>
+              <ma14:placeholderFlag xmlns="" xmlns:ma14="http://schemas.microsoft.com/office/mac/drawingml/2011/main" val="1"/>
             </a:ext>
           </a:extLst>
         </p:spPr>
@@ -13722,7 +13722,7 @@
               </a14:hiddenLine>
             </a:ext>
             <a:ext uri="{FAA26D3D-D897-4be2-8F04-BA451C77F1D7}">
-              <ma14:placeholderFlag xmlns:ma14="http://schemas.microsoft.com/office/mac/drawingml/2011/main" xmlns="" val="1"/>
+              <ma14:placeholderFlag xmlns="" xmlns:ma14="http://schemas.microsoft.com/office/mac/drawingml/2011/main" val="1"/>
             </a:ext>
           </a:extLst>
         </p:spPr>
